--- a/presentation/Travel expert presentation_Group5-John-Megha-Brian-Mahmood.pptx
+++ b/presentation/Travel expert presentation_Group5-John-Megha-Brian-Mahmood.pptx
@@ -14,12 +14,12 @@
     <p:sldId id="333" r:id="rId5"/>
     <p:sldId id="334" r:id="rId6"/>
     <p:sldId id="338" r:id="rId7"/>
-    <p:sldId id="344" r:id="rId8"/>
-    <p:sldId id="345" r:id="rId9"/>
-    <p:sldId id="347" r:id="rId10"/>
-    <p:sldId id="348" r:id="rId11"/>
-    <p:sldId id="337" r:id="rId12"/>
-    <p:sldId id="335" r:id="rId13"/>
+    <p:sldId id="350" r:id="rId8"/>
+    <p:sldId id="344" r:id="rId9"/>
+    <p:sldId id="348" r:id="rId10"/>
+    <p:sldId id="337" r:id="rId11"/>
+    <p:sldId id="335" r:id="rId12"/>
+    <p:sldId id="349" r:id="rId13"/>
     <p:sldId id="336" r:id="rId14"/>
     <p:sldId id="321" r:id="rId15"/>
   </p:sldIdLst>
@@ -18288,7 +18288,7 @@
         </p:nvSpPr>
         <p:spPr>
           <a:xfrm>
-            <a:off x="1295400" y="5387976"/>
+            <a:off x="1310640" y="5692775"/>
             <a:ext cx="6400800" cy="479425"/>
           </a:xfrm>
           <a:prstGeom prst="rect">
@@ -18454,17 +18454,27 @@
           </a:lstStyle>
           <a:p>
             <a:r>
-              <a:rPr lang="en-US" dirty="0" smtClean="0">
+              <a:rPr lang="en-US" sz="1800" dirty="0" smtClean="0">
                 <a:solidFill>
                   <a:schemeClr val="accent1"/>
                 </a:solidFill>
                 <a:latin typeface="Open Sans Extrabold"/>
                 <a:cs typeface="Open Sans Extrabold"/>
               </a:rPr>
-              <a:t>PRESENTER: John, </a:t>
-            </a:r>
-            <a:r>
-              <a:rPr lang="en-US" dirty="0" err="1" smtClean="0">
+              <a:t>PRESENTER</a:t>
+            </a:r>
+            <a:r>
+              <a:rPr lang="en-US" sz="1800" dirty="0" smtClean="0">
+                <a:solidFill>
+                  <a:schemeClr val="accent1"/>
+                </a:solidFill>
+                <a:latin typeface="Open Sans Extrabold"/>
+                <a:cs typeface="Open Sans Extrabold"/>
+              </a:rPr>
+              <a:t>: John, </a:t>
+            </a:r>
+            <a:r>
+              <a:rPr lang="en-US" sz="1800" dirty="0" err="1" smtClean="0">
                 <a:solidFill>
                   <a:schemeClr val="accent1"/>
                 </a:solidFill>
@@ -18474,7 +18484,7 @@
               <a:t>Megha</a:t>
             </a:r>
             <a:r>
-              <a:rPr lang="en-US" dirty="0" smtClean="0">
+              <a:rPr lang="en-US" sz="1800" dirty="0" smtClean="0">
                 <a:solidFill>
                   <a:schemeClr val="accent1"/>
                 </a:solidFill>
@@ -18496,7 +18506,7 @@
         </p:nvSpPr>
         <p:spPr>
           <a:xfrm>
-            <a:off x="1295400" y="5794376"/>
+            <a:off x="1310640" y="6172200"/>
             <a:ext cx="6400800" cy="479425"/>
           </a:xfrm>
           <a:prstGeom prst="rect">
@@ -18662,7 +18672,7 @@
           </a:lstStyle>
           <a:p>
             <a:r>
-              <a:rPr lang="en-US" dirty="0" smtClean="0">
+              <a:rPr lang="en-US" sz="1800" dirty="0" smtClean="0">
                 <a:solidFill>
                   <a:schemeClr val="accent1"/>
                 </a:solidFill>
@@ -18713,6 +18723,210 @@
           </a:prstGeom>
         </p:spPr>
       </p:pic>
+      <p:sp>
+        <p:nvSpPr>
+          <p:cNvPr id="7" name="Subtitle 2"/>
+          <p:cNvSpPr txBox="1">
+            <a:spLocks/>
+          </p:cNvSpPr>
+          <p:nvPr/>
+        </p:nvSpPr>
+        <p:spPr>
+          <a:xfrm>
+            <a:off x="1310640" y="5208905"/>
+            <a:ext cx="6400800" cy="479425"/>
+          </a:xfrm>
+          <a:prstGeom prst="rect">
+            <a:avLst/>
+          </a:prstGeom>
+        </p:spPr>
+        <p:txBody>
+          <a:bodyPr vert="horz" lIns="91440" tIns="45720" rIns="91440" bIns="45720" rtlCol="0">
+            <a:normAutofit/>
+          </a:bodyPr>
+          <a:lstStyle>
+            <a:lvl1pPr marL="0" indent="0" algn="ctr" defTabSz="914400" rtl="0" eaLnBrk="1" latinLnBrk="0" hangingPunct="1">
+              <a:spcBef>
+                <a:spcPct val="20000"/>
+              </a:spcBef>
+              <a:buFont typeface="Arial" pitchFamily="34" charset="0"/>
+              <a:buNone/>
+              <a:defRPr sz="2000" kern="1200">
+                <a:solidFill>
+                  <a:srgbClr val="FFFFFF"/>
+                </a:solidFill>
+                <a:latin typeface="+mn-lt"/>
+                <a:ea typeface="+mn-ea"/>
+                <a:cs typeface="+mn-cs"/>
+              </a:defRPr>
+            </a:lvl1pPr>
+            <a:lvl2pPr marL="457200" indent="0" algn="ctr" defTabSz="914400" rtl="0" eaLnBrk="1" latinLnBrk="0" hangingPunct="1">
+              <a:spcBef>
+                <a:spcPct val="20000"/>
+              </a:spcBef>
+              <a:buFont typeface="Arial" pitchFamily="34" charset="0"/>
+              <a:buNone/>
+              <a:defRPr sz="1800" kern="1200">
+                <a:solidFill>
+                  <a:schemeClr val="tx1">
+                    <a:tint val="75000"/>
+                  </a:schemeClr>
+                </a:solidFill>
+                <a:latin typeface="+mn-lt"/>
+                <a:ea typeface="+mn-ea"/>
+                <a:cs typeface="+mn-cs"/>
+              </a:defRPr>
+            </a:lvl2pPr>
+            <a:lvl3pPr marL="914400" indent="0" algn="ctr" defTabSz="914400" rtl="0" eaLnBrk="1" latinLnBrk="0" hangingPunct="1">
+              <a:spcBef>
+                <a:spcPct val="20000"/>
+              </a:spcBef>
+              <a:buFont typeface="Arial" pitchFamily="34" charset="0"/>
+              <a:buNone/>
+              <a:defRPr sz="1600" kern="1200">
+                <a:solidFill>
+                  <a:schemeClr val="tx1">
+                    <a:tint val="75000"/>
+                  </a:schemeClr>
+                </a:solidFill>
+                <a:latin typeface="+mn-lt"/>
+                <a:ea typeface="+mn-ea"/>
+                <a:cs typeface="+mn-cs"/>
+              </a:defRPr>
+            </a:lvl3pPr>
+            <a:lvl4pPr marL="1371600" indent="0" algn="ctr" defTabSz="914400" rtl="0" eaLnBrk="1" latinLnBrk="0" hangingPunct="1">
+              <a:spcBef>
+                <a:spcPct val="20000"/>
+              </a:spcBef>
+              <a:buFont typeface="Arial" pitchFamily="34" charset="0"/>
+              <a:buNone/>
+              <a:defRPr sz="1400" kern="1200">
+                <a:solidFill>
+                  <a:schemeClr val="tx1">
+                    <a:tint val="75000"/>
+                  </a:schemeClr>
+                </a:solidFill>
+                <a:latin typeface="+mn-lt"/>
+                <a:ea typeface="+mn-ea"/>
+                <a:cs typeface="+mn-cs"/>
+              </a:defRPr>
+            </a:lvl4pPr>
+            <a:lvl5pPr marL="1828800" indent="0" algn="ctr" defTabSz="914400" rtl="0" eaLnBrk="1" latinLnBrk="0" hangingPunct="1">
+              <a:spcBef>
+                <a:spcPct val="20000"/>
+              </a:spcBef>
+              <a:buFont typeface="Arial" pitchFamily="34" charset="0"/>
+              <a:buNone/>
+              <a:defRPr sz="1400" kern="1200">
+                <a:solidFill>
+                  <a:schemeClr val="tx1">
+                    <a:tint val="75000"/>
+                  </a:schemeClr>
+                </a:solidFill>
+                <a:latin typeface="+mn-lt"/>
+                <a:ea typeface="+mn-ea"/>
+                <a:cs typeface="+mn-cs"/>
+              </a:defRPr>
+            </a:lvl5pPr>
+            <a:lvl6pPr marL="2286000" indent="0" algn="ctr" defTabSz="914400" rtl="0" eaLnBrk="1" latinLnBrk="0" hangingPunct="1">
+              <a:spcBef>
+                <a:spcPct val="20000"/>
+              </a:spcBef>
+              <a:buFont typeface="Arial" pitchFamily="34" charset="0"/>
+              <a:buNone/>
+              <a:defRPr sz="2000" kern="1200">
+                <a:solidFill>
+                  <a:schemeClr val="tx1">
+                    <a:tint val="75000"/>
+                  </a:schemeClr>
+                </a:solidFill>
+                <a:latin typeface="+mn-lt"/>
+                <a:ea typeface="+mn-ea"/>
+                <a:cs typeface="+mn-cs"/>
+              </a:defRPr>
+            </a:lvl6pPr>
+            <a:lvl7pPr marL="2743200" indent="0" algn="ctr" defTabSz="914400" rtl="0" eaLnBrk="1" latinLnBrk="0" hangingPunct="1">
+              <a:spcBef>
+                <a:spcPct val="20000"/>
+              </a:spcBef>
+              <a:buFont typeface="Arial" pitchFamily="34" charset="0"/>
+              <a:buNone/>
+              <a:defRPr sz="2000" kern="1200">
+                <a:solidFill>
+                  <a:schemeClr val="tx1">
+                    <a:tint val="75000"/>
+                  </a:schemeClr>
+                </a:solidFill>
+                <a:latin typeface="+mn-lt"/>
+                <a:ea typeface="+mn-ea"/>
+                <a:cs typeface="+mn-cs"/>
+              </a:defRPr>
+            </a:lvl7pPr>
+            <a:lvl8pPr marL="3200400" indent="0" algn="ctr" defTabSz="914400" rtl="0" eaLnBrk="1" latinLnBrk="0" hangingPunct="1">
+              <a:spcBef>
+                <a:spcPct val="20000"/>
+              </a:spcBef>
+              <a:buFont typeface="Arial" pitchFamily="34" charset="0"/>
+              <a:buNone/>
+              <a:defRPr sz="2000" kern="1200">
+                <a:solidFill>
+                  <a:schemeClr val="tx1">
+                    <a:tint val="75000"/>
+                  </a:schemeClr>
+                </a:solidFill>
+                <a:latin typeface="+mn-lt"/>
+                <a:ea typeface="+mn-ea"/>
+                <a:cs typeface="+mn-cs"/>
+              </a:defRPr>
+            </a:lvl8pPr>
+            <a:lvl9pPr marL="3657600" indent="0" algn="ctr" defTabSz="914400" rtl="0" eaLnBrk="1" latinLnBrk="0" hangingPunct="1">
+              <a:spcBef>
+                <a:spcPct val="20000"/>
+              </a:spcBef>
+              <a:buFont typeface="Arial" pitchFamily="34" charset="0"/>
+              <a:buNone/>
+              <a:defRPr sz="2000" kern="1200">
+                <a:solidFill>
+                  <a:schemeClr val="tx1">
+                    <a:tint val="75000"/>
+                  </a:schemeClr>
+                </a:solidFill>
+                <a:latin typeface="+mn-lt"/>
+                <a:ea typeface="+mn-ea"/>
+                <a:cs typeface="+mn-cs"/>
+              </a:defRPr>
+            </a:lvl9pPr>
+          </a:lstStyle>
+          <a:p>
+            <a:r>
+              <a:rPr lang="en-US" dirty="0" smtClean="0">
+                <a:solidFill>
+                  <a:schemeClr val="accent1"/>
+                </a:solidFill>
+                <a:latin typeface="Open Sans Extrabold"/>
+                <a:cs typeface="Open Sans Extrabold"/>
+              </a:rPr>
+              <a:t>MMBJ Developers</a:t>
+            </a:r>
+            <a:endParaRPr lang="en-US" dirty="0" smtClean="0">
+              <a:solidFill>
+                <a:schemeClr val="accent1"/>
+              </a:solidFill>
+              <a:latin typeface="Open Sans Extrabold"/>
+              <a:cs typeface="Open Sans Extrabold"/>
+            </a:endParaRPr>
+          </a:p>
+          <a:p>
+            <a:endParaRPr lang="en-US" dirty="0">
+              <a:solidFill>
+                <a:srgbClr val="00B0F0"/>
+              </a:solidFill>
+              <a:latin typeface="Open Sans Light"/>
+              <a:cs typeface="Open Sans Light"/>
+            </a:endParaRPr>
+          </a:p>
+        </p:txBody>
+      </p:sp>
     </p:spTree>
     <p:extLst>
       <p:ext uri="{BB962C8B-B14F-4D97-AF65-F5344CB8AC3E}">
@@ -18772,22 +18986,27 @@
             <p:ph type="title"/>
           </p:nvPr>
         </p:nvSpPr>
-        <p:spPr/>
+        <p:spPr>
+          <a:xfrm>
+            <a:off x="457200" y="228600"/>
+            <a:ext cx="8229600" cy="685800"/>
+          </a:xfrm>
+        </p:spPr>
         <p:txBody>
           <a:bodyPr/>
           <a:lstStyle/>
           <a:p>
             <a:r>
-              <a:rPr lang="en-US" sz="3200" dirty="0" smtClean="0">
-                <a:solidFill>
-                  <a:srgbClr val="00B0F0"/>
+              <a:rPr lang="en-US" sz="3600" dirty="0" smtClean="0">
+                <a:solidFill>
+                  <a:schemeClr val="accent1"/>
                 </a:solidFill>
               </a:rPr>
-              <a:t>Assumption: Conflicts / Variations</a:t>
-            </a:r>
-            <a:endParaRPr lang="en-US" sz="3200" dirty="0">
+              <a:t>Use Case diagram</a:t>
+            </a:r>
+            <a:endParaRPr lang="en-US" sz="3600" dirty="0">
               <a:solidFill>
-                <a:srgbClr val="00B0F0"/>
+                <a:schemeClr val="accent1"/>
               </a:solidFill>
             </a:endParaRPr>
           </a:p>
@@ -18809,22 +19028,10 @@
           <a:lstStyle/>
           <a:p>
             <a:r>
-              <a:rPr lang="en-JM" smtClean="0">
-                <a:solidFill>
-                  <a:prstClr val="white">
-                    <a:lumMod val="65000"/>
-                  </a:prstClr>
-                </a:solidFill>
-              </a:rPr>
-              <a:t>WWW.DESIGNERSPARADISE.COM</a:t>
-            </a:r>
-            <a:endParaRPr lang="en-JM">
-              <a:solidFill>
-                <a:prstClr val="white">
-                  <a:lumMod val="65000"/>
-                </a:prstClr>
-              </a:solidFill>
-            </a:endParaRPr>
+              <a:rPr lang="en-JM" dirty="0" smtClean="0"/>
+              <a:t>WWW.MMBJ.COM</a:t>
+            </a:r>
+            <a:endParaRPr lang="en-JM" dirty="0"/>
           </a:p>
         </p:txBody>
       </p:sp>
@@ -18845,215 +19052,46 @@
           <a:p>
             <a:fld id="{857B18ED-D931-45F4-8873-1BEDAB4DC03E}" type="slidenum">
               <a:rPr lang="en-JM" smtClean="0"/>
-              <a:pPr/>
               <a:t>10</a:t>
             </a:fld>
             <a:endParaRPr lang="en-JM"/>
           </a:p>
         </p:txBody>
       </p:sp>
-      <p:sp>
-        <p:nvSpPr>
-          <p:cNvPr id="25" name="Text Placeholder 4"/>
-          <p:cNvSpPr>
-            <a:spLocks noGrp="1"/>
-          </p:cNvSpPr>
-          <p:nvPr>
-            <p:ph type="body" sz="quarter" idx="4294967295"/>
-          </p:nvPr>
-        </p:nvSpPr>
-        <p:spPr>
-          <a:xfrm>
-            <a:off x="609600" y="1498600"/>
-            <a:ext cx="7772400" cy="4368800"/>
+      <p:pic>
+        <p:nvPicPr>
+          <p:cNvPr id="6" name="Picture 5"/>
+          <p:cNvPicPr>
+            <a:picLocks noChangeAspect="1"/>
+          </p:cNvPicPr>
+          <p:nvPr/>
+        </p:nvPicPr>
+        <p:blipFill>
+          <a:blip r:embed="rId2">
+            <a:extLst>
+              <a:ext uri="{28A0092B-C50C-407E-A947-70E740481C1C}">
+                <a14:useLocalDpi xmlns:a14="http://schemas.microsoft.com/office/drawing/2010/main" val="0"/>
+              </a:ext>
+            </a:extLst>
+          </a:blip>
+          <a:stretch>
+            <a:fillRect/>
+          </a:stretch>
+        </p:blipFill>
+        <p:spPr>
+          <a:xfrm>
+            <a:off x="762000" y="914400"/>
+            <a:ext cx="7772400" cy="5257800"/>
           </a:xfrm>
           <a:prstGeom prst="rect">
             <a:avLst/>
           </a:prstGeom>
         </p:spPr>
-        <p:txBody>
-          <a:bodyPr>
-            <a:normAutofit/>
-          </a:bodyPr>
-          <a:lstStyle/>
-          <a:p>
-            <a:pPr marL="0" lvl="0" indent="0">
-              <a:spcBef>
-                <a:spcPts val="0"/>
-              </a:spcBef>
-              <a:buNone/>
-              <a:defRPr/>
-            </a:pPr>
-            <a:r>
-              <a:rPr lang="en-JM" sz="2400" u="sng" dirty="0" smtClean="0">
-                <a:solidFill>
-                  <a:schemeClr val="tx2"/>
-                </a:solidFill>
-                <a:latin typeface="Calibri"/>
-                <a:cs typeface="Calibri"/>
-              </a:rPr>
-              <a:t>Contingency Plan:</a:t>
-            </a:r>
-          </a:p>
-          <a:p>
-            <a:pPr lvl="0">
-              <a:spcBef>
-                <a:spcPts val="0"/>
-              </a:spcBef>
-              <a:defRPr/>
-            </a:pPr>
-            <a:endParaRPr lang="en-JM" sz="2000" dirty="0">
-              <a:latin typeface="Calibri"/>
-              <a:cs typeface="Calibri"/>
-            </a:endParaRPr>
-          </a:p>
-          <a:p>
-            <a:pPr lvl="0">
-              <a:spcBef>
-                <a:spcPts val="0"/>
-              </a:spcBef>
-              <a:defRPr/>
-            </a:pPr>
-            <a:r>
-              <a:rPr lang="en-JM" sz="2000" dirty="0" smtClean="0">
-                <a:solidFill>
-                  <a:schemeClr val="tx2"/>
-                </a:solidFill>
-                <a:latin typeface="Calibri"/>
-                <a:cs typeface="Calibri"/>
-              </a:rPr>
-              <a:t>Keep hard copies for evaluation</a:t>
-            </a:r>
-          </a:p>
-          <a:p>
-            <a:pPr lvl="1">
-              <a:spcBef>
-                <a:spcPts val="0"/>
-              </a:spcBef>
-              <a:defRPr/>
-            </a:pPr>
-            <a:r>
-              <a:rPr lang="en-JM" sz="1800" dirty="0" smtClean="0">
-                <a:solidFill>
-                  <a:schemeClr val="tx2"/>
-                </a:solidFill>
-                <a:latin typeface="Calibri"/>
-                <a:cs typeface="Calibri"/>
-              </a:rPr>
-              <a:t>Weekly / monthly reviews in meeting</a:t>
-            </a:r>
-          </a:p>
-          <a:p>
-            <a:pPr lvl="1">
-              <a:spcBef>
-                <a:spcPts val="0"/>
-              </a:spcBef>
-              <a:defRPr/>
-            </a:pPr>
-            <a:endParaRPr lang="en-JM" sz="1800" dirty="0">
-              <a:solidFill>
-                <a:schemeClr val="tx2"/>
-              </a:solidFill>
-              <a:latin typeface="Calibri"/>
-              <a:cs typeface="Calibri"/>
-            </a:endParaRPr>
-          </a:p>
-          <a:p>
-            <a:pPr lvl="0">
-              <a:spcBef>
-                <a:spcPts val="0"/>
-              </a:spcBef>
-              <a:defRPr/>
-            </a:pPr>
-            <a:r>
-              <a:rPr lang="en-JM" sz="2000" dirty="0" smtClean="0">
-                <a:solidFill>
-                  <a:schemeClr val="tx2"/>
-                </a:solidFill>
-                <a:latin typeface="Calibri"/>
-                <a:cs typeface="Calibri"/>
-              </a:rPr>
-              <a:t>3 months maintenance period </a:t>
-            </a:r>
-          </a:p>
-          <a:p>
-            <a:pPr lvl="1">
-              <a:spcBef>
-                <a:spcPts val="0"/>
-              </a:spcBef>
-              <a:defRPr/>
-            </a:pPr>
-            <a:r>
-              <a:rPr lang="en-JM" dirty="0" smtClean="0">
-                <a:solidFill>
-                  <a:schemeClr val="tx2"/>
-                </a:solidFill>
-                <a:cs typeface="Calibri"/>
-              </a:rPr>
-              <a:t>Change in the code</a:t>
-            </a:r>
-            <a:endParaRPr lang="en-JM" dirty="0">
-              <a:solidFill>
-                <a:schemeClr val="tx2"/>
-              </a:solidFill>
-              <a:cs typeface="Calibri"/>
-            </a:endParaRPr>
-          </a:p>
-          <a:p>
-            <a:pPr lvl="1">
-              <a:spcBef>
-                <a:spcPts val="0"/>
-              </a:spcBef>
-              <a:defRPr/>
-            </a:pPr>
-            <a:r>
-              <a:rPr lang="en-JM" dirty="0" smtClean="0">
-                <a:solidFill>
-                  <a:schemeClr val="tx2"/>
-                </a:solidFill>
-                <a:cs typeface="Calibri"/>
-              </a:rPr>
-              <a:t>Change in the layout / structure</a:t>
-            </a:r>
-          </a:p>
-          <a:p>
-            <a:pPr lvl="1">
-              <a:spcBef>
-                <a:spcPts val="0"/>
-              </a:spcBef>
-              <a:defRPr/>
-            </a:pPr>
-            <a:r>
-              <a:rPr lang="en-JM" dirty="0" smtClean="0">
-                <a:solidFill>
-                  <a:schemeClr val="tx2"/>
-                </a:solidFill>
-                <a:cs typeface="Calibri"/>
-              </a:rPr>
-              <a:t>Change in the reporting system</a:t>
-            </a:r>
-            <a:endParaRPr lang="en-JM" dirty="0">
-              <a:solidFill>
-                <a:schemeClr val="tx2"/>
-              </a:solidFill>
-              <a:cs typeface="Calibri"/>
-            </a:endParaRPr>
-          </a:p>
-          <a:p>
-            <a:pPr marL="0" indent="0">
-              <a:buNone/>
-            </a:pPr>
-            <a:endParaRPr lang="en-JM" sz="1800" dirty="0">
-              <a:latin typeface="Calibri"/>
-              <a:cs typeface="Calibri"/>
-            </a:endParaRPr>
-          </a:p>
-        </p:txBody>
-      </p:sp>
+      </p:pic>
     </p:spTree>
     <p:extLst>
       <p:ext uri="{BB962C8B-B14F-4D97-AF65-F5344CB8AC3E}">
-        <p14:creationId xmlns:p14="http://schemas.microsoft.com/office/powerpoint/2010/main" val="1908037546"/>
+        <p14:creationId xmlns:p14="http://schemas.microsoft.com/office/powerpoint/2010/main" val="3800681276"/>
       </p:ext>
     </p:extLst>
   </p:cSld>
@@ -19109,28 +19147,25 @@
             <p:ph type="title"/>
           </p:nvPr>
         </p:nvSpPr>
-        <p:spPr>
-          <a:xfrm>
-            <a:off x="457200" y="228600"/>
-            <a:ext cx="8229600" cy="685800"/>
-          </a:xfrm>
-        </p:spPr>
-        <p:txBody>
-          <a:bodyPr/>
-          <a:lstStyle/>
-          <a:p>
-            <a:r>
-              <a:rPr lang="en-US" sz="3600" dirty="0" smtClean="0">
-                <a:solidFill>
-                  <a:schemeClr val="accent1"/>
+        <p:spPr/>
+        <p:txBody>
+          <a:bodyPr>
+            <a:normAutofit/>
+          </a:bodyPr>
+          <a:lstStyle/>
+          <a:p>
+            <a:r>
+              <a:rPr lang="en-JM" sz="4400" dirty="0" smtClean="0">
+                <a:solidFill>
+                  <a:srgbClr val="00B0F0"/>
                 </a:solidFill>
               </a:rPr>
-              <a:t>Use Case diagram</a:t>
-            </a:r>
-            <a:endParaRPr lang="en-US" sz="3600" dirty="0">
-              <a:solidFill>
-                <a:schemeClr val="accent1"/>
-              </a:solidFill>
+              <a:t>Scope definition</a:t>
+            </a:r>
+            <a:endParaRPr lang="en-JM" sz="4400" dirty="0">
+              <a:latin typeface="Open Sans Light" pitchFamily="34" charset="0"/>
+              <a:ea typeface="Open Sans Light" pitchFamily="34" charset="0"/>
+              <a:cs typeface="Open Sans Light" pitchFamily="34" charset="0"/>
             </a:endParaRPr>
           </a:p>
         </p:txBody>
@@ -19181,40 +19216,188 @@
           </a:p>
         </p:txBody>
       </p:sp>
-      <p:pic>
-        <p:nvPicPr>
-          <p:cNvPr id="6" name="Picture 5"/>
-          <p:cNvPicPr>
-            <a:picLocks noChangeAspect="1"/>
-          </p:cNvPicPr>
-          <p:nvPr/>
-        </p:nvPicPr>
-        <p:blipFill>
-          <a:blip r:embed="rId2">
-            <a:extLst>
-              <a:ext uri="{28A0092B-C50C-407E-A947-70E740481C1C}">
-                <a14:useLocalDpi xmlns:a14="http://schemas.microsoft.com/office/drawing/2010/main" val="0"/>
-              </a:ext>
-            </a:extLst>
-          </a:blip>
-          <a:stretch>
-            <a:fillRect/>
-          </a:stretch>
-        </p:blipFill>
-        <p:spPr>
-          <a:xfrm>
-            <a:off x="762000" y="914400"/>
-            <a:ext cx="7772400" cy="5257800"/>
-          </a:xfrm>
-          <a:prstGeom prst="rect">
-            <a:avLst/>
-          </a:prstGeom>
-        </p:spPr>
-      </p:pic>
+      <p:sp>
+        <p:nvSpPr>
+          <p:cNvPr id="5" name="Text Placeholder 4"/>
+          <p:cNvSpPr>
+            <a:spLocks noGrp="1"/>
+          </p:cNvSpPr>
+          <p:nvPr>
+            <p:ph type="body" sz="quarter" idx="13"/>
+          </p:nvPr>
+        </p:nvSpPr>
+        <p:spPr>
+          <a:xfrm>
+            <a:off x="609600" y="1498600"/>
+            <a:ext cx="7772400" cy="4368800"/>
+          </a:xfrm>
+        </p:spPr>
+        <p:txBody>
+          <a:bodyPr>
+            <a:normAutofit/>
+          </a:bodyPr>
+          <a:lstStyle/>
+          <a:p>
+            <a:pPr lvl="0">
+              <a:spcBef>
+                <a:spcPts val="0"/>
+              </a:spcBef>
+              <a:defRPr/>
+            </a:pPr>
+            <a:r>
+              <a:rPr lang="en-JM" sz="2000" dirty="0" smtClean="0">
+                <a:latin typeface="Calibri"/>
+                <a:cs typeface="Calibri"/>
+              </a:rPr>
+              <a:t>Database design</a:t>
+            </a:r>
+            <a:endParaRPr lang="en-JM" sz="2000" dirty="0">
+              <a:latin typeface="Calibri"/>
+              <a:cs typeface="Calibri"/>
+            </a:endParaRPr>
+          </a:p>
+          <a:p>
+            <a:pPr lvl="0">
+              <a:spcBef>
+                <a:spcPts val="0"/>
+              </a:spcBef>
+              <a:defRPr/>
+            </a:pPr>
+            <a:endParaRPr lang="en-JM" sz="2000" dirty="0">
+              <a:latin typeface="Calibri"/>
+              <a:cs typeface="Calibri"/>
+            </a:endParaRPr>
+          </a:p>
+          <a:p>
+            <a:pPr lvl="0">
+              <a:spcBef>
+                <a:spcPts val="0"/>
+              </a:spcBef>
+              <a:defRPr/>
+            </a:pPr>
+            <a:r>
+              <a:rPr lang="en-JM" sz="2000" dirty="0" smtClean="0">
+                <a:latin typeface="Calibri"/>
+                <a:cs typeface="Calibri"/>
+              </a:rPr>
+              <a:t>Application development</a:t>
+            </a:r>
+            <a:endParaRPr lang="en-JM" sz="2000" dirty="0">
+              <a:latin typeface="Calibri"/>
+              <a:cs typeface="Calibri"/>
+            </a:endParaRPr>
+          </a:p>
+          <a:p>
+            <a:pPr lvl="0">
+              <a:spcBef>
+                <a:spcPts val="0"/>
+              </a:spcBef>
+              <a:defRPr/>
+            </a:pPr>
+            <a:endParaRPr lang="en-JM" sz="2000" dirty="0">
+              <a:latin typeface="Calibri"/>
+              <a:cs typeface="Calibri"/>
+            </a:endParaRPr>
+          </a:p>
+          <a:p>
+            <a:pPr lvl="0">
+              <a:spcBef>
+                <a:spcPts val="0"/>
+              </a:spcBef>
+              <a:defRPr/>
+            </a:pPr>
+            <a:r>
+              <a:rPr lang="en-JM" sz="2000" dirty="0" smtClean="0">
+                <a:latin typeface="Calibri"/>
+                <a:cs typeface="Calibri"/>
+              </a:rPr>
+              <a:t>Web based menu</a:t>
+            </a:r>
+          </a:p>
+          <a:p>
+            <a:pPr lvl="0">
+              <a:spcBef>
+                <a:spcPts val="0"/>
+              </a:spcBef>
+              <a:defRPr/>
+            </a:pPr>
+            <a:endParaRPr lang="en-JM" sz="2000" dirty="0" smtClean="0">
+              <a:latin typeface="Calibri"/>
+              <a:cs typeface="Calibri"/>
+            </a:endParaRPr>
+          </a:p>
+          <a:p>
+            <a:pPr lvl="0">
+              <a:spcBef>
+                <a:spcPts val="0"/>
+              </a:spcBef>
+              <a:defRPr/>
+            </a:pPr>
+            <a:r>
+              <a:rPr lang="en-JM" sz="2000" dirty="0" smtClean="0">
+                <a:latin typeface="Calibri"/>
+                <a:cs typeface="Calibri"/>
+              </a:rPr>
+              <a:t>Web based </a:t>
+            </a:r>
+            <a:r>
+              <a:rPr lang="en-JM" sz="2000" dirty="0" smtClean="0">
+                <a:latin typeface="Calibri"/>
+                <a:cs typeface="Calibri"/>
+              </a:rPr>
+              <a:t>reports &amp; analytics</a:t>
+            </a:r>
+            <a:endParaRPr lang="en-JM" sz="2000" dirty="0" smtClean="0">
+              <a:latin typeface="Calibri"/>
+              <a:cs typeface="Calibri"/>
+            </a:endParaRPr>
+          </a:p>
+          <a:p>
+            <a:pPr lvl="0">
+              <a:spcBef>
+                <a:spcPts val="0"/>
+              </a:spcBef>
+              <a:defRPr/>
+            </a:pPr>
+            <a:endParaRPr lang="en-JM" sz="2000" dirty="0" smtClean="0">
+              <a:latin typeface="Calibri"/>
+              <a:cs typeface="Calibri"/>
+            </a:endParaRPr>
+          </a:p>
+          <a:p>
+            <a:pPr lvl="0">
+              <a:spcBef>
+                <a:spcPts val="0"/>
+              </a:spcBef>
+              <a:defRPr/>
+            </a:pPr>
+            <a:r>
+              <a:rPr lang="en-JM" sz="2000" dirty="0" smtClean="0">
+                <a:latin typeface="Calibri"/>
+                <a:cs typeface="Calibri"/>
+              </a:rPr>
+              <a:t>Placing order online</a:t>
+            </a:r>
+            <a:endParaRPr lang="en-JM" sz="2000" dirty="0">
+              <a:latin typeface="Calibri"/>
+              <a:cs typeface="Calibri"/>
+            </a:endParaRPr>
+          </a:p>
+          <a:p>
+            <a:pPr marL="0" indent="0">
+              <a:buNone/>
+            </a:pPr>
+            <a:endParaRPr lang="en-JM" sz="1800" dirty="0">
+              <a:latin typeface="Calibri"/>
+              <a:cs typeface="Calibri"/>
+            </a:endParaRPr>
+          </a:p>
+        </p:txBody>
+      </p:sp>
     </p:spTree>
     <p:extLst>
       <p:ext uri="{BB962C8B-B14F-4D97-AF65-F5344CB8AC3E}">
-        <p14:creationId xmlns:p14="http://schemas.microsoft.com/office/powerpoint/2010/main" val="3800681276"/>
+        <p14:creationId xmlns:p14="http://schemas.microsoft.com/office/powerpoint/2010/main" val="3837833323"/>
       </p:ext>
     </p:extLst>
   </p:cSld>
@@ -19270,49 +19453,52 @@
             <p:ph type="title"/>
           </p:nvPr>
         </p:nvSpPr>
+        <p:spPr>
+          <a:xfrm>
+            <a:off x="304800" y="2362200"/>
+            <a:ext cx="8229600" cy="1143000"/>
+          </a:xfrm>
+        </p:spPr>
+        <p:txBody>
+          <a:bodyPr/>
+          <a:lstStyle/>
+          <a:p>
+            <a:r>
+              <a:rPr lang="en-US" dirty="0" smtClean="0">
+                <a:solidFill>
+                  <a:schemeClr val="accent1"/>
+                </a:solidFill>
+              </a:rPr>
+              <a:t>LIVE DEMO</a:t>
+            </a:r>
+            <a:endParaRPr lang="en-US" dirty="0">
+              <a:solidFill>
+                <a:schemeClr val="accent1"/>
+              </a:solidFill>
+            </a:endParaRPr>
+          </a:p>
+        </p:txBody>
+      </p:sp>
+      <p:sp>
+        <p:nvSpPr>
+          <p:cNvPr id="3" name="Footer Placeholder 2"/>
+          <p:cNvSpPr>
+            <a:spLocks noGrp="1"/>
+          </p:cNvSpPr>
+          <p:nvPr>
+            <p:ph type="ftr" sz="quarter" idx="11"/>
+          </p:nvPr>
+        </p:nvSpPr>
         <p:spPr/>
         <p:txBody>
-          <a:bodyPr>
-            <a:normAutofit/>
-          </a:bodyPr>
-          <a:lstStyle/>
-          <a:p>
-            <a:r>
-              <a:rPr lang="en-JM" sz="4400" dirty="0" smtClean="0">
-                <a:solidFill>
-                  <a:srgbClr val="00B0F0"/>
-                </a:solidFill>
-              </a:rPr>
-              <a:t>Scope definition</a:t>
-            </a:r>
-            <a:endParaRPr lang="en-JM" sz="4400" dirty="0">
-              <a:latin typeface="Open Sans Light" pitchFamily="34" charset="0"/>
-              <a:ea typeface="Open Sans Light" pitchFamily="34" charset="0"/>
-              <a:cs typeface="Open Sans Light" pitchFamily="34" charset="0"/>
-            </a:endParaRPr>
-          </a:p>
-        </p:txBody>
-      </p:sp>
-      <p:sp>
-        <p:nvSpPr>
-          <p:cNvPr id="3" name="Footer Placeholder 2"/>
-          <p:cNvSpPr>
-            <a:spLocks noGrp="1"/>
-          </p:cNvSpPr>
-          <p:nvPr>
-            <p:ph type="ftr" sz="quarter" idx="11"/>
-          </p:nvPr>
-        </p:nvSpPr>
-        <p:spPr/>
-        <p:txBody>
           <a:bodyPr/>
           <a:lstStyle/>
           <a:p>
             <a:r>
-              <a:rPr lang="en-JM" dirty="0" smtClean="0"/>
-              <a:t>WWW.MMBJ.COM</a:t>
-            </a:r>
-            <a:endParaRPr lang="en-JM" dirty="0"/>
+              <a:rPr lang="en-JM" smtClean="0"/>
+              <a:t>WWW.DESIGNERSPARADISE.COM</a:t>
+            </a:r>
+            <a:endParaRPr lang="en-JM"/>
           </a:p>
         </p:txBody>
       </p:sp>
@@ -19339,190 +19525,23 @@
           </a:p>
         </p:txBody>
       </p:sp>
-      <p:sp>
-        <p:nvSpPr>
-          <p:cNvPr id="5" name="Text Placeholder 4"/>
-          <p:cNvSpPr>
-            <a:spLocks noGrp="1"/>
-          </p:cNvSpPr>
-          <p:nvPr>
-            <p:ph type="body" sz="quarter" idx="13"/>
-          </p:nvPr>
-        </p:nvSpPr>
-        <p:spPr>
-          <a:xfrm>
-            <a:off x="609600" y="1498600"/>
-            <a:ext cx="7772400" cy="4368800"/>
-          </a:xfrm>
-        </p:spPr>
-        <p:txBody>
-          <a:bodyPr>
-            <a:normAutofit/>
-          </a:bodyPr>
-          <a:lstStyle/>
-          <a:p>
-            <a:pPr lvl="0">
-              <a:spcBef>
-                <a:spcPts val="0"/>
-              </a:spcBef>
-              <a:defRPr/>
-            </a:pPr>
-            <a:r>
-              <a:rPr lang="en-JM" sz="2000" dirty="0" smtClean="0">
-                <a:latin typeface="Calibri"/>
-                <a:cs typeface="Calibri"/>
-              </a:rPr>
-              <a:t>Database design</a:t>
-            </a:r>
-            <a:endParaRPr lang="en-JM" sz="2000" dirty="0">
-              <a:latin typeface="Calibri"/>
-              <a:cs typeface="Calibri"/>
-            </a:endParaRPr>
-          </a:p>
-          <a:p>
-            <a:pPr lvl="0">
-              <a:spcBef>
-                <a:spcPts val="0"/>
-              </a:spcBef>
-              <a:defRPr/>
-            </a:pPr>
-            <a:endParaRPr lang="en-JM" sz="2000" dirty="0">
-              <a:latin typeface="Calibri"/>
-              <a:cs typeface="Calibri"/>
-            </a:endParaRPr>
-          </a:p>
-          <a:p>
-            <a:pPr lvl="0">
-              <a:spcBef>
-                <a:spcPts val="0"/>
-              </a:spcBef>
-              <a:defRPr/>
-            </a:pPr>
-            <a:r>
-              <a:rPr lang="en-JM" sz="2000" dirty="0" smtClean="0">
-                <a:latin typeface="Calibri"/>
-                <a:cs typeface="Calibri"/>
-              </a:rPr>
-              <a:t>Application development</a:t>
-            </a:r>
-            <a:endParaRPr lang="en-JM" sz="2000" dirty="0">
-              <a:latin typeface="Calibri"/>
-              <a:cs typeface="Calibri"/>
-            </a:endParaRPr>
-          </a:p>
-          <a:p>
-            <a:pPr lvl="0">
-              <a:spcBef>
-                <a:spcPts val="0"/>
-              </a:spcBef>
-              <a:defRPr/>
-            </a:pPr>
-            <a:endParaRPr lang="en-JM" sz="2000" dirty="0">
-              <a:latin typeface="Calibri"/>
-              <a:cs typeface="Calibri"/>
-            </a:endParaRPr>
-          </a:p>
-          <a:p>
-            <a:pPr lvl="0">
-              <a:spcBef>
-                <a:spcPts val="0"/>
-              </a:spcBef>
-              <a:defRPr/>
-            </a:pPr>
-            <a:r>
-              <a:rPr lang="en-JM" sz="2000" dirty="0" smtClean="0">
-                <a:latin typeface="Calibri"/>
-                <a:cs typeface="Calibri"/>
-              </a:rPr>
-              <a:t>Web based menu</a:t>
-            </a:r>
-          </a:p>
-          <a:p>
-            <a:pPr lvl="0">
-              <a:spcBef>
-                <a:spcPts val="0"/>
-              </a:spcBef>
-              <a:defRPr/>
-            </a:pPr>
-            <a:endParaRPr lang="en-JM" sz="2000" dirty="0" smtClean="0">
-              <a:latin typeface="Calibri"/>
-              <a:cs typeface="Calibri"/>
-            </a:endParaRPr>
-          </a:p>
-          <a:p>
-            <a:pPr lvl="0">
-              <a:spcBef>
-                <a:spcPts val="0"/>
-              </a:spcBef>
-              <a:defRPr/>
-            </a:pPr>
-            <a:r>
-              <a:rPr lang="en-JM" sz="2000" dirty="0" smtClean="0">
-                <a:latin typeface="Calibri"/>
-                <a:cs typeface="Calibri"/>
-              </a:rPr>
-              <a:t>Web based reports</a:t>
-            </a:r>
-          </a:p>
-          <a:p>
-            <a:pPr lvl="0">
-              <a:spcBef>
-                <a:spcPts val="0"/>
-              </a:spcBef>
-              <a:defRPr/>
-            </a:pPr>
-            <a:endParaRPr lang="en-JM" sz="2000" dirty="0" smtClean="0">
-              <a:latin typeface="Calibri"/>
-              <a:cs typeface="Calibri"/>
-            </a:endParaRPr>
-          </a:p>
-          <a:p>
-            <a:pPr lvl="0">
-              <a:spcBef>
-                <a:spcPts val="0"/>
-              </a:spcBef>
-              <a:defRPr/>
-            </a:pPr>
-            <a:r>
-              <a:rPr lang="en-JM" sz="2000" dirty="0" smtClean="0">
-                <a:latin typeface="Calibri"/>
-                <a:cs typeface="Calibri"/>
-              </a:rPr>
-              <a:t>Placing order online</a:t>
-            </a:r>
-            <a:endParaRPr lang="en-JM" sz="2000" dirty="0">
-              <a:latin typeface="Calibri"/>
-              <a:cs typeface="Calibri"/>
-            </a:endParaRPr>
-          </a:p>
-          <a:p>
-            <a:pPr marL="0" indent="0">
-              <a:buNone/>
-            </a:pPr>
-            <a:endParaRPr lang="en-JM" sz="1800" dirty="0">
-              <a:latin typeface="Calibri"/>
-              <a:cs typeface="Calibri"/>
-            </a:endParaRPr>
-          </a:p>
-        </p:txBody>
-      </p:sp>
     </p:spTree>
     <p:extLst>
       <p:ext uri="{BB962C8B-B14F-4D97-AF65-F5344CB8AC3E}">
-        <p14:creationId xmlns:p14="http://schemas.microsoft.com/office/powerpoint/2010/main" val="3837833323"/>
+        <p14:creationId xmlns:p14="http://schemas.microsoft.com/office/powerpoint/2010/main" val="494571582"/>
       </p:ext>
     </p:extLst>
   </p:cSld>
   <p:clrMapOvr>
     <a:masterClrMapping/>
   </p:clrMapOvr>
-  <mc:AlternateContent xmlns:mc="http://schemas.openxmlformats.org/markup-compatibility/2006" xmlns:p14="http://schemas.microsoft.com/office/powerpoint/2010/main">
-    <mc:Choice Requires="p14">
+  <mc:AlternateContent xmlns:mc="http://schemas.openxmlformats.org/markup-compatibility/2006">
+    <mc:Choice xmlns:p14="http://schemas.microsoft.com/office/powerpoint/2010/main" Requires="p14">
       <p:transition spd="slow" p14:dur="1250">
         <p14:flythrough/>
       </p:transition>
     </mc:Choice>
-    <mc:Fallback xmlns="">
+    <mc:Fallback>
       <p:transition spd="slow">
         <p:fade/>
       </p:transition>
@@ -19909,7 +19928,7 @@
                   <a:schemeClr val="accent1"/>
                 </a:solidFill>
               </a:rPr>
-              <a:t>for being here</a:t>
+              <a:t>Questions/Comments !</a:t>
             </a:r>
             <a:endParaRPr lang="en-JM" sz="4000" dirty="0">
               <a:solidFill>
@@ -20727,7 +20746,14 @@
                 <a:latin typeface="Calibri"/>
                 <a:cs typeface="Calibri"/>
               </a:rPr>
-              <a:t>User friendly system and interface</a:t>
+              <a:t>To build a user-friendly </a:t>
+            </a:r>
+            <a:r>
+              <a:rPr lang="en-JM" sz="2000" dirty="0" smtClean="0">
+                <a:latin typeface="Calibri"/>
+                <a:cs typeface="Calibri"/>
+              </a:rPr>
+              <a:t>system and interface</a:t>
             </a:r>
             <a:endParaRPr lang="en-JM" sz="2000" dirty="0">
               <a:latin typeface="Calibri"/>
@@ -20758,7 +20784,28 @@
                 <a:latin typeface="Calibri"/>
                 <a:cs typeface="Calibri"/>
               </a:rPr>
-              <a:t>Easy to store information for customers and agents</a:t>
+              <a:t>Easy to store information </a:t>
+            </a:r>
+            <a:r>
+              <a:rPr lang="en-JM" sz="2000" dirty="0" smtClean="0">
+                <a:latin typeface="Calibri"/>
+                <a:cs typeface="Calibri"/>
+              </a:rPr>
+              <a:t>of our</a:t>
+            </a:r>
+            <a:r>
+              <a:rPr lang="en-JM" sz="2000" dirty="0" smtClean="0">
+                <a:latin typeface="Calibri"/>
+                <a:cs typeface="Calibri"/>
+              </a:rPr>
+              <a:t> </a:t>
+            </a:r>
+            <a:r>
+              <a:rPr lang="en-JM" sz="2000" dirty="0" smtClean="0">
+                <a:latin typeface="Calibri"/>
+                <a:cs typeface="Calibri"/>
+              </a:rPr>
+              <a:t>customers and agents</a:t>
             </a:r>
             <a:endParaRPr lang="en-JM" sz="2000" dirty="0">
               <a:latin typeface="Calibri"/>
@@ -20789,7 +20836,14 @@
                 <a:latin typeface="Calibri"/>
                 <a:cs typeface="Calibri"/>
               </a:rPr>
-              <a:t>Application compatibility with hardware and software</a:t>
+              <a:t>Compatible </a:t>
+            </a:r>
+            <a:r>
+              <a:rPr lang="en-JM" sz="2000" dirty="0" smtClean="0">
+                <a:latin typeface="Calibri"/>
+                <a:cs typeface="Calibri"/>
+              </a:rPr>
+              <a:t>with hardware and software</a:t>
             </a:r>
           </a:p>
           <a:p>
@@ -20819,11 +20873,11 @@
               <a:t>Quality of </a:t>
             </a:r>
             <a:r>
-              <a:rPr lang="en-JM" sz="2000" dirty="0" err="1" smtClean="0">
+              <a:rPr lang="en-JM" sz="2000" dirty="0" smtClean="0">
                 <a:latin typeface="Calibri"/>
                 <a:cs typeface="Calibri"/>
               </a:rPr>
-              <a:t>majorability</a:t>
+              <a:t>expertise</a:t>
             </a:r>
             <a:endParaRPr lang="en-JM" sz="2000" dirty="0" smtClean="0">
               <a:latin typeface="Calibri"/>
@@ -20871,19 +20925,13 @@
             </a:endParaRPr>
           </a:p>
           <a:p>
-            <a:pPr lvl="0">
+            <a:pPr marL="0" lvl="0" indent="0">
               <a:spcBef>
                 <a:spcPts val="0"/>
               </a:spcBef>
+              <a:buNone/>
               <a:defRPr/>
             </a:pPr>
-            <a:r>
-              <a:rPr lang="en-JM" sz="2000" dirty="0" smtClean="0">
-                <a:latin typeface="Calibri"/>
-                <a:cs typeface="Calibri"/>
-              </a:rPr>
-              <a:t>Specialization among agents</a:t>
-            </a:r>
             <a:endParaRPr lang="en-JM" sz="2000" dirty="0">
               <a:latin typeface="Calibri"/>
               <a:cs typeface="Calibri"/>
@@ -21102,7 +21150,7 @@
                 <a:latin typeface="Calibri"/>
                 <a:cs typeface="Calibri"/>
               </a:rPr>
-              <a:t>Improving time management</a:t>
+              <a:t>Processing several hundred requests from clients at the same time</a:t>
             </a:r>
             <a:endParaRPr lang="en-JM" sz="2000" dirty="0">
               <a:latin typeface="Calibri"/>
@@ -21133,9 +21181,18 @@
                 <a:latin typeface="Calibri"/>
                 <a:cs typeface="Calibri"/>
               </a:rPr>
-              <a:t>Efficient booking by reducing complexity</a:t>
-            </a:r>
-            <a:endParaRPr lang="en-JM" sz="2000" dirty="0">
+              <a:t>Improving the efficiency of the package booking function</a:t>
+            </a:r>
+          </a:p>
+          <a:p>
+            <a:pPr marL="457200" lvl="1" indent="0">
+              <a:spcBef>
+                <a:spcPts val="0"/>
+              </a:spcBef>
+              <a:buNone/>
+              <a:defRPr/>
+            </a:pPr>
+            <a:endParaRPr lang="en-JM" sz="2500" dirty="0">
               <a:latin typeface="Calibri"/>
               <a:cs typeface="Calibri"/>
             </a:endParaRPr>
@@ -21304,7 +21361,7 @@
         </p:nvSpPr>
         <p:spPr>
           <a:xfrm>
-            <a:off x="1365149" y="1840701"/>
+            <a:off x="1443369" y="1836179"/>
             <a:ext cx="3048000" cy="537633"/>
           </a:xfrm>
         </p:spPr>
@@ -21315,7 +21372,7 @@
           <a:lstStyle/>
           <a:p>
             <a:r>
-              <a:rPr lang="en-JM" sz="1300" dirty="0" smtClean="0">
+              <a:rPr lang="en-JM" sz="1600" dirty="0" smtClean="0">
                 <a:solidFill>
                   <a:schemeClr val="tx1">
                     <a:lumMod val="75000"/>
@@ -21326,7 +21383,7 @@
               </a:rPr>
               <a:t>Users technical skills</a:t>
             </a:r>
-            <a:endParaRPr lang="en-JM" sz="1300" dirty="0">
+            <a:endParaRPr lang="en-JM" sz="1600" dirty="0">
               <a:solidFill>
                 <a:schemeClr val="tx1">
                   <a:lumMod val="75000"/>
@@ -21350,7 +21407,7 @@
         </p:nvSpPr>
         <p:spPr>
           <a:xfrm>
-            <a:off x="1379220" y="2548466"/>
+            <a:off x="1428447" y="3279140"/>
             <a:ext cx="3048000" cy="537633"/>
           </a:xfrm>
         </p:spPr>
@@ -21361,7 +21418,7 @@
           <a:lstStyle/>
           <a:p>
             <a:r>
-              <a:rPr lang="en-JM" dirty="0" smtClean="0">
+              <a:rPr lang="en-JM" sz="1600" dirty="0" smtClean="0">
                 <a:solidFill>
                   <a:schemeClr val="tx1">
                     <a:lumMod val="75000"/>
@@ -21370,21 +21427,9 @@
                 </a:solidFill>
                 <a:cs typeface="Calibri"/>
               </a:rPr>
-              <a:t>Hardware</a:t>
-            </a:r>
-            <a:r>
-              <a:rPr lang="en-JM" sz="1300" dirty="0" smtClean="0">
-                <a:solidFill>
-                  <a:schemeClr val="tx1">
-                    <a:lumMod val="75000"/>
-                    <a:lumOff val="25000"/>
-                  </a:schemeClr>
-                </a:solidFill>
-                <a:cs typeface="Calibri"/>
-              </a:rPr>
-              <a:t> failure</a:t>
-            </a:r>
-            <a:endParaRPr lang="en-JM" sz="1300" dirty="0">
+              <a:t>System failure</a:t>
+            </a:r>
+            <a:endParaRPr lang="en-JM" sz="1600" dirty="0">
               <a:solidFill>
                 <a:schemeClr val="tx1">
                   <a:lumMod val="75000"/>
@@ -21408,7 +21453,7 @@
         </p:nvSpPr>
         <p:spPr>
           <a:xfrm>
-            <a:off x="1379220" y="4707888"/>
+            <a:off x="1411574" y="4054850"/>
             <a:ext cx="3048000" cy="537633"/>
           </a:xfrm>
         </p:spPr>
@@ -21419,7 +21464,7 @@
           <a:lstStyle/>
           <a:p>
             <a:r>
-              <a:rPr lang="en-JM" dirty="0" smtClean="0">
+              <a:rPr lang="en-JM" sz="1600" dirty="0" smtClean="0">
                 <a:solidFill>
                   <a:schemeClr val="tx1">
                     <a:lumMod val="75000"/>
@@ -21428,21 +21473,9 @@
                 </a:solidFill>
                 <a:cs typeface="Calibri"/>
               </a:rPr>
-              <a:t>Conflicts </a:t>
-            </a:r>
-            <a:r>
-              <a:rPr lang="en-JM" dirty="0" smtClean="0">
-                <a:solidFill>
-                  <a:schemeClr val="tx1">
-                    <a:lumMod val="75000"/>
-                    <a:lumOff val="25000"/>
-                  </a:schemeClr>
-                </a:solidFill>
-                <a:cs typeface="Calibri"/>
-              </a:rPr>
-              <a:t>/ variations</a:t>
-            </a:r>
-            <a:endParaRPr lang="en-JM" sz="1300" dirty="0">
+              <a:t>Conflicts / variations</a:t>
+            </a:r>
+            <a:endParaRPr lang="en-JM" sz="1600" dirty="0">
               <a:solidFill>
                 <a:schemeClr val="tx1">
                   <a:lumMod val="75000"/>
@@ -21456,28 +21489,161 @@
       </p:sp>
       <p:sp>
         <p:nvSpPr>
-          <p:cNvPr id="9" name="Text Placeholder 8"/>
-          <p:cNvSpPr>
-            <a:spLocks noGrp="1"/>
-          </p:cNvSpPr>
-          <p:nvPr>
-            <p:ph type="body" sz="quarter" idx="51"/>
-          </p:nvPr>
-        </p:nvSpPr>
-        <p:spPr>
-          <a:xfrm>
-            <a:off x="1379220" y="4060834"/>
-            <a:ext cx="3048000" cy="537633"/>
+          <p:cNvPr id="10" name="Content Placeholder 9"/>
+          <p:cNvSpPr>
+            <a:spLocks noGrp="1" noChangeAspect="1"/>
+          </p:cNvSpPr>
+          <p:nvPr>
+            <p:ph sz="quarter" idx="55"/>
+          </p:nvPr>
+        </p:nvSpPr>
+        <p:spPr>
+          <a:xfrm>
+            <a:off x="838200" y="1919805"/>
+            <a:ext cx="411480" cy="431998"/>
+          </a:xfrm>
+          <a:prstGeom prst="rect">
+            <a:avLst/>
+          </a:prstGeom>
+          <a:solidFill>
+            <a:srgbClr val="00B0F0"/>
+          </a:solidFill>
+        </p:spPr>
+        <p:txBody>
+          <a:bodyPr/>
+          <a:lstStyle/>
+          <a:p>
+            <a:r>
+              <a:rPr lang="en-JM" dirty="0"/>
+              <a:t>1</a:t>
+            </a:r>
+          </a:p>
+        </p:txBody>
+      </p:sp>
+      <p:sp>
+        <p:nvSpPr>
+          <p:cNvPr id="11" name="Content Placeholder 10"/>
+          <p:cNvSpPr>
+            <a:spLocks noGrp="1" noChangeAspect="1"/>
+          </p:cNvSpPr>
+          <p:nvPr>
+            <p:ph sz="quarter" idx="56"/>
+          </p:nvPr>
+        </p:nvSpPr>
+        <p:spPr>
+          <a:xfrm>
+            <a:off x="838200" y="2647426"/>
+            <a:ext cx="411480" cy="431998"/>
+          </a:xfrm>
+          <a:prstGeom prst="rect">
+            <a:avLst/>
+          </a:prstGeom>
+          <a:solidFill>
+            <a:srgbClr val="00B0F0"/>
+          </a:solidFill>
+        </p:spPr>
+        <p:txBody>
+          <a:bodyPr/>
+          <a:lstStyle/>
+          <a:p>
+            <a:r>
+              <a:rPr lang="en-JM" dirty="0"/>
+              <a:t>2</a:t>
+            </a:r>
+          </a:p>
+        </p:txBody>
+      </p:sp>
+      <p:sp>
+        <p:nvSpPr>
+          <p:cNvPr id="12" name="Content Placeholder 11"/>
+          <p:cNvSpPr>
+            <a:spLocks noGrp="1" noChangeAspect="1"/>
+          </p:cNvSpPr>
+          <p:nvPr>
+            <p:ph sz="quarter" idx="57"/>
+          </p:nvPr>
+        </p:nvSpPr>
+        <p:spPr>
+          <a:xfrm>
+            <a:off x="838200" y="3338306"/>
+            <a:ext cx="411480" cy="431998"/>
+          </a:xfrm>
+          <a:prstGeom prst="rect">
+            <a:avLst/>
+          </a:prstGeom>
+          <a:solidFill>
+            <a:srgbClr val="00B0F0"/>
+          </a:solidFill>
+        </p:spPr>
+        <p:txBody>
+          <a:bodyPr/>
+          <a:lstStyle/>
+          <a:p>
+            <a:r>
+              <a:rPr lang="en-JM" dirty="0"/>
+              <a:t>3</a:t>
+            </a:r>
+          </a:p>
+        </p:txBody>
+      </p:sp>
+      <p:sp>
+        <p:nvSpPr>
+          <p:cNvPr id="13" name="Content Placeholder 12"/>
+          <p:cNvSpPr>
+            <a:spLocks noGrp="1" noChangeAspect="1"/>
+          </p:cNvSpPr>
+          <p:nvPr>
+            <p:ph sz="quarter" idx="58"/>
+          </p:nvPr>
+        </p:nvSpPr>
+        <p:spPr>
+          <a:xfrm>
+            <a:off x="838200" y="4069826"/>
+            <a:ext cx="411480" cy="431998"/>
+          </a:xfrm>
+          <a:prstGeom prst="rect">
+            <a:avLst/>
+          </a:prstGeom>
+          <a:solidFill>
+            <a:srgbClr val="00B0F0"/>
+          </a:solidFill>
+        </p:spPr>
+        <p:txBody>
+          <a:bodyPr/>
+          <a:lstStyle/>
+          <a:p>
+            <a:r>
+              <a:rPr lang="en-JM" dirty="0" smtClean="0"/>
+              <a:t>4</a:t>
+            </a:r>
+            <a:endParaRPr lang="en-JM" dirty="0"/>
+          </a:p>
+        </p:txBody>
+      </p:sp>
+      <p:sp>
+        <p:nvSpPr>
+          <p:cNvPr id="15" name="Text Placeholder 14"/>
+          <p:cNvSpPr>
+            <a:spLocks noGrp="1"/>
+          </p:cNvSpPr>
+          <p:nvPr>
+            <p:ph type="body" sz="quarter" idx="60"/>
+          </p:nvPr>
+        </p:nvSpPr>
+        <p:spPr>
+          <a:xfrm>
+            <a:off x="5409882" y="1828800"/>
+            <a:ext cx="3276918" cy="537633"/>
           </a:xfrm>
         </p:spPr>
         <p:txBody>
           <a:bodyPr>
-            <a:normAutofit/>
+            <a:noAutofit/>
           </a:bodyPr>
           <a:lstStyle/>
           <a:p>
             <a:r>
-              <a:rPr lang="en-JM" sz="1300" dirty="0" smtClean="0">
+              <a:rPr lang="en-JM" sz="1600" dirty="0" smtClean="0">
                 <a:solidFill>
                   <a:schemeClr val="tx1">
                     <a:lumMod val="75000"/>
@@ -21486,9 +21652,9 @@
                 </a:solidFill>
                 <a:cs typeface="Calibri"/>
               </a:rPr>
-              <a:t>Office power system failure</a:t>
-            </a:r>
-            <a:endParaRPr lang="en-JM" sz="1300" dirty="0">
+              <a:t>User training / orientation of system</a:t>
+            </a:r>
+            <a:endParaRPr lang="en-JM" sz="1600" dirty="0">
               <a:solidFill>
                 <a:schemeClr val="tx1">
                   <a:lumMod val="75000"/>
@@ -21502,183 +21668,17 @@
       </p:sp>
       <p:sp>
         <p:nvSpPr>
-          <p:cNvPr id="10" name="Content Placeholder 9"/>
-          <p:cNvSpPr>
-            <a:spLocks noGrp="1" noChangeAspect="1"/>
-          </p:cNvSpPr>
-          <p:nvPr>
-            <p:ph sz="quarter" idx="55"/>
-          </p:nvPr>
-        </p:nvSpPr>
-        <p:spPr>
-          <a:xfrm>
-            <a:off x="838200" y="1919805"/>
-            <a:ext cx="411480" cy="431998"/>
-          </a:xfrm>
-          <a:prstGeom prst="rect">
-            <a:avLst/>
-          </a:prstGeom>
-          <a:solidFill>
-            <a:srgbClr val="00B0F0"/>
-          </a:solidFill>
-        </p:spPr>
-        <p:txBody>
-          <a:bodyPr/>
-          <a:lstStyle/>
-          <a:p>
-            <a:r>
-              <a:rPr lang="en-JM" dirty="0"/>
-              <a:t>1</a:t>
-            </a:r>
-          </a:p>
-        </p:txBody>
-      </p:sp>
-      <p:sp>
-        <p:nvSpPr>
-          <p:cNvPr id="11" name="Content Placeholder 10"/>
-          <p:cNvSpPr>
-            <a:spLocks noGrp="1" noChangeAspect="1"/>
-          </p:cNvSpPr>
-          <p:nvPr>
-            <p:ph sz="quarter" idx="56"/>
-          </p:nvPr>
-        </p:nvSpPr>
-        <p:spPr>
-          <a:xfrm>
-            <a:off x="838200" y="2647426"/>
-            <a:ext cx="411480" cy="431998"/>
-          </a:xfrm>
-          <a:prstGeom prst="rect">
-            <a:avLst/>
-          </a:prstGeom>
-          <a:solidFill>
-            <a:srgbClr val="00B0F0"/>
-          </a:solidFill>
-        </p:spPr>
-        <p:txBody>
-          <a:bodyPr/>
-          <a:lstStyle/>
-          <a:p>
-            <a:r>
-              <a:rPr lang="en-JM" dirty="0"/>
-              <a:t>2</a:t>
-            </a:r>
-          </a:p>
-        </p:txBody>
-      </p:sp>
-      <p:sp>
-        <p:nvSpPr>
-          <p:cNvPr id="12" name="Content Placeholder 11"/>
-          <p:cNvSpPr>
-            <a:spLocks noGrp="1" noChangeAspect="1"/>
-          </p:cNvSpPr>
-          <p:nvPr>
-            <p:ph sz="quarter" idx="57"/>
-          </p:nvPr>
-        </p:nvSpPr>
-        <p:spPr>
-          <a:xfrm>
-            <a:off x="838200" y="3338306"/>
-            <a:ext cx="411480" cy="431998"/>
-          </a:xfrm>
-          <a:prstGeom prst="rect">
-            <a:avLst/>
-          </a:prstGeom>
-          <a:solidFill>
-            <a:srgbClr val="00B0F0"/>
-          </a:solidFill>
-        </p:spPr>
-        <p:txBody>
-          <a:bodyPr/>
-          <a:lstStyle/>
-          <a:p>
-            <a:r>
-              <a:rPr lang="en-JM" dirty="0"/>
-              <a:t>3</a:t>
-            </a:r>
-          </a:p>
-        </p:txBody>
-      </p:sp>
-      <p:sp>
-        <p:nvSpPr>
-          <p:cNvPr id="13" name="Content Placeholder 12"/>
-          <p:cNvSpPr>
-            <a:spLocks noGrp="1" noChangeAspect="1"/>
-          </p:cNvSpPr>
-          <p:nvPr>
-            <p:ph sz="quarter" idx="58"/>
-          </p:nvPr>
-        </p:nvSpPr>
-        <p:spPr>
-          <a:xfrm>
-            <a:off x="838200" y="4069826"/>
-            <a:ext cx="411480" cy="431998"/>
-          </a:xfrm>
-          <a:prstGeom prst="rect">
-            <a:avLst/>
-          </a:prstGeom>
-          <a:solidFill>
-            <a:srgbClr val="00B0F0"/>
-          </a:solidFill>
-        </p:spPr>
-        <p:txBody>
-          <a:bodyPr/>
-          <a:lstStyle/>
-          <a:p>
-            <a:r>
-              <a:rPr lang="en-JM" dirty="0" smtClean="0"/>
-              <a:t>4</a:t>
-            </a:r>
-            <a:endParaRPr lang="en-JM" dirty="0"/>
-          </a:p>
-        </p:txBody>
-      </p:sp>
-      <p:sp>
-        <p:nvSpPr>
-          <p:cNvPr id="14" name="Content Placeholder 13"/>
-          <p:cNvSpPr>
-            <a:spLocks noGrp="1" noChangeAspect="1"/>
-          </p:cNvSpPr>
-          <p:nvPr>
-            <p:ph sz="quarter" idx="59"/>
-          </p:nvPr>
-        </p:nvSpPr>
-        <p:spPr>
-          <a:xfrm>
-            <a:off x="838200" y="4760706"/>
-            <a:ext cx="411480" cy="431998"/>
-          </a:xfrm>
-          <a:prstGeom prst="rect">
-            <a:avLst/>
-          </a:prstGeom>
-          <a:solidFill>
-            <a:srgbClr val="00B0F0"/>
-          </a:solidFill>
-        </p:spPr>
-        <p:txBody>
-          <a:bodyPr/>
-          <a:lstStyle/>
-          <a:p>
-            <a:r>
-              <a:rPr lang="en-JM" dirty="0" smtClean="0"/>
-              <a:t>5</a:t>
-            </a:r>
-          </a:p>
-        </p:txBody>
-      </p:sp>
-      <p:sp>
-        <p:nvSpPr>
-          <p:cNvPr id="15" name="Text Placeholder 14"/>
-          <p:cNvSpPr>
-            <a:spLocks noGrp="1"/>
-          </p:cNvSpPr>
-          <p:nvPr>
-            <p:ph type="body" sz="quarter" idx="60"/>
-          </p:nvPr>
-        </p:nvSpPr>
-        <p:spPr>
-          <a:xfrm>
-            <a:off x="5409882" y="1828800"/>
+          <p:cNvPr id="16" name="Text Placeholder 15"/>
+          <p:cNvSpPr>
+            <a:spLocks noGrp="1"/>
+          </p:cNvSpPr>
+          <p:nvPr>
+            <p:ph type="body" sz="quarter" idx="61"/>
+          </p:nvPr>
+        </p:nvSpPr>
+        <p:spPr>
+          <a:xfrm>
+            <a:off x="5448300" y="3253895"/>
             <a:ext cx="3048000" cy="537633"/>
           </a:xfrm>
         </p:spPr>
@@ -21689,7 +21689,7 @@
           <a:lstStyle/>
           <a:p>
             <a:r>
-              <a:rPr lang="en-JM" sz="1300" dirty="0" smtClean="0">
+              <a:rPr lang="en-JM" sz="1600" dirty="0" smtClean="0">
                 <a:solidFill>
                   <a:schemeClr val="tx1">
                     <a:lumMod val="75000"/>
@@ -21698,9 +21698,9 @@
                 </a:solidFill>
                 <a:cs typeface="Calibri"/>
               </a:rPr>
-              <a:t>User training / orientation of system</a:t>
-            </a:r>
-            <a:endParaRPr lang="en-JM" sz="1300" dirty="0">
+              <a:t>OS, Hardware, Power etc.</a:t>
+            </a:r>
+            <a:endParaRPr lang="en-JM" sz="1600" dirty="0">
               <a:solidFill>
                 <a:schemeClr val="tx1">
                   <a:lumMod val="75000"/>
@@ -21714,28 +21714,28 @@
       </p:sp>
       <p:sp>
         <p:nvSpPr>
-          <p:cNvPr id="16" name="Text Placeholder 15"/>
-          <p:cNvSpPr>
-            <a:spLocks noGrp="1"/>
-          </p:cNvSpPr>
-          <p:nvPr>
-            <p:ph type="body" sz="quarter" idx="61"/>
-          </p:nvPr>
-        </p:nvSpPr>
-        <p:spPr>
-          <a:xfrm>
-            <a:off x="5410200" y="2540000"/>
-            <a:ext cx="3048000" cy="537633"/>
+          <p:cNvPr id="17" name="Text Placeholder 16"/>
+          <p:cNvSpPr>
+            <a:spLocks noGrp="1"/>
+          </p:cNvSpPr>
+          <p:nvPr>
+            <p:ph type="body" sz="quarter" idx="62"/>
+          </p:nvPr>
+        </p:nvSpPr>
+        <p:spPr>
+          <a:xfrm>
+            <a:off x="5509260" y="4014365"/>
+            <a:ext cx="3177540" cy="537633"/>
           </a:xfrm>
         </p:spPr>
         <p:txBody>
           <a:bodyPr>
-            <a:normAutofit/>
+            <a:noAutofit/>
           </a:bodyPr>
           <a:lstStyle/>
           <a:p>
             <a:r>
-              <a:rPr lang="en-JM" sz="1300" dirty="0" smtClean="0">
+              <a:rPr lang="en-JM" sz="1600" dirty="0" smtClean="0">
                 <a:solidFill>
                   <a:schemeClr val="tx1">
                     <a:lumMod val="75000"/>
@@ -21744,9 +21744,9 @@
                 </a:solidFill>
                 <a:cs typeface="Calibri"/>
               </a:rPr>
-              <a:t>Daily backups</a:t>
-            </a:r>
-            <a:endParaRPr lang="en-JM" sz="1300" dirty="0">
+              <a:t>Keep hard copies/ maintenance period</a:t>
+            </a:r>
+            <a:endParaRPr lang="en-JM" sz="1600" dirty="0">
               <a:solidFill>
                 <a:schemeClr val="tx1">
                   <a:lumMod val="75000"/>
@@ -21760,28 +21760,313 @@
       </p:sp>
       <p:sp>
         <p:nvSpPr>
-          <p:cNvPr id="17" name="Text Placeholder 16"/>
-          <p:cNvSpPr>
-            <a:spLocks noGrp="1"/>
-          </p:cNvSpPr>
-          <p:nvPr>
-            <p:ph type="body" sz="quarter" idx="62"/>
-          </p:nvPr>
-        </p:nvSpPr>
-        <p:spPr>
-          <a:xfrm>
-            <a:off x="5413948" y="4707888"/>
+          <p:cNvPr id="20" name="Content Placeholder 19"/>
+          <p:cNvSpPr>
+            <a:spLocks noGrp="1" noChangeAspect="1"/>
+          </p:cNvSpPr>
+          <p:nvPr>
+            <p:ph sz="quarter" idx="65"/>
+          </p:nvPr>
+        </p:nvSpPr>
+        <p:spPr>
+          <a:xfrm>
+            <a:off x="4983480" y="1919805"/>
+            <a:ext cx="411480" cy="431998"/>
+          </a:xfrm>
+          <a:prstGeom prst="rect">
+            <a:avLst/>
+          </a:prstGeom>
+          <a:solidFill>
+            <a:schemeClr val="tx2"/>
+          </a:solidFill>
+        </p:spPr>
+        <p:txBody>
+          <a:bodyPr/>
+          <a:lstStyle/>
+          <a:p>
+            <a:r>
+              <a:rPr lang="en-JM" dirty="0"/>
+              <a:t>1</a:t>
+            </a:r>
+          </a:p>
+        </p:txBody>
+      </p:sp>
+      <p:sp>
+        <p:nvSpPr>
+          <p:cNvPr id="21" name="Content Placeholder 20"/>
+          <p:cNvSpPr>
+            <a:spLocks noGrp="1" noChangeAspect="1"/>
+          </p:cNvSpPr>
+          <p:nvPr>
+            <p:ph sz="quarter" idx="66"/>
+          </p:nvPr>
+        </p:nvSpPr>
+        <p:spPr>
+          <a:xfrm>
+            <a:off x="4983480" y="2647426"/>
+            <a:ext cx="411480" cy="431998"/>
+          </a:xfrm>
+          <a:prstGeom prst="rect">
+            <a:avLst/>
+          </a:prstGeom>
+          <a:solidFill>
+            <a:schemeClr val="tx2"/>
+          </a:solidFill>
+        </p:spPr>
+        <p:txBody>
+          <a:bodyPr/>
+          <a:lstStyle/>
+          <a:p>
+            <a:r>
+              <a:rPr lang="en-JM" dirty="0"/>
+              <a:t>2</a:t>
+            </a:r>
+          </a:p>
+        </p:txBody>
+      </p:sp>
+      <p:sp>
+        <p:nvSpPr>
+          <p:cNvPr id="22" name="Content Placeholder 21"/>
+          <p:cNvSpPr>
+            <a:spLocks noGrp="1" noChangeAspect="1"/>
+          </p:cNvSpPr>
+          <p:nvPr>
+            <p:ph sz="quarter" idx="67"/>
+          </p:nvPr>
+        </p:nvSpPr>
+        <p:spPr>
+          <a:xfrm>
+            <a:off x="4983480" y="3338306"/>
+            <a:ext cx="411480" cy="431998"/>
+          </a:xfrm>
+          <a:prstGeom prst="rect">
+            <a:avLst/>
+          </a:prstGeom>
+          <a:solidFill>
+            <a:schemeClr val="tx2"/>
+          </a:solidFill>
+        </p:spPr>
+        <p:txBody>
+          <a:bodyPr/>
+          <a:lstStyle/>
+          <a:p>
+            <a:r>
+              <a:rPr lang="en-JM" dirty="0"/>
+              <a:t>3</a:t>
+            </a:r>
+          </a:p>
+        </p:txBody>
+      </p:sp>
+      <p:sp>
+        <p:nvSpPr>
+          <p:cNvPr id="23" name="Content Placeholder 22"/>
+          <p:cNvSpPr>
+            <a:spLocks noGrp="1" noChangeAspect="1"/>
+          </p:cNvSpPr>
+          <p:nvPr>
+            <p:ph sz="quarter" idx="68"/>
+          </p:nvPr>
+        </p:nvSpPr>
+        <p:spPr>
+          <a:xfrm>
+            <a:off x="4983480" y="4069826"/>
+            <a:ext cx="411480" cy="431998"/>
+          </a:xfrm>
+          <a:prstGeom prst="rect">
+            <a:avLst/>
+          </a:prstGeom>
+          <a:solidFill>
+            <a:schemeClr val="tx2"/>
+          </a:solidFill>
+        </p:spPr>
+        <p:txBody>
+          <a:bodyPr/>
+          <a:lstStyle/>
+          <a:p>
+            <a:r>
+              <a:rPr lang="en-JM" dirty="0" smtClean="0"/>
+              <a:t>4</a:t>
+            </a:r>
+            <a:endParaRPr lang="en-JM" dirty="0"/>
+          </a:p>
+        </p:txBody>
+      </p:sp>
+      <p:sp>
+        <p:nvSpPr>
+          <p:cNvPr id="26" name="Text Placeholder 8"/>
+          <p:cNvSpPr txBox="1">
+            <a:spLocks/>
+          </p:cNvSpPr>
+          <p:nvPr/>
+        </p:nvSpPr>
+        <p:spPr>
+          <a:xfrm>
+            <a:off x="1443369" y="2622468"/>
             <a:ext cx="3048000" cy="537633"/>
           </a:xfrm>
-        </p:spPr>
-        <p:txBody>
-          <a:bodyPr>
+          <a:prstGeom prst="rect">
+            <a:avLst/>
+          </a:prstGeom>
+        </p:spPr>
+        <p:txBody>
+          <a:bodyPr vert="horz" lIns="91440" tIns="45720" rIns="91440" bIns="45720" rtlCol="0" anchor="ctr">
             <a:normAutofit/>
           </a:bodyPr>
-          <a:lstStyle/>
-          <a:p>
-            <a:r>
-              <a:rPr lang="en-JM" sz="1300" dirty="0" smtClean="0">
+          <a:lstStyle>
+            <a:lvl1pPr marL="0" indent="0" algn="l" defTabSz="914400" rtl="0" eaLnBrk="1" latinLnBrk="0" hangingPunct="1">
+              <a:spcBef>
+                <a:spcPct val="20000"/>
+              </a:spcBef>
+              <a:buFontTx/>
+              <a:buNone/>
+              <a:defRPr sz="1300" b="0" kern="1200">
+                <a:solidFill>
+                  <a:schemeClr val="tx1">
+                    <a:lumMod val="65000"/>
+                    <a:lumOff val="35000"/>
+                  </a:schemeClr>
+                </a:solidFill>
+                <a:latin typeface="+mj-lt"/>
+                <a:ea typeface="Open Sans Extrabold" pitchFamily="34" charset="0"/>
+                <a:cs typeface="Open Sans Extrabold" pitchFamily="34" charset="0"/>
+              </a:defRPr>
+            </a:lvl1pPr>
+            <a:lvl2pPr marL="742950" indent="-285750" algn="l" defTabSz="914400" rtl="0" eaLnBrk="1" latinLnBrk="0" hangingPunct="1">
+              <a:spcBef>
+                <a:spcPct val="20000"/>
+              </a:spcBef>
+              <a:buFont typeface="Arial" pitchFamily="34" charset="0"/>
+              <a:buChar char="–"/>
+              <a:defRPr sz="1800" kern="1200">
+                <a:solidFill>
+                  <a:schemeClr val="tx1">
+                    <a:lumMod val="85000"/>
+                    <a:lumOff val="15000"/>
+                  </a:schemeClr>
+                </a:solidFill>
+                <a:latin typeface="+mn-lt"/>
+                <a:ea typeface="+mn-ea"/>
+                <a:cs typeface="+mn-cs"/>
+              </a:defRPr>
+            </a:lvl2pPr>
+            <a:lvl3pPr marL="1143000" indent="-228600" algn="l" defTabSz="914400" rtl="0" eaLnBrk="1" latinLnBrk="0" hangingPunct="1">
+              <a:spcBef>
+                <a:spcPct val="20000"/>
+              </a:spcBef>
+              <a:buFont typeface="Arial" pitchFamily="34" charset="0"/>
+              <a:buChar char="•"/>
+              <a:defRPr sz="1600" kern="1200">
+                <a:solidFill>
+                  <a:schemeClr val="tx1">
+                    <a:lumMod val="85000"/>
+                    <a:lumOff val="15000"/>
+                  </a:schemeClr>
+                </a:solidFill>
+                <a:latin typeface="+mn-lt"/>
+                <a:ea typeface="+mn-ea"/>
+                <a:cs typeface="+mn-cs"/>
+              </a:defRPr>
+            </a:lvl3pPr>
+            <a:lvl4pPr marL="1600200" indent="-228600" algn="l" defTabSz="914400" rtl="0" eaLnBrk="1" latinLnBrk="0" hangingPunct="1">
+              <a:spcBef>
+                <a:spcPct val="20000"/>
+              </a:spcBef>
+              <a:buFont typeface="Arial" pitchFamily="34" charset="0"/>
+              <a:buChar char="–"/>
+              <a:defRPr sz="1400" kern="1200">
+                <a:solidFill>
+                  <a:schemeClr val="tx1">
+                    <a:lumMod val="85000"/>
+                    <a:lumOff val="15000"/>
+                  </a:schemeClr>
+                </a:solidFill>
+                <a:latin typeface="+mn-lt"/>
+                <a:ea typeface="+mn-ea"/>
+                <a:cs typeface="+mn-cs"/>
+              </a:defRPr>
+            </a:lvl4pPr>
+            <a:lvl5pPr marL="2057400" indent="-228600" algn="l" defTabSz="914400" rtl="0" eaLnBrk="1" latinLnBrk="0" hangingPunct="1">
+              <a:spcBef>
+                <a:spcPct val="20000"/>
+              </a:spcBef>
+              <a:buFont typeface="Arial" pitchFamily="34" charset="0"/>
+              <a:buChar char="»"/>
+              <a:defRPr sz="1400" kern="1200">
+                <a:solidFill>
+                  <a:schemeClr val="tx1">
+                    <a:lumMod val="85000"/>
+                    <a:lumOff val="15000"/>
+                  </a:schemeClr>
+                </a:solidFill>
+                <a:latin typeface="+mn-lt"/>
+                <a:ea typeface="+mn-ea"/>
+                <a:cs typeface="+mn-cs"/>
+              </a:defRPr>
+            </a:lvl5pPr>
+            <a:lvl6pPr marL="2514600" indent="-228600" algn="l" defTabSz="914400" rtl="0" eaLnBrk="1" latinLnBrk="0" hangingPunct="1">
+              <a:spcBef>
+                <a:spcPct val="20000"/>
+              </a:spcBef>
+              <a:buFont typeface="Arial" pitchFamily="34" charset="0"/>
+              <a:buChar char="•"/>
+              <a:defRPr sz="2000" kern="1200">
+                <a:solidFill>
+                  <a:schemeClr val="tx1"/>
+                </a:solidFill>
+                <a:latin typeface="+mn-lt"/>
+                <a:ea typeface="+mn-ea"/>
+                <a:cs typeface="+mn-cs"/>
+              </a:defRPr>
+            </a:lvl6pPr>
+            <a:lvl7pPr marL="2971800" indent="-228600" algn="l" defTabSz="914400" rtl="0" eaLnBrk="1" latinLnBrk="0" hangingPunct="1">
+              <a:spcBef>
+                <a:spcPct val="20000"/>
+              </a:spcBef>
+              <a:buFont typeface="Arial" pitchFamily="34" charset="0"/>
+              <a:buChar char="•"/>
+              <a:defRPr sz="2000" kern="1200">
+                <a:solidFill>
+                  <a:schemeClr val="tx1"/>
+                </a:solidFill>
+                <a:latin typeface="+mn-lt"/>
+                <a:ea typeface="+mn-ea"/>
+                <a:cs typeface="+mn-cs"/>
+              </a:defRPr>
+            </a:lvl7pPr>
+            <a:lvl8pPr marL="3429000" indent="-228600" algn="l" defTabSz="914400" rtl="0" eaLnBrk="1" latinLnBrk="0" hangingPunct="1">
+              <a:spcBef>
+                <a:spcPct val="20000"/>
+              </a:spcBef>
+              <a:buFont typeface="Arial" pitchFamily="34" charset="0"/>
+              <a:buChar char="•"/>
+              <a:defRPr sz="2000" kern="1200">
+                <a:solidFill>
+                  <a:schemeClr val="tx1"/>
+                </a:solidFill>
+                <a:latin typeface="+mn-lt"/>
+                <a:ea typeface="+mn-ea"/>
+                <a:cs typeface="+mn-cs"/>
+              </a:defRPr>
+            </a:lvl8pPr>
+            <a:lvl9pPr marL="3886200" indent="-228600" algn="l" defTabSz="914400" rtl="0" eaLnBrk="1" latinLnBrk="0" hangingPunct="1">
+              <a:spcBef>
+                <a:spcPct val="20000"/>
+              </a:spcBef>
+              <a:buFont typeface="Arial" pitchFamily="34" charset="0"/>
+              <a:buChar char="•"/>
+              <a:defRPr sz="2000" kern="1200">
+                <a:solidFill>
+                  <a:schemeClr val="tx1"/>
+                </a:solidFill>
+                <a:latin typeface="+mn-lt"/>
+                <a:ea typeface="+mn-ea"/>
+                <a:cs typeface="+mn-cs"/>
+              </a:defRPr>
+            </a:lvl9pPr>
+          </a:lstStyle>
+          <a:p>
+            <a:r>
+              <a:rPr lang="en-JM" sz="1600" dirty="0" smtClean="0">
                 <a:solidFill>
                   <a:schemeClr val="tx1">
                     <a:lumMod val="75000"/>
@@ -21790,33 +22075,9 @@
                 </a:solidFill>
                 <a:cs typeface="Calibri"/>
               </a:rPr>
-              <a:t>Keep </a:t>
-            </a:r>
-            <a:r>
-              <a:rPr lang="en-JM" sz="1300" dirty="0" smtClean="0">
-                <a:solidFill>
-                  <a:schemeClr val="tx1">
-                    <a:lumMod val="75000"/>
-                    <a:lumOff val="25000"/>
-                  </a:schemeClr>
-                </a:solidFill>
-                <a:cs typeface="Calibri"/>
-              </a:rPr>
-              <a:t>hard </a:t>
-            </a:r>
-            <a:r>
-              <a:rPr lang="en-JM" sz="1300" dirty="0" smtClean="0">
-                <a:solidFill>
-                  <a:schemeClr val="tx1">
-                    <a:lumMod val="75000"/>
-                    <a:lumOff val="25000"/>
-                  </a:schemeClr>
-                </a:solidFill>
-                <a:cs typeface="Calibri"/>
-              </a:rPr>
-              <a:t>copies/ maintenance period</a:t>
-            </a:r>
-            <a:endParaRPr lang="en-JM" sz="1300" dirty="0">
+              <a:t>Scalability</a:t>
+            </a:r>
+            <a:endParaRPr lang="en-JM" sz="1600" dirty="0">
               <a:solidFill>
                 <a:schemeClr val="tx1">
                   <a:lumMod val="75000"/>
@@ -21830,220 +22091,7 @@
       </p:sp>
       <p:sp>
         <p:nvSpPr>
-          <p:cNvPr id="19" name="Text Placeholder 18"/>
-          <p:cNvSpPr>
-            <a:spLocks noGrp="1"/>
-          </p:cNvSpPr>
-          <p:nvPr>
-            <p:ph type="body" sz="quarter" idx="64"/>
-          </p:nvPr>
-        </p:nvSpPr>
-        <p:spPr>
-          <a:xfrm>
-            <a:off x="5450174" y="4023420"/>
-            <a:ext cx="3048000" cy="537633"/>
-          </a:xfrm>
-        </p:spPr>
-        <p:txBody>
-          <a:bodyPr>
-            <a:normAutofit/>
-          </a:bodyPr>
-          <a:lstStyle/>
-          <a:p>
-            <a:r>
-              <a:rPr lang="en-JM" sz="1300" dirty="0" smtClean="0">
-                <a:solidFill>
-                  <a:schemeClr val="tx1">
-                    <a:lumMod val="75000"/>
-                    <a:lumOff val="25000"/>
-                  </a:schemeClr>
-                </a:solidFill>
-                <a:cs typeface="Calibri"/>
-              </a:rPr>
-              <a:t>UPS: Uninterrupted Power Supply system</a:t>
-            </a:r>
-            <a:endParaRPr lang="en-JM" sz="1300" dirty="0">
-              <a:solidFill>
-                <a:schemeClr val="tx1">
-                  <a:lumMod val="75000"/>
-                  <a:lumOff val="25000"/>
-                </a:schemeClr>
-              </a:solidFill>
-              <a:cs typeface="Calibri"/>
-            </a:endParaRPr>
-          </a:p>
-        </p:txBody>
-      </p:sp>
-      <p:sp>
-        <p:nvSpPr>
-          <p:cNvPr id="20" name="Content Placeholder 19"/>
-          <p:cNvSpPr>
-            <a:spLocks noGrp="1" noChangeAspect="1"/>
-          </p:cNvSpPr>
-          <p:nvPr>
-            <p:ph sz="quarter" idx="65"/>
-          </p:nvPr>
-        </p:nvSpPr>
-        <p:spPr>
-          <a:xfrm>
-            <a:off x="4983480" y="1919805"/>
-            <a:ext cx="411480" cy="431998"/>
-          </a:xfrm>
-          <a:prstGeom prst="rect">
-            <a:avLst/>
-          </a:prstGeom>
-          <a:solidFill>
-            <a:schemeClr val="tx2"/>
-          </a:solidFill>
-        </p:spPr>
-        <p:txBody>
-          <a:bodyPr/>
-          <a:lstStyle/>
-          <a:p>
-            <a:r>
-              <a:rPr lang="en-JM" dirty="0"/>
-              <a:t>1</a:t>
-            </a:r>
-          </a:p>
-        </p:txBody>
-      </p:sp>
-      <p:sp>
-        <p:nvSpPr>
-          <p:cNvPr id="21" name="Content Placeholder 20"/>
-          <p:cNvSpPr>
-            <a:spLocks noGrp="1" noChangeAspect="1"/>
-          </p:cNvSpPr>
-          <p:nvPr>
-            <p:ph sz="quarter" idx="66"/>
-          </p:nvPr>
-        </p:nvSpPr>
-        <p:spPr>
-          <a:xfrm>
-            <a:off x="4983480" y="2647426"/>
-            <a:ext cx="411480" cy="431998"/>
-          </a:xfrm>
-          <a:prstGeom prst="rect">
-            <a:avLst/>
-          </a:prstGeom>
-          <a:solidFill>
-            <a:schemeClr val="tx2"/>
-          </a:solidFill>
-        </p:spPr>
-        <p:txBody>
-          <a:bodyPr/>
-          <a:lstStyle/>
-          <a:p>
-            <a:r>
-              <a:rPr lang="en-JM" dirty="0"/>
-              <a:t>2</a:t>
-            </a:r>
-          </a:p>
-        </p:txBody>
-      </p:sp>
-      <p:sp>
-        <p:nvSpPr>
-          <p:cNvPr id="22" name="Content Placeholder 21"/>
-          <p:cNvSpPr>
-            <a:spLocks noGrp="1" noChangeAspect="1"/>
-          </p:cNvSpPr>
-          <p:nvPr>
-            <p:ph sz="quarter" idx="67"/>
-          </p:nvPr>
-        </p:nvSpPr>
-        <p:spPr>
-          <a:xfrm>
-            <a:off x="4983480" y="3338306"/>
-            <a:ext cx="411480" cy="431998"/>
-          </a:xfrm>
-          <a:prstGeom prst="rect">
-            <a:avLst/>
-          </a:prstGeom>
-          <a:solidFill>
-            <a:schemeClr val="tx2"/>
-          </a:solidFill>
-        </p:spPr>
-        <p:txBody>
-          <a:bodyPr/>
-          <a:lstStyle/>
-          <a:p>
-            <a:r>
-              <a:rPr lang="en-JM" dirty="0"/>
-              <a:t>3</a:t>
-            </a:r>
-          </a:p>
-        </p:txBody>
-      </p:sp>
-      <p:sp>
-        <p:nvSpPr>
-          <p:cNvPr id="23" name="Content Placeholder 22"/>
-          <p:cNvSpPr>
-            <a:spLocks noGrp="1" noChangeAspect="1"/>
-          </p:cNvSpPr>
-          <p:nvPr>
-            <p:ph sz="quarter" idx="68"/>
-          </p:nvPr>
-        </p:nvSpPr>
-        <p:spPr>
-          <a:xfrm>
-            <a:off x="4983480" y="4069826"/>
-            <a:ext cx="411480" cy="431998"/>
-          </a:xfrm>
-          <a:prstGeom prst="rect">
-            <a:avLst/>
-          </a:prstGeom>
-          <a:solidFill>
-            <a:schemeClr val="tx2"/>
-          </a:solidFill>
-        </p:spPr>
-        <p:txBody>
-          <a:bodyPr/>
-          <a:lstStyle/>
-          <a:p>
-            <a:r>
-              <a:rPr lang="en-JM" dirty="0" smtClean="0"/>
-              <a:t>4</a:t>
-            </a:r>
-            <a:endParaRPr lang="en-JM" dirty="0"/>
-          </a:p>
-        </p:txBody>
-      </p:sp>
-      <p:sp>
-        <p:nvSpPr>
-          <p:cNvPr id="24" name="Content Placeholder 23"/>
-          <p:cNvSpPr>
-            <a:spLocks noGrp="1" noChangeAspect="1"/>
-          </p:cNvSpPr>
-          <p:nvPr>
-            <p:ph sz="quarter" idx="69"/>
-          </p:nvPr>
-        </p:nvSpPr>
-        <p:spPr>
-          <a:xfrm>
-            <a:off x="4983480" y="4760706"/>
-            <a:ext cx="411480" cy="431998"/>
-          </a:xfrm>
-          <a:prstGeom prst="rect">
-            <a:avLst/>
-          </a:prstGeom>
-          <a:solidFill>
-            <a:schemeClr val="tx2"/>
-          </a:solidFill>
-        </p:spPr>
-        <p:txBody>
-          <a:bodyPr/>
-          <a:lstStyle/>
-          <a:p>
-            <a:r>
-              <a:rPr lang="en-JM" dirty="0" smtClean="0"/>
-              <a:t>5</a:t>
-            </a:r>
-            <a:endParaRPr lang="en-JM" dirty="0"/>
-          </a:p>
-        </p:txBody>
-      </p:sp>
-      <p:sp>
-        <p:nvSpPr>
-          <p:cNvPr id="26" name="Text Placeholder 8"/>
+          <p:cNvPr id="28" name="Text Placeholder 18"/>
           <p:cNvSpPr txBox="1">
             <a:spLocks/>
           </p:cNvSpPr>
@@ -22051,7 +22099,7 @@
         </p:nvSpPr>
         <p:spPr>
           <a:xfrm>
-            <a:off x="1379220" y="3254114"/>
+            <a:off x="5448300" y="2561375"/>
             <a:ext cx="3048000" cy="537633"/>
           </a:xfrm>
           <a:prstGeom prst="rect">
@@ -22216,7 +22264,7 @@
           </a:lstStyle>
           <a:p>
             <a:r>
-              <a:rPr lang="en-JM" dirty="0" smtClean="0">
+              <a:rPr lang="en-JM" sz="1600" dirty="0" smtClean="0">
                 <a:solidFill>
                   <a:schemeClr val="tx1">
                     <a:lumMod val="75000"/>
@@ -22225,207 +22273,9 @@
                 </a:solidFill>
                 <a:cs typeface="Calibri"/>
               </a:rPr>
-              <a:t>OS / software failure</a:t>
-            </a:r>
-            <a:endParaRPr lang="en-JM" dirty="0">
-              <a:solidFill>
-                <a:schemeClr val="tx1">
-                  <a:lumMod val="75000"/>
-                  <a:lumOff val="25000"/>
-                </a:schemeClr>
-              </a:solidFill>
-              <a:cs typeface="Calibri"/>
-            </a:endParaRPr>
-          </a:p>
-        </p:txBody>
-      </p:sp>
-      <p:sp>
-        <p:nvSpPr>
-          <p:cNvPr id="28" name="Text Placeholder 18"/>
-          <p:cNvSpPr txBox="1">
-            <a:spLocks/>
-          </p:cNvSpPr>
-          <p:nvPr/>
-        </p:nvSpPr>
-        <p:spPr>
-          <a:xfrm>
-            <a:off x="5470321" y="3298130"/>
-            <a:ext cx="3048000" cy="537633"/>
-          </a:xfrm>
-          <a:prstGeom prst="rect">
-            <a:avLst/>
-          </a:prstGeom>
-        </p:spPr>
-        <p:txBody>
-          <a:bodyPr vert="horz" lIns="91440" tIns="45720" rIns="91440" bIns="45720" rtlCol="0" anchor="ctr">
-            <a:normAutofit/>
-          </a:bodyPr>
-          <a:lstStyle>
-            <a:lvl1pPr marL="0" indent="0" algn="l" defTabSz="914400" rtl="0" eaLnBrk="1" latinLnBrk="0" hangingPunct="1">
-              <a:spcBef>
-                <a:spcPct val="20000"/>
-              </a:spcBef>
-              <a:buFontTx/>
-              <a:buNone/>
-              <a:defRPr sz="1300" b="0" kern="1200">
-                <a:solidFill>
-                  <a:schemeClr val="tx1">
-                    <a:lumMod val="65000"/>
-                    <a:lumOff val="35000"/>
-                  </a:schemeClr>
-                </a:solidFill>
-                <a:latin typeface="+mj-lt"/>
-                <a:ea typeface="Open Sans Extrabold" pitchFamily="34" charset="0"/>
-                <a:cs typeface="Open Sans Extrabold" pitchFamily="34" charset="0"/>
-              </a:defRPr>
-            </a:lvl1pPr>
-            <a:lvl2pPr marL="742950" indent="-285750" algn="l" defTabSz="914400" rtl="0" eaLnBrk="1" latinLnBrk="0" hangingPunct="1">
-              <a:spcBef>
-                <a:spcPct val="20000"/>
-              </a:spcBef>
-              <a:buFont typeface="Arial" pitchFamily="34" charset="0"/>
-              <a:buChar char="–"/>
-              <a:defRPr sz="1800" kern="1200">
-                <a:solidFill>
-                  <a:schemeClr val="tx1">
-                    <a:lumMod val="85000"/>
-                    <a:lumOff val="15000"/>
-                  </a:schemeClr>
-                </a:solidFill>
-                <a:latin typeface="+mn-lt"/>
-                <a:ea typeface="+mn-ea"/>
-                <a:cs typeface="+mn-cs"/>
-              </a:defRPr>
-            </a:lvl2pPr>
-            <a:lvl3pPr marL="1143000" indent="-228600" algn="l" defTabSz="914400" rtl="0" eaLnBrk="1" latinLnBrk="0" hangingPunct="1">
-              <a:spcBef>
-                <a:spcPct val="20000"/>
-              </a:spcBef>
-              <a:buFont typeface="Arial" pitchFamily="34" charset="0"/>
-              <a:buChar char="•"/>
-              <a:defRPr sz="1600" kern="1200">
-                <a:solidFill>
-                  <a:schemeClr val="tx1">
-                    <a:lumMod val="85000"/>
-                    <a:lumOff val="15000"/>
-                  </a:schemeClr>
-                </a:solidFill>
-                <a:latin typeface="+mn-lt"/>
-                <a:ea typeface="+mn-ea"/>
-                <a:cs typeface="+mn-cs"/>
-              </a:defRPr>
-            </a:lvl3pPr>
-            <a:lvl4pPr marL="1600200" indent="-228600" algn="l" defTabSz="914400" rtl="0" eaLnBrk="1" latinLnBrk="0" hangingPunct="1">
-              <a:spcBef>
-                <a:spcPct val="20000"/>
-              </a:spcBef>
-              <a:buFont typeface="Arial" pitchFamily="34" charset="0"/>
-              <a:buChar char="–"/>
-              <a:defRPr sz="1400" kern="1200">
-                <a:solidFill>
-                  <a:schemeClr val="tx1">
-                    <a:lumMod val="85000"/>
-                    <a:lumOff val="15000"/>
-                  </a:schemeClr>
-                </a:solidFill>
-                <a:latin typeface="+mn-lt"/>
-                <a:ea typeface="+mn-ea"/>
-                <a:cs typeface="+mn-cs"/>
-              </a:defRPr>
-            </a:lvl4pPr>
-            <a:lvl5pPr marL="2057400" indent="-228600" algn="l" defTabSz="914400" rtl="0" eaLnBrk="1" latinLnBrk="0" hangingPunct="1">
-              <a:spcBef>
-                <a:spcPct val="20000"/>
-              </a:spcBef>
-              <a:buFont typeface="Arial" pitchFamily="34" charset="0"/>
-              <a:buChar char="»"/>
-              <a:defRPr sz="1400" kern="1200">
-                <a:solidFill>
-                  <a:schemeClr val="tx1">
-                    <a:lumMod val="85000"/>
-                    <a:lumOff val="15000"/>
-                  </a:schemeClr>
-                </a:solidFill>
-                <a:latin typeface="+mn-lt"/>
-                <a:ea typeface="+mn-ea"/>
-                <a:cs typeface="+mn-cs"/>
-              </a:defRPr>
-            </a:lvl5pPr>
-            <a:lvl6pPr marL="2514600" indent="-228600" algn="l" defTabSz="914400" rtl="0" eaLnBrk="1" latinLnBrk="0" hangingPunct="1">
-              <a:spcBef>
-                <a:spcPct val="20000"/>
-              </a:spcBef>
-              <a:buFont typeface="Arial" pitchFamily="34" charset="0"/>
-              <a:buChar char="•"/>
-              <a:defRPr sz="2000" kern="1200">
-                <a:solidFill>
-                  <a:schemeClr val="tx1"/>
-                </a:solidFill>
-                <a:latin typeface="+mn-lt"/>
-                <a:ea typeface="+mn-ea"/>
-                <a:cs typeface="+mn-cs"/>
-              </a:defRPr>
-            </a:lvl6pPr>
-            <a:lvl7pPr marL="2971800" indent="-228600" algn="l" defTabSz="914400" rtl="0" eaLnBrk="1" latinLnBrk="0" hangingPunct="1">
-              <a:spcBef>
-                <a:spcPct val="20000"/>
-              </a:spcBef>
-              <a:buFont typeface="Arial" pitchFamily="34" charset="0"/>
-              <a:buChar char="•"/>
-              <a:defRPr sz="2000" kern="1200">
-                <a:solidFill>
-                  <a:schemeClr val="tx1"/>
-                </a:solidFill>
-                <a:latin typeface="+mn-lt"/>
-                <a:ea typeface="+mn-ea"/>
-                <a:cs typeface="+mn-cs"/>
-              </a:defRPr>
-            </a:lvl7pPr>
-            <a:lvl8pPr marL="3429000" indent="-228600" algn="l" defTabSz="914400" rtl="0" eaLnBrk="1" latinLnBrk="0" hangingPunct="1">
-              <a:spcBef>
-                <a:spcPct val="20000"/>
-              </a:spcBef>
-              <a:buFont typeface="Arial" pitchFamily="34" charset="0"/>
-              <a:buChar char="•"/>
-              <a:defRPr sz="2000" kern="1200">
-                <a:solidFill>
-                  <a:schemeClr val="tx1"/>
-                </a:solidFill>
-                <a:latin typeface="+mn-lt"/>
-                <a:ea typeface="+mn-ea"/>
-                <a:cs typeface="+mn-cs"/>
-              </a:defRPr>
-            </a:lvl8pPr>
-            <a:lvl9pPr marL="3886200" indent="-228600" algn="l" defTabSz="914400" rtl="0" eaLnBrk="1" latinLnBrk="0" hangingPunct="1">
-              <a:spcBef>
-                <a:spcPct val="20000"/>
-              </a:spcBef>
-              <a:buFont typeface="Arial" pitchFamily="34" charset="0"/>
-              <a:buChar char="•"/>
-              <a:defRPr sz="2000" kern="1200">
-                <a:solidFill>
-                  <a:schemeClr val="tx1"/>
-                </a:solidFill>
-                <a:latin typeface="+mn-lt"/>
-                <a:ea typeface="+mn-ea"/>
-                <a:cs typeface="+mn-cs"/>
-              </a:defRPr>
-            </a:lvl9pPr>
-          </a:lstStyle>
-          <a:p>
-            <a:r>
-              <a:rPr lang="en-JM" dirty="0" smtClean="0">
-                <a:solidFill>
-                  <a:schemeClr val="tx1">
-                    <a:lumMod val="75000"/>
-                    <a:lumOff val="25000"/>
-                  </a:schemeClr>
-                </a:solidFill>
-                <a:cs typeface="Calibri"/>
-              </a:rPr>
-              <a:t>Antivirus software</a:t>
-            </a:r>
-            <a:endParaRPr lang="en-JM" dirty="0">
+              <a:t>Hosting options</a:t>
+            </a:r>
+            <a:endParaRPr lang="en-JM" sz="1600" dirty="0">
               <a:solidFill>
                 <a:schemeClr val="tx1">
                   <a:lumMod val="75000"/>
@@ -22501,13 +22351,30 @@
           <a:bodyPr/>
           <a:lstStyle/>
           <a:p>
+            <a:pPr algn="l"/>
             <a:r>
               <a:rPr lang="en-US" sz="3200" dirty="0" smtClean="0">
                 <a:solidFill>
                   <a:srgbClr val="00B0F0"/>
                 </a:solidFill>
               </a:rPr>
-              <a:t>Assumption: Users Technical Skills</a:t>
+              <a:t>  Assumption</a:t>
+            </a:r>
+            <a:r>
+              <a:rPr lang="en-US" sz="3200" dirty="0" smtClean="0">
+                <a:solidFill>
+                  <a:srgbClr val="00B0F0"/>
+                </a:solidFill>
+              </a:rPr>
+              <a:t>: Users Technical </a:t>
+            </a:r>
+            <a:r>
+              <a:rPr lang="en-US" sz="3200" dirty="0" smtClean="0">
+                <a:solidFill>
+                  <a:srgbClr val="00B0F0"/>
+                </a:solidFill>
+              </a:rPr>
+              <a:t>Skills </a:t>
             </a:r>
             <a:endParaRPr lang="en-US" sz="3200" dirty="0">
               <a:solidFill>
@@ -22856,13 +22723,13 @@
   <p:clrMapOvr>
     <a:masterClrMapping/>
   </p:clrMapOvr>
-  <mc:AlternateContent xmlns:mc="http://schemas.openxmlformats.org/markup-compatibility/2006">
-    <mc:Choice xmlns:p14="http://schemas.microsoft.com/office/powerpoint/2010/main" Requires="p14">
+  <mc:AlternateContent xmlns:mc="http://schemas.openxmlformats.org/markup-compatibility/2006" xmlns:p14="http://schemas.microsoft.com/office/powerpoint/2010/main">
+    <mc:Choice Requires="p14">
       <p:transition spd="slow" p14:dur="1250">
         <p14:flythrough/>
       </p:transition>
     </mc:Choice>
-    <mc:Fallback>
+    <mc:Fallback xmlns="">
       <p:transition spd="slow">
         <p:fade/>
       </p:transition>
@@ -22905,59 +22772,56 @@
             <p:ph type="title"/>
           </p:nvPr>
         </p:nvSpPr>
+        <p:spPr>
+          <a:xfrm>
+            <a:off x="152400" y="383679"/>
+            <a:ext cx="6400800" cy="1016000"/>
+          </a:xfrm>
+        </p:spPr>
+        <p:txBody>
+          <a:bodyPr/>
+          <a:lstStyle/>
+          <a:p>
+            <a:r>
+              <a:rPr lang="en-US" sz="3200" dirty="0">
+                <a:solidFill>
+                  <a:srgbClr val="00B0F0"/>
+                </a:solidFill>
+              </a:rPr>
+              <a:t>Assumption: </a:t>
+            </a:r>
+            <a:r>
+              <a:rPr lang="en-US" sz="3200" dirty="0" smtClean="0">
+                <a:solidFill>
+                  <a:srgbClr val="00B0F0"/>
+                </a:solidFill>
+              </a:rPr>
+              <a:t>Scalability</a:t>
+            </a:r>
+            <a:endParaRPr lang="en-US" sz="3200" dirty="0"/>
+          </a:p>
+        </p:txBody>
+      </p:sp>
+      <p:sp>
+        <p:nvSpPr>
+          <p:cNvPr id="3" name="Footer Placeholder 2"/>
+          <p:cNvSpPr>
+            <a:spLocks noGrp="1"/>
+          </p:cNvSpPr>
+          <p:nvPr>
+            <p:ph type="ftr" sz="quarter" idx="11"/>
+          </p:nvPr>
+        </p:nvSpPr>
         <p:spPr/>
         <p:txBody>
           <a:bodyPr/>
           <a:lstStyle/>
           <a:p>
             <a:r>
-              <a:rPr lang="en-US" sz="3200" dirty="0" smtClean="0">
-                <a:solidFill>
-                  <a:srgbClr val="00B0F0"/>
-                </a:solidFill>
-              </a:rPr>
-              <a:t>Assumption: Hardware Failure</a:t>
-            </a:r>
-            <a:endParaRPr lang="en-US" sz="3200" dirty="0">
-              <a:solidFill>
-                <a:srgbClr val="00B0F0"/>
-              </a:solidFill>
-            </a:endParaRPr>
-          </a:p>
-        </p:txBody>
-      </p:sp>
-      <p:sp>
-        <p:nvSpPr>
-          <p:cNvPr id="3" name="Footer Placeholder 2"/>
-          <p:cNvSpPr>
-            <a:spLocks noGrp="1"/>
-          </p:cNvSpPr>
-          <p:nvPr>
-            <p:ph type="ftr" sz="quarter" idx="11"/>
-          </p:nvPr>
-        </p:nvSpPr>
-        <p:spPr/>
-        <p:txBody>
-          <a:bodyPr/>
-          <a:lstStyle/>
-          <a:p>
-            <a:r>
-              <a:rPr lang="en-JM" smtClean="0">
-                <a:solidFill>
-                  <a:prstClr val="white">
-                    <a:lumMod val="65000"/>
-                  </a:prstClr>
-                </a:solidFill>
-              </a:rPr>
+              <a:rPr lang="en-JM" smtClean="0"/>
               <a:t>WWW.DESIGNERSPARADISE.COM</a:t>
             </a:r>
-            <a:endParaRPr lang="en-JM">
-              <a:solidFill>
-                <a:prstClr val="white">
-                  <a:lumMod val="65000"/>
-                </a:prstClr>
-              </a:solidFill>
-            </a:endParaRPr>
+            <a:endParaRPr lang="en-JM"/>
           </a:p>
         </p:txBody>
       </p:sp>
@@ -22978,7 +22842,6 @@
           <a:p>
             <a:fld id="{857B18ED-D931-45F4-8873-1BEDAB4DC03E}" type="slidenum">
               <a:rPr lang="en-JM" smtClean="0"/>
-              <a:pPr/>
               <a:t>7</a:t>
             </a:fld>
             <a:endParaRPr lang="en-JM"/>
@@ -22987,7 +22850,7 @@
       </p:sp>
       <p:sp>
         <p:nvSpPr>
-          <p:cNvPr id="25" name="Text Placeholder 4"/>
+          <p:cNvPr id="27" name="Text Placeholder 4"/>
           <p:cNvSpPr>
             <a:spLocks noGrp="1"/>
           </p:cNvSpPr>
@@ -22997,8 +22860,8 @@
         </p:nvSpPr>
         <p:spPr>
           <a:xfrm>
-            <a:off x="609600" y="1498600"/>
-            <a:ext cx="7772400" cy="4368800"/>
+            <a:off x="1143000" y="1430159"/>
+            <a:ext cx="5791200" cy="2844800"/>
           </a:xfrm>
           <a:prstGeom prst="rect">
             <a:avLst/>
@@ -23048,45 +22911,16 @@
               <a:defRPr/>
             </a:pPr>
             <a:r>
-              <a:rPr lang="en-JM" sz="2000" dirty="0" smtClean="0">
+              <a:rPr lang="en-JM" dirty="0" smtClean="0">
                 <a:solidFill>
                   <a:schemeClr val="tx2"/>
                 </a:solidFill>
                 <a:latin typeface="Calibri"/>
                 <a:cs typeface="Calibri"/>
               </a:rPr>
-              <a:t>Running diagnostic tests </a:t>
-            </a:r>
-            <a:r>
-              <a:rPr lang="en-JM" dirty="0" smtClean="0">
-                <a:solidFill>
-                  <a:schemeClr val="tx2"/>
-                </a:solidFill>
-                <a:latin typeface="Calibri"/>
-                <a:cs typeface="Calibri"/>
-              </a:rPr>
-              <a:t>periodically</a:t>
-            </a:r>
-            <a:r>
-              <a:rPr lang="en-JM" sz="2000" dirty="0" smtClean="0">
-                <a:solidFill>
-                  <a:schemeClr val="tx2"/>
-                </a:solidFill>
-                <a:latin typeface="Calibri"/>
-                <a:cs typeface="Calibri"/>
-              </a:rPr>
-              <a:t> </a:t>
-            </a:r>
-          </a:p>
-          <a:p>
-            <a:pPr marL="457200" lvl="1" indent="0">
-              <a:spcBef>
-                <a:spcPts val="0"/>
-              </a:spcBef>
-              <a:buNone/>
-              <a:defRPr/>
-            </a:pPr>
-            <a:endParaRPr lang="en-JM" sz="1800" dirty="0">
+              <a:t>Hosting options</a:t>
+            </a:r>
+            <a:endParaRPr lang="en-JM" dirty="0" smtClean="0">
               <a:solidFill>
                 <a:schemeClr val="tx2"/>
               </a:solidFill>
@@ -23095,24 +22929,6 @@
             </a:endParaRPr>
           </a:p>
           <a:p>
-            <a:pPr lvl="0">
-              <a:spcBef>
-                <a:spcPts val="0"/>
-              </a:spcBef>
-              <a:defRPr/>
-            </a:pPr>
-            <a:r>
-              <a:rPr lang="en-JM" sz="2000" dirty="0" smtClean="0">
-                <a:solidFill>
-                  <a:schemeClr val="tx2"/>
-                </a:solidFill>
-                <a:latin typeface="Calibri"/>
-                <a:cs typeface="Calibri"/>
-              </a:rPr>
-              <a:t>Implementing mirroring</a:t>
-            </a:r>
-          </a:p>
-          <a:p>
             <a:pPr lvl="1">
               <a:spcBef>
                 <a:spcPts val="0"/>
@@ -23120,15 +22936,58 @@
               <a:defRPr/>
             </a:pPr>
             <a:r>
-              <a:rPr lang="en-JM" dirty="0" smtClean="0">
+              <a:rPr lang="en-JM" sz="2000" dirty="0" smtClean="0">
                 <a:solidFill>
                   <a:schemeClr val="tx2"/>
                 </a:solidFill>
+                <a:latin typeface="Calibri"/>
                 <a:cs typeface="Calibri"/>
               </a:rPr>
-              <a:t>RAID 1 (identical copy of data on two disks)</a:t>
-            </a:r>
-            <a:endParaRPr lang="en-JM" dirty="0">
+              <a:t>Self Hosting</a:t>
+            </a:r>
+          </a:p>
+          <a:p>
+            <a:pPr lvl="1">
+              <a:spcBef>
+                <a:spcPts val="0"/>
+              </a:spcBef>
+              <a:defRPr/>
+            </a:pPr>
+            <a:r>
+              <a:rPr lang="en-JM" sz="2000" dirty="0" smtClean="0">
+                <a:solidFill>
+                  <a:schemeClr val="tx2"/>
+                </a:solidFill>
+                <a:latin typeface="Calibri"/>
+                <a:cs typeface="Calibri"/>
+              </a:rPr>
+              <a:t>Third Party</a:t>
+            </a:r>
+            <a:endParaRPr lang="en-JM" sz="2000" dirty="0" smtClean="0">
+              <a:solidFill>
+                <a:schemeClr val="tx2"/>
+              </a:solidFill>
+              <a:latin typeface="Calibri"/>
+              <a:cs typeface="Calibri"/>
+            </a:endParaRPr>
+          </a:p>
+          <a:p>
+            <a:pPr lvl="1">
+              <a:spcBef>
+                <a:spcPts val="0"/>
+              </a:spcBef>
+              <a:defRPr/>
+            </a:pPr>
+            <a:r>
+              <a:rPr lang="en-JM" sz="2000" dirty="0" smtClean="0">
+                <a:solidFill>
+                  <a:schemeClr val="tx2"/>
+                </a:solidFill>
+                <a:cs typeface="Calibri"/>
+              </a:rPr>
+              <a:t>Hosting with us</a:t>
+            </a:r>
+            <a:endParaRPr lang="en-JM" sz="2000" dirty="0">
               <a:solidFill>
                 <a:schemeClr val="tx2"/>
               </a:solidFill>
@@ -23151,21 +23010,6 @@
             </a:endParaRPr>
           </a:p>
           <a:p>
-            <a:pPr lvl="0">
-              <a:spcBef>
-                <a:spcPts val="0"/>
-              </a:spcBef>
-              <a:defRPr/>
-            </a:pPr>
-            <a:endParaRPr lang="en-JM" sz="2000" dirty="0" smtClean="0">
-              <a:solidFill>
-                <a:schemeClr val="tx2"/>
-              </a:solidFill>
-              <a:latin typeface="Calibri"/>
-              <a:cs typeface="Calibri"/>
-            </a:endParaRPr>
-          </a:p>
-          <a:p>
             <a:pPr marL="0" indent="0">
               <a:buNone/>
             </a:pPr>
@@ -23179,20 +23023,20 @@
     </p:spTree>
     <p:extLst>
       <p:ext uri="{BB962C8B-B14F-4D97-AF65-F5344CB8AC3E}">
-        <p14:creationId xmlns:p14="http://schemas.microsoft.com/office/powerpoint/2010/main" val="2029336810"/>
+        <p14:creationId xmlns:p14="http://schemas.microsoft.com/office/powerpoint/2010/main" val="2495425567"/>
       </p:ext>
     </p:extLst>
   </p:cSld>
   <p:clrMapOvr>
     <a:masterClrMapping/>
   </p:clrMapOvr>
-  <mc:AlternateContent xmlns:mc="http://schemas.openxmlformats.org/markup-compatibility/2006" xmlns:p14="http://schemas.microsoft.com/office/powerpoint/2010/main">
-    <mc:Choice Requires="p14">
+  <mc:AlternateContent xmlns:mc="http://schemas.openxmlformats.org/markup-compatibility/2006">
+    <mc:Choice xmlns:p14="http://schemas.microsoft.com/office/powerpoint/2010/main" Requires="p14">
       <p:transition spd="slow" p14:dur="1250">
         <p14:flythrough/>
       </p:transition>
     </mc:Choice>
-    <mc:Fallback xmlns="">
+    <mc:Fallback>
       <p:transition spd="slow">
         <p:fade/>
       </p:transition>
@@ -23235,18 +23079,24 @@
             <p:ph type="title"/>
           </p:nvPr>
         </p:nvSpPr>
-        <p:spPr/>
+        <p:spPr>
+          <a:xfrm>
+            <a:off x="1135380" y="1496760"/>
+            <a:ext cx="3048000" cy="863600"/>
+          </a:xfrm>
+        </p:spPr>
         <p:txBody>
           <a:bodyPr/>
           <a:lstStyle/>
           <a:p>
+            <a:pPr algn="l"/>
             <a:r>
               <a:rPr lang="en-US" sz="3200" dirty="0" smtClean="0">
                 <a:solidFill>
                   <a:srgbClr val="00B0F0"/>
                 </a:solidFill>
               </a:rPr>
-              <a:t>Assumption: OS / Software failure</a:t>
+              <a:t>Assumptions </a:t>
             </a:r>
             <a:endParaRPr lang="en-US" sz="3200" dirty="0">
               <a:solidFill>
@@ -23327,8 +23177,8 @@
         </p:nvSpPr>
         <p:spPr>
           <a:xfrm>
-            <a:off x="609600" y="1498600"/>
-            <a:ext cx="7772400" cy="4368800"/>
+            <a:off x="1017270" y="2873249"/>
+            <a:ext cx="3284220" cy="1473200"/>
           </a:xfrm>
           <a:prstGeom prst="rect">
             <a:avLst/>
@@ -23339,25 +23189,6 @@
             <a:normAutofit/>
           </a:bodyPr>
           <a:lstStyle/>
-          <a:p>
-            <a:pPr marL="0" lvl="0" indent="0">
-              <a:spcBef>
-                <a:spcPts val="0"/>
-              </a:spcBef>
-              <a:buNone/>
-              <a:defRPr/>
-            </a:pPr>
-            <a:r>
-              <a:rPr lang="en-JM" sz="2400" u="sng" dirty="0" smtClean="0">
-                <a:solidFill>
-                  <a:schemeClr val="tx2"/>
-                </a:solidFill>
-                <a:latin typeface="Calibri"/>
-                <a:cs typeface="Calibri"/>
-              </a:rPr>
-              <a:t>Contingency Plan: AV Software / backups</a:t>
-            </a:r>
-          </a:p>
           <a:p>
             <a:pPr lvl="0">
               <a:spcBef>
@@ -23365,61 +23196,21 @@
               </a:spcBef>
               <a:defRPr/>
             </a:pPr>
-            <a:endParaRPr lang="en-JM" sz="2000" dirty="0">
-              <a:latin typeface="Calibri"/>
+            <a:r>
+              <a:rPr lang="en-JM" dirty="0" smtClean="0">
+                <a:solidFill>
+                  <a:srgbClr val="00B0F0"/>
+                </a:solidFill>
+                <a:cs typeface="Calibri"/>
+              </a:rPr>
+              <a:t>System failures</a:t>
+            </a:r>
+            <a:endParaRPr lang="en-JM" dirty="0">
+              <a:solidFill>
+                <a:srgbClr val="00B0F0"/>
+              </a:solidFill>
               <a:cs typeface="Calibri"/>
             </a:endParaRPr>
-          </a:p>
-          <a:p>
-            <a:pPr lvl="0">
-              <a:spcBef>
-                <a:spcPts val="0"/>
-              </a:spcBef>
-              <a:defRPr/>
-            </a:pPr>
-            <a:r>
-              <a:rPr lang="en-JM" sz="2000" dirty="0" smtClean="0">
-                <a:solidFill>
-                  <a:schemeClr val="tx2"/>
-                </a:solidFill>
-                <a:latin typeface="Calibri"/>
-                <a:cs typeface="Calibri"/>
-              </a:rPr>
-              <a:t>Using industry standard antivirus software</a:t>
-            </a:r>
-          </a:p>
-          <a:p>
-            <a:pPr marL="457200" lvl="1" indent="0">
-              <a:spcBef>
-                <a:spcPts val="0"/>
-              </a:spcBef>
-              <a:buNone/>
-              <a:defRPr/>
-            </a:pPr>
-            <a:endParaRPr lang="en-JM" sz="1800" dirty="0">
-              <a:solidFill>
-                <a:schemeClr val="tx2"/>
-              </a:solidFill>
-              <a:latin typeface="Calibri"/>
-              <a:cs typeface="Calibri"/>
-            </a:endParaRPr>
-          </a:p>
-          <a:p>
-            <a:pPr lvl="0">
-              <a:spcBef>
-                <a:spcPts val="0"/>
-              </a:spcBef>
-              <a:defRPr/>
-            </a:pPr>
-            <a:r>
-              <a:rPr lang="en-JM" dirty="0">
-                <a:solidFill>
-                  <a:schemeClr val="tx2"/>
-                </a:solidFill>
-                <a:cs typeface="Calibri"/>
-              </a:rPr>
-              <a:t>Daily Incremental backups</a:t>
-            </a:r>
           </a:p>
           <a:p>
             <a:pPr lvl="1">
@@ -23429,46 +23220,20 @@
               <a:defRPr/>
             </a:pPr>
             <a:r>
-              <a:rPr lang="en-JM" dirty="0">
-                <a:solidFill>
-                  <a:schemeClr val="tx2"/>
+              <a:rPr lang="en-JM" dirty="0" smtClean="0">
+                <a:solidFill>
+                  <a:srgbClr val="00B0F0"/>
                 </a:solidFill>
                 <a:cs typeface="Calibri"/>
               </a:rPr>
-              <a:t>Stored in fireproof cabinet</a:t>
-            </a:r>
-          </a:p>
-          <a:p>
-            <a:pPr marL="457200" lvl="1" indent="0">
-              <a:spcBef>
-                <a:spcPts val="0"/>
-              </a:spcBef>
-              <a:buNone/>
-              <a:defRPr/>
-            </a:pPr>
+              <a:t>Hardware failure</a:t>
+            </a:r>
             <a:endParaRPr lang="en-JM" dirty="0">
               <a:solidFill>
-                <a:schemeClr val="tx2"/>
+                <a:srgbClr val="00B0F0"/>
               </a:solidFill>
               <a:cs typeface="Calibri"/>
             </a:endParaRPr>
-          </a:p>
-          <a:p>
-            <a:pPr lvl="0">
-              <a:spcBef>
-                <a:spcPts val="0"/>
-              </a:spcBef>
-              <a:defRPr/>
-            </a:pPr>
-            <a:r>
-              <a:rPr lang="en-JM" dirty="0">
-                <a:solidFill>
-                  <a:schemeClr val="tx2"/>
-                </a:solidFill>
-                <a:cs typeface="Calibri"/>
-              </a:rPr>
-              <a:t>Weekly full backups</a:t>
-            </a:r>
           </a:p>
           <a:p>
             <a:pPr lvl="1">
@@ -23478,14 +23243,20 @@
               <a:defRPr/>
             </a:pPr>
             <a:r>
-              <a:rPr lang="en-JM" dirty="0">
-                <a:solidFill>
-                  <a:schemeClr val="tx2"/>
+              <a:rPr lang="en-JM" dirty="0" smtClean="0">
+                <a:solidFill>
+                  <a:srgbClr val="00B0F0"/>
                 </a:solidFill>
                 <a:cs typeface="Calibri"/>
               </a:rPr>
-              <a:t>Two copies of full backup</a:t>
-            </a:r>
+              <a:t>Software failure</a:t>
+            </a:r>
+            <a:endParaRPr lang="en-JM" dirty="0">
+              <a:solidFill>
+                <a:srgbClr val="00B0F0"/>
+              </a:solidFill>
+              <a:cs typeface="Calibri"/>
+            </a:endParaRPr>
           </a:p>
           <a:p>
             <a:pPr lvl="1">
@@ -23495,35 +23266,39 @@
               <a:defRPr/>
             </a:pPr>
             <a:r>
-              <a:rPr lang="en-JM" dirty="0">
-                <a:solidFill>
-                  <a:schemeClr val="tx2"/>
+              <a:rPr lang="en-JM" dirty="0" smtClean="0">
+                <a:solidFill>
+                  <a:srgbClr val="00B0F0"/>
                 </a:solidFill>
                 <a:cs typeface="Calibri"/>
               </a:rPr>
-              <a:t>Placing both copies at different locations (one at off-site)</a:t>
-            </a:r>
+              <a:t>Power failure</a:t>
+            </a:r>
+            <a:endParaRPr lang="en-JM" dirty="0">
+              <a:solidFill>
+                <a:srgbClr val="00B0F0"/>
+              </a:solidFill>
+              <a:cs typeface="Calibri"/>
+            </a:endParaRPr>
+          </a:p>
+          <a:p>
+            <a:pPr marL="0" lvl="0" indent="0">
+              <a:spcBef>
+                <a:spcPts val="0"/>
+              </a:spcBef>
+              <a:buNone/>
+              <a:defRPr/>
+            </a:pPr>
+            <a:endParaRPr lang="en-JM" sz="2000" dirty="0">
+              <a:latin typeface="Calibri"/>
+              <a:cs typeface="Calibri"/>
+            </a:endParaRPr>
           </a:p>
           <a:p>
             <a:pPr lvl="0">
               <a:spcBef>
                 <a:spcPts val="0"/>
               </a:spcBef>
-              <a:defRPr/>
-            </a:pPr>
-            <a:endParaRPr lang="en-JM" dirty="0">
-              <a:solidFill>
-                <a:schemeClr val="tx2"/>
-              </a:solidFill>
-              <a:cs typeface="Calibri"/>
-            </a:endParaRPr>
-          </a:p>
-          <a:p>
-            <a:pPr marL="0" lvl="0" indent="0">
-              <a:spcBef>
-                <a:spcPts val="0"/>
-              </a:spcBef>
-              <a:buNone/>
               <a:defRPr/>
             </a:pPr>
             <a:endParaRPr lang="en-JM" sz="2000" dirty="0" smtClean="0">
@@ -23535,6 +23310,21 @@
             </a:endParaRPr>
           </a:p>
           <a:p>
+            <a:pPr lvl="0">
+              <a:spcBef>
+                <a:spcPts val="0"/>
+              </a:spcBef>
+              <a:defRPr/>
+            </a:pPr>
+            <a:endParaRPr lang="en-JM" sz="2000" dirty="0" smtClean="0">
+              <a:solidFill>
+                <a:schemeClr val="tx2"/>
+              </a:solidFill>
+              <a:latin typeface="Calibri"/>
+              <a:cs typeface="Calibri"/>
+            </a:endParaRPr>
+          </a:p>
+          <a:p>
             <a:pPr marL="0" indent="0">
               <a:buNone/>
             </a:pPr>
@@ -23545,10 +23335,168 @@
           </a:p>
         </p:txBody>
       </p:sp>
+      <p:sp>
+        <p:nvSpPr>
+          <p:cNvPr id="6" name="Rectangle 5"/>
+          <p:cNvSpPr/>
+          <p:nvPr/>
+        </p:nvSpPr>
+        <p:spPr>
+          <a:xfrm>
+            <a:off x="4495800" y="1627151"/>
+            <a:ext cx="2781531" cy="584775"/>
+          </a:xfrm>
+          <a:prstGeom prst="rect">
+            <a:avLst/>
+          </a:prstGeom>
+        </p:spPr>
+        <p:txBody>
+          <a:bodyPr wrap="none">
+            <a:spAutoFit/>
+          </a:bodyPr>
+          <a:lstStyle/>
+          <a:p>
+            <a:r>
+              <a:rPr lang="en-US" sz="3200" dirty="0" smtClean="0">
+                <a:solidFill>
+                  <a:schemeClr val="tx2"/>
+                </a:solidFill>
+                <a:latin typeface="Open Sans Extrabold" pitchFamily="34" charset="0"/>
+              </a:rPr>
+              <a:t>Contingencies</a:t>
+            </a:r>
+            <a:endParaRPr lang="en-US" dirty="0">
+              <a:solidFill>
+                <a:schemeClr val="tx2"/>
+              </a:solidFill>
+            </a:endParaRPr>
+          </a:p>
+        </p:txBody>
+      </p:sp>
+      <p:sp>
+        <p:nvSpPr>
+          <p:cNvPr id="8" name="Rectangle 7"/>
+          <p:cNvSpPr/>
+          <p:nvPr/>
+        </p:nvSpPr>
+        <p:spPr>
+          <a:xfrm>
+            <a:off x="3954780" y="3093021"/>
+            <a:ext cx="4572000" cy="1477328"/>
+          </a:xfrm>
+          <a:prstGeom prst="rect">
+            <a:avLst/>
+          </a:prstGeom>
+        </p:spPr>
+        <p:txBody>
+          <a:bodyPr>
+            <a:spAutoFit/>
+          </a:bodyPr>
+          <a:lstStyle/>
+          <a:p>
+            <a:pPr marL="742950" lvl="1" indent="-285750">
+              <a:buFont typeface="Arial" pitchFamily="34" charset="0"/>
+              <a:buChar char="–"/>
+              <a:defRPr/>
+            </a:pPr>
+            <a:r>
+              <a:rPr lang="en-JM" dirty="0" smtClean="0">
+                <a:solidFill>
+                  <a:schemeClr val="tx2"/>
+                </a:solidFill>
+                <a:cs typeface="Calibri"/>
+              </a:rPr>
+              <a:t>Implementing mirroring on hard drive</a:t>
+            </a:r>
+            <a:endParaRPr lang="en-JM" dirty="0">
+              <a:solidFill>
+                <a:schemeClr val="tx2"/>
+              </a:solidFill>
+              <a:cs typeface="Calibri"/>
+            </a:endParaRPr>
+          </a:p>
+          <a:p>
+            <a:pPr marL="742950" lvl="1" indent="-285750">
+              <a:buFont typeface="Arial" pitchFamily="34" charset="0"/>
+              <a:buChar char="–"/>
+              <a:defRPr/>
+            </a:pPr>
+            <a:r>
+              <a:rPr lang="en-JM" dirty="0" smtClean="0">
+                <a:solidFill>
+                  <a:schemeClr val="tx2"/>
+                </a:solidFill>
+                <a:cs typeface="Calibri"/>
+              </a:rPr>
+              <a:t>Using Antivirus software</a:t>
+            </a:r>
+          </a:p>
+          <a:p>
+            <a:pPr marL="742950" lvl="1" indent="-285750">
+              <a:buFont typeface="Arial" pitchFamily="34" charset="0"/>
+              <a:buChar char="–"/>
+              <a:defRPr/>
+            </a:pPr>
+            <a:r>
+              <a:rPr lang="en-JM" dirty="0" smtClean="0">
+                <a:solidFill>
+                  <a:schemeClr val="tx2"/>
+                </a:solidFill>
+                <a:cs typeface="Calibri"/>
+              </a:rPr>
+              <a:t>Daily and weekly backups</a:t>
+            </a:r>
+          </a:p>
+          <a:p>
+            <a:pPr marL="742950" lvl="1" indent="-285750">
+              <a:buFont typeface="Arial" pitchFamily="34" charset="0"/>
+              <a:buChar char="–"/>
+              <a:defRPr/>
+            </a:pPr>
+            <a:r>
+              <a:rPr lang="en-JM" dirty="0" smtClean="0">
+                <a:solidFill>
+                  <a:schemeClr val="tx2"/>
+                </a:solidFill>
+                <a:cs typeface="Calibri"/>
+              </a:rPr>
+              <a:t>Keeping backup copy offsite</a:t>
+            </a:r>
+            <a:endParaRPr lang="en-JM" dirty="0">
+              <a:solidFill>
+                <a:schemeClr val="tx2"/>
+              </a:solidFill>
+              <a:cs typeface="Calibri"/>
+            </a:endParaRPr>
+          </a:p>
+          <a:p>
+            <a:pPr marL="742950" lvl="1" indent="-285750">
+              <a:buFont typeface="Arial" pitchFamily="34" charset="0"/>
+              <a:buChar char="–"/>
+              <a:defRPr/>
+            </a:pPr>
+            <a:r>
+              <a:rPr lang="en-JM" dirty="0" smtClean="0">
+                <a:solidFill>
+                  <a:schemeClr val="tx2"/>
+                </a:solidFill>
+                <a:cs typeface="Calibri"/>
+              </a:rPr>
+              <a:t>Implementing UPS</a:t>
+            </a:r>
+            <a:endParaRPr lang="en-JM" dirty="0">
+              <a:solidFill>
+                <a:schemeClr val="tx2"/>
+              </a:solidFill>
+              <a:cs typeface="Calibri"/>
+            </a:endParaRPr>
+          </a:p>
+        </p:txBody>
+      </p:sp>
     </p:spTree>
     <p:extLst>
       <p:ext uri="{BB962C8B-B14F-4D97-AF65-F5344CB8AC3E}">
-        <p14:creationId xmlns:p14="http://schemas.microsoft.com/office/powerpoint/2010/main" val="2308699060"/>
+        <p14:creationId xmlns:p14="http://schemas.microsoft.com/office/powerpoint/2010/main" val="2029336810"/>
       </p:ext>
     </p:extLst>
   </p:cSld>
@@ -23604,7 +23552,12 @@
             <p:ph type="title"/>
           </p:nvPr>
         </p:nvSpPr>
-        <p:spPr/>
+        <p:spPr>
+          <a:xfrm>
+            <a:off x="457200" y="457200"/>
+            <a:ext cx="8229600" cy="1143000"/>
+          </a:xfrm>
+        </p:spPr>
         <p:txBody>
           <a:bodyPr/>
           <a:lstStyle/>
@@ -23615,7 +23568,7 @@
                   <a:srgbClr val="00B0F0"/>
                 </a:solidFill>
               </a:rPr>
-              <a:t>Assumption: Power Failure</a:t>
+              <a:t>Assumption: Conflicts / Variations</a:t>
             </a:r>
             <a:endParaRPr lang="en-US" sz="3200" dirty="0">
               <a:solidFill>
@@ -23696,8 +23649,8 @@
         </p:nvSpPr>
         <p:spPr>
           <a:xfrm>
-            <a:off x="838200" y="1498600"/>
-            <a:ext cx="7772400" cy="4368800"/>
+            <a:off x="1447800" y="1676400"/>
+            <a:ext cx="5486400" cy="3683000"/>
           </a:xfrm>
           <a:prstGeom prst="rect">
             <a:avLst/>
@@ -23708,6 +23661,25 @@
             <a:normAutofit/>
           </a:bodyPr>
           <a:lstStyle/>
+          <a:p>
+            <a:pPr marL="0" lvl="0" indent="0">
+              <a:spcBef>
+                <a:spcPts val="0"/>
+              </a:spcBef>
+              <a:buNone/>
+              <a:defRPr/>
+            </a:pPr>
+            <a:r>
+              <a:rPr lang="en-JM" sz="2400" u="sng" dirty="0" smtClean="0">
+                <a:solidFill>
+                  <a:schemeClr val="tx2"/>
+                </a:solidFill>
+                <a:latin typeface="Calibri"/>
+                <a:cs typeface="Calibri"/>
+              </a:rPr>
+              <a:t>Contingency Plan:</a:t>
+            </a:r>
+          </a:p>
           <a:p>
             <a:pPr lvl="0">
               <a:spcBef>
@@ -23730,12 +23702,12 @@
             <a:r>
               <a:rPr lang="en-JM" sz="2000" dirty="0" smtClean="0">
                 <a:solidFill>
-                  <a:srgbClr val="00B0F0"/>
+                  <a:schemeClr val="tx2"/>
                 </a:solidFill>
                 <a:latin typeface="Calibri"/>
                 <a:cs typeface="Calibri"/>
               </a:rPr>
-              <a:t>Office Power System Failure</a:t>
+              <a:t>Keep hard copies for evaluation</a:t>
             </a:r>
           </a:p>
           <a:p>
@@ -23748,12 +23720,12 @@
             <a:r>
               <a:rPr lang="en-JM" sz="1800" dirty="0" smtClean="0">
                 <a:solidFill>
-                  <a:srgbClr val="00B0F0"/>
+                  <a:schemeClr val="tx2"/>
                 </a:solidFill>
                 <a:latin typeface="Calibri"/>
                 <a:cs typeface="Calibri"/>
               </a:rPr>
-              <a:t>Loss of data</a:t>
+              <a:t>Weekly / monthly reviews in meeting</a:t>
             </a:r>
           </a:p>
           <a:p>
@@ -23763,15 +23735,30 @@
               </a:spcBef>
               <a:defRPr/>
             </a:pPr>
-            <a:r>
-              <a:rPr lang="en-JM" dirty="0" smtClean="0">
-                <a:solidFill>
-                  <a:srgbClr val="00B0F0"/>
+            <a:endParaRPr lang="en-JM" sz="1800" dirty="0">
+              <a:solidFill>
+                <a:schemeClr val="tx2"/>
+              </a:solidFill>
+              <a:latin typeface="Calibri"/>
+              <a:cs typeface="Calibri"/>
+            </a:endParaRPr>
+          </a:p>
+          <a:p>
+            <a:pPr lvl="0">
+              <a:spcBef>
+                <a:spcPts val="0"/>
+              </a:spcBef>
+              <a:defRPr/>
+            </a:pPr>
+            <a:r>
+              <a:rPr lang="en-JM" sz="2000" dirty="0" smtClean="0">
+                <a:solidFill>
+                  <a:schemeClr val="tx2"/>
                 </a:solidFill>
                 <a:latin typeface="Calibri"/>
                 <a:cs typeface="Calibri"/>
               </a:rPr>
-              <a:t>Reduced sales</a:t>
+              <a:t>3 months maintenance period </a:t>
             </a:r>
           </a:p>
           <a:p>
@@ -23782,15 +23769,20 @@
               <a:defRPr/>
             </a:pPr>
             <a:r>
-              <a:rPr lang="en-JM" sz="1800" dirty="0" smtClean="0">
-                <a:solidFill>
-                  <a:srgbClr val="00B0F0"/>
-                </a:solidFill>
-                <a:latin typeface="Calibri"/>
+              <a:rPr lang="en-JM" dirty="0" smtClean="0">
+                <a:solidFill>
+                  <a:schemeClr val="tx2"/>
+                </a:solidFill>
                 <a:cs typeface="Calibri"/>
               </a:rPr>
-              <a:t>Can damage hardware</a:t>
-            </a:r>
+              <a:t>Change in the code</a:t>
+            </a:r>
+            <a:endParaRPr lang="en-JM" dirty="0">
+              <a:solidFill>
+                <a:schemeClr val="tx2"/>
+              </a:solidFill>
+              <a:cs typeface="Calibri"/>
+            </a:endParaRPr>
           </a:p>
           <a:p>
             <a:pPr lvl="1">
@@ -23802,12 +23794,11 @@
             <a:r>
               <a:rPr lang="en-JM" dirty="0" smtClean="0">
                 <a:solidFill>
-                  <a:srgbClr val="00B0F0"/>
-                </a:solidFill>
-                <a:latin typeface="Calibri"/>
+                  <a:schemeClr val="tx2"/>
+                </a:solidFill>
                 <a:cs typeface="Calibri"/>
               </a:rPr>
-              <a:t>Liabilities from services not provided</a:t>
+              <a:t>Change in the layout / structure</a:t>
             </a:r>
           </a:p>
           <a:p>
@@ -23817,86 +23808,14 @@
               </a:spcBef>
               <a:defRPr/>
             </a:pPr>
-            <a:endParaRPr lang="en-JM" dirty="0" smtClean="0">
-              <a:solidFill>
-                <a:srgbClr val="00B0F0"/>
-              </a:solidFill>
-              <a:latin typeface="Calibri"/>
-              <a:cs typeface="Calibri"/>
-            </a:endParaRPr>
-          </a:p>
-          <a:p>
-            <a:pPr lvl="1">
-              <a:spcBef>
-                <a:spcPts val="0"/>
-              </a:spcBef>
-              <a:defRPr/>
-            </a:pPr>
-            <a:endParaRPr lang="en-JM" dirty="0" smtClean="0">
-              <a:solidFill>
-                <a:srgbClr val="00B0F0"/>
-              </a:solidFill>
-              <a:latin typeface="Calibri"/>
-              <a:cs typeface="Calibri"/>
-            </a:endParaRPr>
-          </a:p>
-          <a:p>
-            <a:pPr marL="0" lvl="0" indent="0">
-              <a:spcBef>
-                <a:spcPts val="0"/>
-              </a:spcBef>
-              <a:buNone/>
-              <a:defRPr/>
-            </a:pPr>
-            <a:r>
-              <a:rPr lang="en-JM" sz="2400" u="sng" dirty="0">
+            <a:r>
+              <a:rPr lang="en-JM" dirty="0" smtClean="0">
                 <a:solidFill>
                   <a:schemeClr val="tx2"/>
                 </a:solidFill>
                 <a:cs typeface="Calibri"/>
               </a:rPr>
-              <a:t>Contingency Plan: </a:t>
-            </a:r>
-            <a:r>
-              <a:rPr lang="en-JM" sz="2400" u="sng" dirty="0" smtClean="0">
-                <a:solidFill>
-                  <a:schemeClr val="tx2"/>
-                </a:solidFill>
-                <a:cs typeface="Calibri"/>
-              </a:rPr>
-              <a:t>UPS</a:t>
-            </a:r>
-          </a:p>
-          <a:p>
-            <a:pPr marL="0" lvl="0" indent="0">
-              <a:spcBef>
-                <a:spcPts val="0"/>
-              </a:spcBef>
-              <a:buNone/>
-              <a:defRPr/>
-            </a:pPr>
-            <a:endParaRPr lang="en-JM" sz="2400" u="sng" dirty="0" smtClean="0">
-              <a:solidFill>
-                <a:schemeClr val="tx2"/>
-              </a:solidFill>
-              <a:cs typeface="Calibri"/>
-            </a:endParaRPr>
-          </a:p>
-          <a:p>
-            <a:pPr lvl="1">
-              <a:spcBef>
-                <a:spcPts val="0"/>
-              </a:spcBef>
-              <a:defRPr/>
-            </a:pPr>
-            <a:r>
-              <a:rPr lang="en-JM" dirty="0" smtClean="0">
-                <a:solidFill>
-                  <a:schemeClr val="tx2"/>
-                </a:solidFill>
-                <a:cs typeface="Calibri"/>
-              </a:rPr>
-              <a:t>Industry standard Uninterrupted Power Supply System</a:t>
+              <a:t>Change in the reporting system</a:t>
             </a:r>
             <a:endParaRPr lang="en-JM" dirty="0">
               <a:solidFill>
@@ -23906,66 +23825,6 @@
             </a:endParaRPr>
           </a:p>
           <a:p>
-            <a:pPr marL="0" lvl="0" indent="0">
-              <a:spcBef>
-                <a:spcPts val="0"/>
-              </a:spcBef>
-              <a:buNone/>
-              <a:defRPr/>
-            </a:pPr>
-            <a:endParaRPr lang="en-JM" sz="2400" u="sng" dirty="0" smtClean="0">
-              <a:solidFill>
-                <a:schemeClr val="tx2"/>
-              </a:solidFill>
-              <a:cs typeface="Calibri"/>
-            </a:endParaRPr>
-          </a:p>
-          <a:p>
-            <a:pPr marL="0" lvl="0" indent="0">
-              <a:spcBef>
-                <a:spcPts val="0"/>
-              </a:spcBef>
-              <a:buNone/>
-              <a:defRPr/>
-            </a:pPr>
-            <a:endParaRPr lang="en-JM" sz="2400" u="sng" dirty="0">
-              <a:solidFill>
-                <a:schemeClr val="tx2"/>
-              </a:solidFill>
-              <a:cs typeface="Calibri"/>
-            </a:endParaRPr>
-          </a:p>
-          <a:p>
-            <a:pPr lvl="1">
-              <a:spcBef>
-                <a:spcPts val="0"/>
-              </a:spcBef>
-              <a:defRPr/>
-            </a:pPr>
-            <a:endParaRPr lang="en-JM" sz="1800" dirty="0" smtClean="0">
-              <a:solidFill>
-                <a:schemeClr val="tx2"/>
-              </a:solidFill>
-              <a:latin typeface="Calibri"/>
-              <a:cs typeface="Calibri"/>
-            </a:endParaRPr>
-          </a:p>
-          <a:p>
-            <a:pPr lvl="0">
-              <a:spcBef>
-                <a:spcPts val="0"/>
-              </a:spcBef>
-              <a:defRPr/>
-            </a:pPr>
-            <a:endParaRPr lang="en-JM" sz="2000" dirty="0" smtClean="0">
-              <a:solidFill>
-                <a:schemeClr val="tx2"/>
-              </a:solidFill>
-              <a:latin typeface="Calibri"/>
-              <a:cs typeface="Calibri"/>
-            </a:endParaRPr>
-          </a:p>
-          <a:p>
             <a:pPr marL="0" indent="0">
               <a:buNone/>
             </a:pPr>
@@ -23979,7 +23838,7 @@
     </p:spTree>
     <p:extLst>
       <p:ext uri="{BB962C8B-B14F-4D97-AF65-F5344CB8AC3E}">
-        <p14:creationId xmlns:p14="http://schemas.microsoft.com/office/powerpoint/2010/main" val="2574470266"/>
+        <p14:creationId xmlns:p14="http://schemas.microsoft.com/office/powerpoint/2010/main" val="1908037546"/>
       </p:ext>
     </p:extLst>
   </p:cSld>

--- a/presentation/Travel expert presentation_Group5-John-Megha-Brian-Mahmood.pptx
+++ b/presentation/Travel expert presentation_Group5-John-Megha-Brian-Mahmood.pptx
@@ -18461,17 +18461,7 @@
                 <a:latin typeface="Open Sans Extrabold"/>
                 <a:cs typeface="Open Sans Extrabold"/>
               </a:rPr>
-              <a:t>PRESENTER</a:t>
-            </a:r>
-            <a:r>
-              <a:rPr lang="en-US" sz="1800" dirty="0" smtClean="0">
-                <a:solidFill>
-                  <a:schemeClr val="accent1"/>
-                </a:solidFill>
-                <a:latin typeface="Open Sans Extrabold"/>
-                <a:cs typeface="Open Sans Extrabold"/>
-              </a:rPr>
-              <a:t>: John, </a:t>
+              <a:t>PRESENTER: John, </a:t>
             </a:r>
             <a:r>
               <a:rPr lang="en-US" sz="1800" dirty="0" err="1" smtClean="0">
@@ -18908,13 +18898,6 @@
               </a:rPr>
               <a:t>MMBJ Developers</a:t>
             </a:r>
-            <a:endParaRPr lang="en-US" dirty="0" smtClean="0">
-              <a:solidFill>
-                <a:schemeClr val="accent1"/>
-              </a:solidFill>
-              <a:latin typeface="Open Sans Extrabold"/>
-              <a:cs typeface="Open Sans Extrabold"/>
-            </a:endParaRPr>
           </a:p>
           <a:p>
             <a:endParaRPr lang="en-US" dirty="0">
@@ -19338,19 +19321,8 @@
                 <a:latin typeface="Calibri"/>
                 <a:cs typeface="Calibri"/>
               </a:rPr>
-              <a:t>Web based </a:t>
-            </a:r>
-            <a:r>
-              <a:rPr lang="en-JM" sz="2000" dirty="0" smtClean="0">
-                <a:latin typeface="Calibri"/>
-                <a:cs typeface="Calibri"/>
-              </a:rPr>
-              <a:t>reports &amp; analytics</a:t>
-            </a:r>
-            <a:endParaRPr lang="en-JM" sz="2000" dirty="0" smtClean="0">
-              <a:latin typeface="Calibri"/>
-              <a:cs typeface="Calibri"/>
-            </a:endParaRPr>
+              <a:t>Web based reports &amp; analytics</a:t>
+            </a:r>
           </a:p>
           <a:p>
             <a:pPr lvl="0">
@@ -19535,13 +19507,13 @@
   <p:clrMapOvr>
     <a:masterClrMapping/>
   </p:clrMapOvr>
-  <mc:AlternateContent xmlns:mc="http://schemas.openxmlformats.org/markup-compatibility/2006">
-    <mc:Choice xmlns:p14="http://schemas.microsoft.com/office/powerpoint/2010/main" Requires="p14">
+  <mc:AlternateContent xmlns:mc="http://schemas.openxmlformats.org/markup-compatibility/2006" xmlns:p14="http://schemas.microsoft.com/office/powerpoint/2010/main">
+    <mc:Choice Requires="p14">
       <p:transition spd="slow" p14:dur="1250">
         <p14:flythrough/>
       </p:transition>
     </mc:Choice>
-    <mc:Fallback>
+    <mc:Fallback xmlns="">
       <p:transition spd="slow">
         <p:fade/>
       </p:transition>
@@ -20746,14 +20718,7 @@
                 <a:latin typeface="Calibri"/>
                 <a:cs typeface="Calibri"/>
               </a:rPr>
-              <a:t>To build a user-friendly </a:t>
-            </a:r>
-            <a:r>
-              <a:rPr lang="en-JM" sz="2000" dirty="0" smtClean="0">
-                <a:latin typeface="Calibri"/>
-                <a:cs typeface="Calibri"/>
-              </a:rPr>
-              <a:t>system and interface</a:t>
+              <a:t>To build a user-friendly system and interface</a:t>
             </a:r>
             <a:endParaRPr lang="en-JM" sz="2000" dirty="0">
               <a:latin typeface="Calibri"/>
@@ -20784,28 +20749,7 @@
                 <a:latin typeface="Calibri"/>
                 <a:cs typeface="Calibri"/>
               </a:rPr>
-              <a:t>Easy to store information </a:t>
-            </a:r>
-            <a:r>
-              <a:rPr lang="en-JM" sz="2000" dirty="0" smtClean="0">
-                <a:latin typeface="Calibri"/>
-                <a:cs typeface="Calibri"/>
-              </a:rPr>
-              <a:t>of our</a:t>
-            </a:r>
-            <a:r>
-              <a:rPr lang="en-JM" sz="2000" dirty="0" smtClean="0">
-                <a:latin typeface="Calibri"/>
-                <a:cs typeface="Calibri"/>
-              </a:rPr>
-              <a:t> </a:t>
-            </a:r>
-            <a:r>
-              <a:rPr lang="en-JM" sz="2000" dirty="0" smtClean="0">
-                <a:latin typeface="Calibri"/>
-                <a:cs typeface="Calibri"/>
-              </a:rPr>
-              <a:t>customers and agents</a:t>
+              <a:t>Easy to store information of our customers and agents</a:t>
             </a:r>
             <a:endParaRPr lang="en-JM" sz="2000" dirty="0">
               <a:latin typeface="Calibri"/>
@@ -20836,14 +20780,7 @@
                 <a:latin typeface="Calibri"/>
                 <a:cs typeface="Calibri"/>
               </a:rPr>
-              <a:t>Compatible </a:t>
-            </a:r>
-            <a:r>
-              <a:rPr lang="en-JM" sz="2000" dirty="0" smtClean="0">
-                <a:latin typeface="Calibri"/>
-                <a:cs typeface="Calibri"/>
-              </a:rPr>
-              <a:t>with hardware and software</a:t>
+              <a:t>Compatible with hardware and software</a:t>
             </a:r>
           </a:p>
           <a:p>
@@ -20870,19 +20807,8 @@
                 <a:latin typeface="Calibri"/>
                 <a:cs typeface="Calibri"/>
               </a:rPr>
-              <a:t>Quality of </a:t>
-            </a:r>
-            <a:r>
-              <a:rPr lang="en-JM" sz="2000" dirty="0" smtClean="0">
-                <a:latin typeface="Calibri"/>
-                <a:cs typeface="Calibri"/>
-              </a:rPr>
-              <a:t>expertise</a:t>
-            </a:r>
-            <a:endParaRPr lang="en-JM" sz="2000" dirty="0" smtClean="0">
-              <a:latin typeface="Calibri"/>
-              <a:cs typeface="Calibri"/>
-            </a:endParaRPr>
+              <a:t>Quality of expertise</a:t>
+            </a:r>
           </a:p>
           <a:p>
             <a:pPr lvl="0">
@@ -22358,23 +22284,7 @@
                   <a:srgbClr val="00B0F0"/>
                 </a:solidFill>
               </a:rPr>
-              <a:t>  Assumption</a:t>
-            </a:r>
-            <a:r>
-              <a:rPr lang="en-US" sz="3200" dirty="0" smtClean="0">
-                <a:solidFill>
-                  <a:srgbClr val="00B0F0"/>
-                </a:solidFill>
-              </a:rPr>
-              <a:t>: Users Technical </a:t>
-            </a:r>
-            <a:r>
-              <a:rPr lang="en-US" sz="3200" dirty="0" smtClean="0">
-                <a:solidFill>
-                  <a:srgbClr val="00B0F0"/>
-                </a:solidFill>
-              </a:rPr>
-              <a:t>Skills </a:t>
+              <a:t>  Assumption: Users Technical Skills </a:t>
             </a:r>
             <a:endParaRPr lang="en-US" sz="3200" dirty="0">
               <a:solidFill>
@@ -22860,8 +22770,8 @@
         </p:nvSpPr>
         <p:spPr>
           <a:xfrm>
-            <a:off x="1143000" y="1430159"/>
-            <a:ext cx="5791200" cy="2844800"/>
+            <a:off x="1143000" y="1524000"/>
+            <a:ext cx="5791200" cy="3302000"/>
           </a:xfrm>
           <a:prstGeom prst="rect">
             <a:avLst/>
@@ -22872,6 +22782,76 @@
             <a:normAutofit/>
           </a:bodyPr>
           <a:lstStyle/>
+          <a:p>
+            <a:pPr marL="0" indent="0">
+              <a:spcBef>
+                <a:spcPts val="0"/>
+              </a:spcBef>
+              <a:buNone/>
+              <a:defRPr/>
+            </a:pPr>
+            <a:r>
+              <a:rPr lang="en-US" sz="2200" b="1" dirty="0" smtClean="0">
+                <a:solidFill>
+                  <a:srgbClr val="00B0F0"/>
+                </a:solidFill>
+              </a:rPr>
+              <a:t>Scalability</a:t>
+            </a:r>
+            <a:r>
+              <a:rPr lang="en-US" sz="2200" dirty="0">
+                <a:solidFill>
+                  <a:srgbClr val="00B0F0"/>
+                </a:solidFill>
+              </a:rPr>
+              <a:t> is the ability of </a:t>
+            </a:r>
+            <a:r>
+              <a:rPr lang="en-US" sz="2200" dirty="0" smtClean="0">
+                <a:solidFill>
+                  <a:srgbClr val="00B0F0"/>
+                </a:solidFill>
+              </a:rPr>
+              <a:t>system </a:t>
+            </a:r>
+            <a:r>
+              <a:rPr lang="en-US" sz="2200" dirty="0">
+                <a:solidFill>
+                  <a:srgbClr val="00B0F0"/>
+                </a:solidFill>
+              </a:rPr>
+              <a:t>to handle </a:t>
+            </a:r>
+            <a:r>
+              <a:rPr lang="en-US" sz="2200" dirty="0" smtClean="0">
+                <a:solidFill>
+                  <a:srgbClr val="00B0F0"/>
+                </a:solidFill>
+              </a:rPr>
+              <a:t>growth </a:t>
+            </a:r>
+            <a:r>
+              <a:rPr lang="en-US" sz="2200" dirty="0">
+                <a:solidFill>
+                  <a:srgbClr val="00B0F0"/>
+                </a:solidFill>
+              </a:rPr>
+              <a:t>in a capable </a:t>
+            </a:r>
+            <a:r>
+              <a:rPr lang="en-US" sz="2200" dirty="0" smtClean="0">
+                <a:solidFill>
+                  <a:srgbClr val="00B0F0"/>
+                </a:solidFill>
+              </a:rPr>
+              <a:t>manner</a:t>
+            </a:r>
+            <a:endParaRPr lang="en-US" sz="2200" dirty="0">
+              <a:solidFill>
+                <a:srgbClr val="00B0F0"/>
+              </a:solidFill>
+            </a:endParaRPr>
+          </a:p>
           <a:p>
             <a:pPr marL="0" lvl="0" indent="0">
               <a:spcBef>
@@ -22880,6 +22860,22 @@
               <a:buNone/>
               <a:defRPr/>
             </a:pPr>
+            <a:endParaRPr lang="en-JM" sz="2400" u="sng" dirty="0" smtClean="0">
+              <a:solidFill>
+                <a:schemeClr val="tx2"/>
+              </a:solidFill>
+              <a:latin typeface="Calibri"/>
+              <a:cs typeface="Calibri"/>
+            </a:endParaRPr>
+          </a:p>
+          <a:p>
+            <a:pPr marL="0" lvl="0" indent="0">
+              <a:spcBef>
+                <a:spcPts val="0"/>
+              </a:spcBef>
+              <a:buNone/>
+              <a:defRPr/>
+            </a:pPr>
             <a:r>
               <a:rPr lang="en-JM" sz="2400" u="sng" dirty="0" smtClean="0">
                 <a:solidFill>
@@ -22888,7 +22884,17 @@
                 <a:latin typeface="Calibri"/>
                 <a:cs typeface="Calibri"/>
               </a:rPr>
-              <a:t>Contingency Plan: </a:t>
+              <a:t>Contingency </a:t>
+            </a:r>
+            <a:r>
+              <a:rPr lang="en-JM" sz="2400" u="sng" dirty="0" smtClean="0">
+                <a:solidFill>
+                  <a:schemeClr val="tx2"/>
+                </a:solidFill>
+                <a:latin typeface="Calibri"/>
+                <a:cs typeface="Calibri"/>
+              </a:rPr>
+              <a:t>Plan: </a:t>
             </a:r>
           </a:p>
           <a:p>
@@ -22915,18 +22921,11 @@
                 <a:solidFill>
                   <a:schemeClr val="tx2"/>
                 </a:solidFill>
-                <a:latin typeface="Calibri"/>
+                <a:latin typeface="Calibri" panose="020F0502020204030204" pitchFamily="34" charset="0"/>
                 <a:cs typeface="Calibri"/>
               </a:rPr>
               <a:t>Hosting options</a:t>
             </a:r>
-            <a:endParaRPr lang="en-JM" dirty="0" smtClean="0">
-              <a:solidFill>
-                <a:schemeClr val="tx2"/>
-              </a:solidFill>
-              <a:latin typeface="Calibri"/>
-              <a:cs typeface="Calibri"/>
-            </a:endParaRPr>
           </a:p>
           <a:p>
             <a:pPr lvl="1">
@@ -22940,7 +22939,7 @@
                 <a:solidFill>
                   <a:schemeClr val="tx2"/>
                 </a:solidFill>
-                <a:latin typeface="Calibri"/>
+                <a:latin typeface="Calibri" panose="020F0502020204030204" pitchFamily="34" charset="0"/>
                 <a:cs typeface="Calibri"/>
               </a:rPr>
               <a:t>Self Hosting</a:t>
@@ -22958,18 +22957,21 @@
                 <a:solidFill>
                   <a:schemeClr val="tx2"/>
                 </a:solidFill>
+                <a:latin typeface="Calibri" panose="020F0502020204030204" pitchFamily="34" charset="0"/>
+                <a:cs typeface="Calibri"/>
+              </a:rPr>
+              <a:t>Third Part</a:t>
+            </a:r>
+            <a:r>
+              <a:rPr lang="en-JM" sz="2000" dirty="0" smtClean="0">
+                <a:solidFill>
+                  <a:schemeClr val="tx2"/>
+                </a:solidFill>
                 <a:latin typeface="Calibri"/>
                 <a:cs typeface="Calibri"/>
               </a:rPr>
-              <a:t>Third Party</a:t>
-            </a:r>
-            <a:endParaRPr lang="en-JM" sz="2000" dirty="0" smtClean="0">
-              <a:solidFill>
-                <a:schemeClr val="tx2"/>
-              </a:solidFill>
-              <a:latin typeface="Calibri"/>
-              <a:cs typeface="Calibri"/>
-            </a:endParaRPr>
+              <a:t>y</a:t>
+            </a:r>
           </a:p>
           <a:p>
             <a:pPr lvl="1">
@@ -23030,13 +23032,13 @@
   <p:clrMapOvr>
     <a:masterClrMapping/>
   </p:clrMapOvr>
-  <mc:AlternateContent xmlns:mc="http://schemas.openxmlformats.org/markup-compatibility/2006">
-    <mc:Choice xmlns:p14="http://schemas.microsoft.com/office/powerpoint/2010/main" Requires="p14">
+  <mc:AlternateContent xmlns:mc="http://schemas.openxmlformats.org/markup-compatibility/2006" xmlns:p14="http://schemas.microsoft.com/office/powerpoint/2010/main">
+    <mc:Choice Requires="p14">
       <p:transition spd="slow" p14:dur="1250">
         <p14:flythrough/>
       </p:transition>
     </mc:Choice>
-    <mc:Fallback>
+    <mc:Fallback xmlns="">
       <p:transition spd="slow">
         <p:fade/>
       </p:transition>

--- a/presentation/Travel expert presentation_Group5-John-Megha-Brian-Mahmood.pptx
+++ b/presentation/Travel expert presentation_Group5-John-Megha-Brian-Mahmood.pptx
@@ -22884,17 +22884,7 @@
                 <a:latin typeface="Calibri"/>
                 <a:cs typeface="Calibri"/>
               </a:rPr>
-              <a:t>Contingency </a:t>
-            </a:r>
-            <a:r>
-              <a:rPr lang="en-JM" sz="2400" u="sng" dirty="0" smtClean="0">
-                <a:solidFill>
-                  <a:schemeClr val="tx2"/>
-                </a:solidFill>
-                <a:latin typeface="Calibri"/>
-                <a:cs typeface="Calibri"/>
-              </a:rPr>
-              <a:t>Plan: </a:t>
+              <a:t>Contingency Plan: </a:t>
             </a:r>
           </a:p>
           <a:p>
@@ -23179,7 +23169,7 @@
         </p:nvSpPr>
         <p:spPr>
           <a:xfrm>
-            <a:off x="1017270" y="2873249"/>
+            <a:off x="1017270" y="2537333"/>
             <a:ext cx="3284220" cy="1473200"/>
           </a:xfrm>
           <a:prstGeom prst="rect">
@@ -23383,7 +23373,7 @@
         </p:nvSpPr>
         <p:spPr>
           <a:xfrm>
-            <a:off x="3954780" y="3093021"/>
+            <a:off x="3962400" y="2782698"/>
             <a:ext cx="4572000" cy="1477328"/>
           </a:xfrm>
           <a:prstGeom prst="rect">

--- a/presentation/Travel expert presentation_Group5-John-Megha-Brian-Mahmood.pptx
+++ b/presentation/Travel expert presentation_Group5-John-Megha-Brian-Mahmood.pptx
@@ -5,7 +5,7 @@
     <p:sldMasterId id="2147483648" r:id="rId1"/>
   </p:sldMasterIdLst>
   <p:notesMasterIdLst>
-    <p:notesMasterId r:id="rId16"/>
+    <p:notesMasterId r:id="rId17"/>
   </p:notesMasterIdLst>
   <p:sldIdLst>
     <p:sldId id="322" r:id="rId2"/>
@@ -21,7 +21,8 @@
     <p:sldId id="335" r:id="rId12"/>
     <p:sldId id="349" r:id="rId13"/>
     <p:sldId id="336" r:id="rId14"/>
-    <p:sldId id="321" r:id="rId15"/>
+    <p:sldId id="351" r:id="rId15"/>
+    <p:sldId id="321" r:id="rId16"/>
   </p:sldIdLst>
   <p:sldSz cx="9144000" cy="6858000" type="screen4x3"/>
   <p:notesSz cx="6858000" cy="9144000"/>
@@ -5618,93 +5619,6 @@
           <a:chExt cx="0" cy="0"/>
         </a:xfrm>
       </p:grpSpPr>
-      <p:pic>
-        <p:nvPicPr>
-          <p:cNvPr id="24" name="Picture 23"/>
-          <p:cNvPicPr>
-            <a:picLocks noChangeAspect="1"/>
-          </p:cNvPicPr>
-          <p:nvPr userDrawn="1"/>
-        </p:nvPicPr>
-        <p:blipFill rotWithShape="1">
-          <a:blip r:embed="rId2" cstate="print">
-            <a:extLst>
-              <a:ext uri="{28A0092B-C50C-407E-A947-70E740481C1C}">
-                <a14:useLocalDpi xmlns:a14="http://schemas.microsoft.com/office/drawing/2010/main" val="0"/>
-              </a:ext>
-            </a:extLst>
-          </a:blip>
-          <a:srcRect b="5582"/>
-          <a:stretch/>
-        </p:blipFill>
-        <p:spPr>
-          <a:xfrm>
-            <a:off x="2286000" y="1619250"/>
-            <a:ext cx="2168908" cy="3867150"/>
-          </a:xfrm>
-          <a:prstGeom prst="rect">
-            <a:avLst/>
-          </a:prstGeom>
-        </p:spPr>
-      </p:pic>
-      <p:pic>
-        <p:nvPicPr>
-          <p:cNvPr id="29" name="Picture 28"/>
-          <p:cNvPicPr>
-            <a:picLocks noChangeAspect="1"/>
-          </p:cNvPicPr>
-          <p:nvPr userDrawn="1"/>
-        </p:nvPicPr>
-        <p:blipFill>
-          <a:blip r:embed="rId2" cstate="print">
-            <a:extLst>
-              <a:ext uri="{28A0092B-C50C-407E-A947-70E740481C1C}">
-                <a14:useLocalDpi xmlns:a14="http://schemas.microsoft.com/office/drawing/2010/main" val="0"/>
-              </a:ext>
-            </a:extLst>
-          </a:blip>
-          <a:stretch>
-            <a:fillRect/>
-          </a:stretch>
-        </p:blipFill>
-        <p:spPr>
-          <a:xfrm>
-            <a:off x="304800" y="1167493"/>
-            <a:ext cx="2168908" cy="4095750"/>
-          </a:xfrm>
-          <a:prstGeom prst="rect">
-            <a:avLst/>
-          </a:prstGeom>
-        </p:spPr>
-      </p:pic>
-      <p:sp>
-        <p:nvSpPr>
-          <p:cNvPr id="2" name="Title 1"/>
-          <p:cNvSpPr>
-            <a:spLocks noGrp="1"/>
-          </p:cNvSpPr>
-          <p:nvPr>
-            <p:ph type="title"/>
-          </p:nvPr>
-        </p:nvSpPr>
-        <p:spPr>
-          <a:xfrm>
-            <a:off x="4572000" y="965199"/>
-            <a:ext cx="4114800" cy="1143000"/>
-          </a:xfrm>
-        </p:spPr>
-        <p:txBody>
-          <a:bodyPr/>
-          <a:lstStyle>
-            <a:lvl1pPr algn="l">
-              <a:defRPr/>
-            </a:lvl1pPr>
-          </a:lstStyle>
-          <a:p>
-            <a:endParaRPr lang="en-JM" dirty="0"/>
-          </a:p>
-        </p:txBody>
-      </p:sp>
       <p:sp>
         <p:nvSpPr>
           <p:cNvPr id="4" name="Date Placeholder 3"/>
@@ -5770,726 +5684,6 @@
               <a:rPr lang="en-JM" smtClean="0"/>
               <a:t>‹#›</a:t>
             </a:fld>
-            <a:endParaRPr lang="en-JM"/>
-          </a:p>
-        </p:txBody>
-      </p:sp>
-      <p:sp>
-        <p:nvSpPr>
-          <p:cNvPr id="7" name="Rectangle 6"/>
-          <p:cNvSpPr/>
-          <p:nvPr userDrawn="1"/>
-        </p:nvSpPr>
-        <p:spPr>
-          <a:xfrm>
-            <a:off x="-3958" y="3530600"/>
-            <a:ext cx="9144000" cy="2641600"/>
-          </a:xfrm>
-          <a:prstGeom prst="rect">
-            <a:avLst/>
-          </a:prstGeom>
-          <a:solidFill>
-            <a:srgbClr val="00B0F0"/>
-          </a:solidFill>
-          <a:ln>
-            <a:noFill/>
-          </a:ln>
-        </p:spPr>
-        <p:style>
-          <a:lnRef idx="2">
-            <a:schemeClr val="accent1">
-              <a:shade val="50000"/>
-            </a:schemeClr>
-          </a:lnRef>
-          <a:fillRef idx="1">
-            <a:schemeClr val="accent1"/>
-          </a:fillRef>
-          <a:effectRef idx="0">
-            <a:schemeClr val="accent1"/>
-          </a:effectRef>
-          <a:fontRef idx="minor">
-            <a:schemeClr val="lt1"/>
-          </a:fontRef>
-        </p:style>
-        <p:txBody>
-          <a:bodyPr rtlCol="0" anchor="ctr"/>
-          <a:lstStyle/>
-          <a:p>
-            <a:pPr algn="ctr"/>
-            <a:endParaRPr lang="en-JM"/>
-          </a:p>
-        </p:txBody>
-      </p:sp>
-      <p:cxnSp>
-        <p:nvCxnSpPr>
-          <p:cNvPr id="8" name="Straight Connector 7"/>
-          <p:cNvCxnSpPr/>
-          <p:nvPr userDrawn="1"/>
-        </p:nvCxnSpPr>
-        <p:spPr>
-          <a:xfrm>
-            <a:off x="2286000" y="3786909"/>
-            <a:ext cx="0" cy="2316480"/>
-          </a:xfrm>
-          <a:prstGeom prst="line">
-            <a:avLst/>
-          </a:prstGeom>
-          <a:ln>
-            <a:solidFill>
-              <a:srgbClr val="009AD0"/>
-            </a:solidFill>
-          </a:ln>
-        </p:spPr>
-        <p:style>
-          <a:lnRef idx="1">
-            <a:schemeClr val="accent1"/>
-          </a:lnRef>
-          <a:fillRef idx="0">
-            <a:schemeClr val="accent1"/>
-          </a:fillRef>
-          <a:effectRef idx="0">
-            <a:schemeClr val="accent1"/>
-          </a:effectRef>
-          <a:fontRef idx="minor">
-            <a:schemeClr val="tx1"/>
-          </a:fontRef>
-        </p:style>
-      </p:cxnSp>
-      <p:cxnSp>
-        <p:nvCxnSpPr>
-          <p:cNvPr id="9" name="Straight Connector 8"/>
-          <p:cNvCxnSpPr/>
-          <p:nvPr userDrawn="1"/>
-        </p:nvCxnSpPr>
-        <p:spPr>
-          <a:xfrm>
-            <a:off x="4568042" y="3786909"/>
-            <a:ext cx="0" cy="2316480"/>
-          </a:xfrm>
-          <a:prstGeom prst="line">
-            <a:avLst/>
-          </a:prstGeom>
-          <a:ln>
-            <a:solidFill>
-              <a:srgbClr val="009AD0"/>
-            </a:solidFill>
-          </a:ln>
-        </p:spPr>
-        <p:style>
-          <a:lnRef idx="1">
-            <a:schemeClr val="accent1"/>
-          </a:lnRef>
-          <a:fillRef idx="0">
-            <a:schemeClr val="accent1"/>
-          </a:fillRef>
-          <a:effectRef idx="0">
-            <a:schemeClr val="accent1"/>
-          </a:effectRef>
-          <a:fontRef idx="minor">
-            <a:schemeClr val="tx1"/>
-          </a:fontRef>
-        </p:style>
-      </p:cxnSp>
-      <p:cxnSp>
-        <p:nvCxnSpPr>
-          <p:cNvPr id="10" name="Straight Connector 9"/>
-          <p:cNvCxnSpPr/>
-          <p:nvPr userDrawn="1"/>
-        </p:nvCxnSpPr>
-        <p:spPr>
-          <a:xfrm>
-            <a:off x="6694129" y="3786909"/>
-            <a:ext cx="0" cy="2316480"/>
-          </a:xfrm>
-          <a:prstGeom prst="line">
-            <a:avLst/>
-          </a:prstGeom>
-          <a:ln>
-            <a:solidFill>
-              <a:srgbClr val="009AD0"/>
-            </a:solidFill>
-          </a:ln>
-        </p:spPr>
-        <p:style>
-          <a:lnRef idx="1">
-            <a:schemeClr val="accent1"/>
-          </a:lnRef>
-          <a:fillRef idx="0">
-            <a:schemeClr val="accent1"/>
-          </a:fillRef>
-          <a:effectRef idx="0">
-            <a:schemeClr val="accent1"/>
-          </a:effectRef>
-          <a:fontRef idx="minor">
-            <a:schemeClr val="tx1"/>
-          </a:fontRef>
-        </p:style>
-      </p:cxnSp>
-      <p:sp>
-        <p:nvSpPr>
-          <p:cNvPr id="23" name="Text Placeholder 22"/>
-          <p:cNvSpPr>
-            <a:spLocks noGrp="1"/>
-          </p:cNvSpPr>
-          <p:nvPr>
-            <p:ph type="body" sz="quarter" idx="14"/>
-          </p:nvPr>
-        </p:nvSpPr>
-        <p:spPr>
-          <a:xfrm>
-            <a:off x="4572000" y="2180167"/>
-            <a:ext cx="4114800" cy="639233"/>
-          </a:xfrm>
-        </p:spPr>
-        <p:txBody>
-          <a:bodyPr>
-            <a:noAutofit/>
-          </a:bodyPr>
-          <a:lstStyle>
-            <a:lvl1pPr marL="0" indent="0" algn="l">
-              <a:buFontTx/>
-              <a:buNone/>
-              <a:defRPr sz="1300"/>
-            </a:lvl1pPr>
-            <a:lvl2pPr marL="457200" indent="0" algn="ctr">
-              <a:buFontTx/>
-              <a:buNone/>
-              <a:defRPr sz="1100"/>
-            </a:lvl2pPr>
-            <a:lvl3pPr marL="914400" indent="0" algn="ctr">
-              <a:buFontTx/>
-              <a:buNone/>
-              <a:defRPr sz="1100"/>
-            </a:lvl3pPr>
-            <a:lvl4pPr marL="1371600" indent="0" algn="ctr">
-              <a:buFontTx/>
-              <a:buNone/>
-              <a:defRPr sz="1100"/>
-            </a:lvl4pPr>
-            <a:lvl5pPr marL="1828800" indent="0" algn="ctr">
-              <a:buFontTx/>
-              <a:buNone/>
-              <a:defRPr sz="1100"/>
-            </a:lvl5pPr>
-          </a:lstStyle>
-          <a:p>
-            <a:pPr lvl="0"/>
-            <a:endParaRPr lang="en-JM" dirty="0"/>
-          </a:p>
-        </p:txBody>
-      </p:sp>
-      <p:sp>
-        <p:nvSpPr>
-          <p:cNvPr id="25" name="Text Placeholder 24"/>
-          <p:cNvSpPr>
-            <a:spLocks noGrp="1"/>
-          </p:cNvSpPr>
-          <p:nvPr>
-            <p:ph type="body" sz="quarter" idx="15"/>
-          </p:nvPr>
-        </p:nvSpPr>
-        <p:spPr>
-          <a:xfrm>
-            <a:off x="474664" y="4548717"/>
-            <a:ext cx="1660525" cy="1420283"/>
-          </a:xfrm>
-        </p:spPr>
-        <p:txBody>
-          <a:bodyPr>
-            <a:normAutofit/>
-          </a:bodyPr>
-          <a:lstStyle>
-            <a:lvl1pPr marL="0" indent="0">
-              <a:buNone/>
-              <a:defRPr sz="1300">
-                <a:solidFill>
-                  <a:schemeClr val="bg1"/>
-                </a:solidFill>
-              </a:defRPr>
-            </a:lvl1pPr>
-          </a:lstStyle>
-          <a:p>
-            <a:pPr lvl="0"/>
-            <a:endParaRPr lang="en-JM" dirty="0"/>
-          </a:p>
-        </p:txBody>
-      </p:sp>
-      <p:sp>
-        <p:nvSpPr>
-          <p:cNvPr id="26" name="Text Placeholder 24"/>
-          <p:cNvSpPr>
-            <a:spLocks noGrp="1"/>
-          </p:cNvSpPr>
-          <p:nvPr>
-            <p:ph type="body" sz="quarter" idx="16"/>
-          </p:nvPr>
-        </p:nvSpPr>
-        <p:spPr>
-          <a:xfrm>
-            <a:off x="2530476" y="4546600"/>
-            <a:ext cx="1660525" cy="1420283"/>
-          </a:xfrm>
-        </p:spPr>
-        <p:txBody>
-          <a:bodyPr>
-            <a:normAutofit/>
-          </a:bodyPr>
-          <a:lstStyle>
-            <a:lvl1pPr marL="0" indent="0">
-              <a:buNone/>
-              <a:defRPr sz="1300">
-                <a:solidFill>
-                  <a:schemeClr val="bg1"/>
-                </a:solidFill>
-              </a:defRPr>
-            </a:lvl1pPr>
-          </a:lstStyle>
-          <a:p>
-            <a:pPr lvl="0"/>
-            <a:endParaRPr lang="en-JM" dirty="0"/>
-          </a:p>
-        </p:txBody>
-      </p:sp>
-      <p:sp>
-        <p:nvSpPr>
-          <p:cNvPr id="27" name="Text Placeholder 24"/>
-          <p:cNvSpPr>
-            <a:spLocks noGrp="1"/>
-          </p:cNvSpPr>
-          <p:nvPr>
-            <p:ph type="body" sz="quarter" idx="17"/>
-          </p:nvPr>
-        </p:nvSpPr>
-        <p:spPr>
-          <a:xfrm>
-            <a:off x="4876801" y="4546600"/>
-            <a:ext cx="1660525" cy="1420283"/>
-          </a:xfrm>
-        </p:spPr>
-        <p:txBody>
-          <a:bodyPr>
-            <a:normAutofit/>
-          </a:bodyPr>
-          <a:lstStyle>
-            <a:lvl1pPr marL="0" indent="0">
-              <a:buNone/>
-              <a:defRPr sz="1300">
-                <a:solidFill>
-                  <a:schemeClr val="bg1"/>
-                </a:solidFill>
-              </a:defRPr>
-            </a:lvl1pPr>
-          </a:lstStyle>
-          <a:p>
-            <a:pPr lvl="0"/>
-            <a:endParaRPr lang="en-JM" dirty="0"/>
-          </a:p>
-        </p:txBody>
-      </p:sp>
-      <p:sp>
-        <p:nvSpPr>
-          <p:cNvPr id="28" name="Text Placeholder 24"/>
-          <p:cNvSpPr>
-            <a:spLocks noGrp="1"/>
-          </p:cNvSpPr>
-          <p:nvPr>
-            <p:ph type="body" sz="quarter" idx="18"/>
-          </p:nvPr>
-        </p:nvSpPr>
-        <p:spPr>
-          <a:xfrm>
-            <a:off x="7026276" y="4546600"/>
-            <a:ext cx="1660525" cy="1420283"/>
-          </a:xfrm>
-        </p:spPr>
-        <p:txBody>
-          <a:bodyPr>
-            <a:normAutofit/>
-          </a:bodyPr>
-          <a:lstStyle>
-            <a:lvl1pPr marL="0" indent="0">
-              <a:buNone/>
-              <a:defRPr sz="1300">
-                <a:solidFill>
-                  <a:schemeClr val="bg1"/>
-                </a:solidFill>
-              </a:defRPr>
-            </a:lvl1pPr>
-          </a:lstStyle>
-          <a:p>
-            <a:pPr lvl="0"/>
-            <a:endParaRPr lang="en-JM" dirty="0"/>
-          </a:p>
-        </p:txBody>
-      </p:sp>
-      <p:sp>
-        <p:nvSpPr>
-          <p:cNvPr id="30" name="Text Placeholder 29"/>
-          <p:cNvSpPr>
-            <a:spLocks noGrp="1"/>
-          </p:cNvSpPr>
-          <p:nvPr>
-            <p:ph type="body" sz="quarter" idx="19"/>
-          </p:nvPr>
-        </p:nvSpPr>
-        <p:spPr>
-          <a:xfrm>
-            <a:off x="2514601" y="3937000"/>
-            <a:ext cx="1736725" cy="508000"/>
-          </a:xfrm>
-        </p:spPr>
-        <p:txBody>
-          <a:bodyPr>
-            <a:normAutofit/>
-          </a:bodyPr>
-          <a:lstStyle>
-            <a:lvl1pPr marL="0" indent="0">
-              <a:buFontTx/>
-              <a:buNone/>
-              <a:defRPr sz="1600">
-                <a:solidFill>
-                  <a:srgbClr val="FFFFFF"/>
-                </a:solidFill>
-                <a:latin typeface="Open Sans" pitchFamily="34" charset="0"/>
-                <a:ea typeface="Open Sans" pitchFamily="34" charset="0"/>
-                <a:cs typeface="Open Sans" pitchFamily="34" charset="0"/>
-              </a:defRPr>
-            </a:lvl1pPr>
-            <a:lvl2pPr marL="457200" indent="0">
-              <a:buFontTx/>
-              <a:buNone/>
-              <a:defRPr>
-                <a:latin typeface="Open Sans" pitchFamily="34" charset="0"/>
-                <a:ea typeface="Open Sans" pitchFamily="34" charset="0"/>
-                <a:cs typeface="Open Sans" pitchFamily="34" charset="0"/>
-              </a:defRPr>
-            </a:lvl2pPr>
-            <a:lvl3pPr marL="914400" indent="0">
-              <a:buFontTx/>
-              <a:buNone/>
-              <a:defRPr>
-                <a:latin typeface="Open Sans" pitchFamily="34" charset="0"/>
-                <a:ea typeface="Open Sans" pitchFamily="34" charset="0"/>
-                <a:cs typeface="Open Sans" pitchFamily="34" charset="0"/>
-              </a:defRPr>
-            </a:lvl3pPr>
-            <a:lvl4pPr marL="1371600" indent="0">
-              <a:buFontTx/>
-              <a:buNone/>
-              <a:defRPr>
-                <a:latin typeface="Open Sans" pitchFamily="34" charset="0"/>
-                <a:ea typeface="Open Sans" pitchFamily="34" charset="0"/>
-                <a:cs typeface="Open Sans" pitchFamily="34" charset="0"/>
-              </a:defRPr>
-            </a:lvl4pPr>
-            <a:lvl5pPr marL="1828800" indent="0">
-              <a:buFontTx/>
-              <a:buNone/>
-              <a:defRPr>
-                <a:latin typeface="Open Sans" pitchFamily="34" charset="0"/>
-                <a:ea typeface="Open Sans" pitchFamily="34" charset="0"/>
-                <a:cs typeface="Open Sans" pitchFamily="34" charset="0"/>
-              </a:defRPr>
-            </a:lvl5pPr>
-          </a:lstStyle>
-          <a:p>
-            <a:pPr lvl="0"/>
-            <a:endParaRPr lang="en-JM" dirty="0"/>
-          </a:p>
-        </p:txBody>
-      </p:sp>
-      <p:sp>
-        <p:nvSpPr>
-          <p:cNvPr id="31" name="Text Placeholder 29"/>
-          <p:cNvSpPr>
-            <a:spLocks noGrp="1"/>
-          </p:cNvSpPr>
-          <p:nvPr>
-            <p:ph type="body" sz="quarter" idx="20"/>
-          </p:nvPr>
-        </p:nvSpPr>
-        <p:spPr>
-          <a:xfrm>
-            <a:off x="4816476" y="3937000"/>
-            <a:ext cx="1736725" cy="508000"/>
-          </a:xfrm>
-        </p:spPr>
-        <p:txBody>
-          <a:bodyPr>
-            <a:normAutofit/>
-          </a:bodyPr>
-          <a:lstStyle>
-            <a:lvl1pPr marL="0" indent="0">
-              <a:buFontTx/>
-              <a:buNone/>
-              <a:defRPr sz="1600">
-                <a:solidFill>
-                  <a:srgbClr val="FFFFFF"/>
-                </a:solidFill>
-                <a:latin typeface="Open Sans" pitchFamily="34" charset="0"/>
-                <a:ea typeface="Open Sans" pitchFamily="34" charset="0"/>
-                <a:cs typeface="Open Sans" pitchFamily="34" charset="0"/>
-              </a:defRPr>
-            </a:lvl1pPr>
-            <a:lvl2pPr marL="457200" indent="0">
-              <a:buFontTx/>
-              <a:buNone/>
-              <a:defRPr>
-                <a:latin typeface="Open Sans" pitchFamily="34" charset="0"/>
-                <a:ea typeface="Open Sans" pitchFamily="34" charset="0"/>
-                <a:cs typeface="Open Sans" pitchFamily="34" charset="0"/>
-              </a:defRPr>
-            </a:lvl2pPr>
-            <a:lvl3pPr marL="914400" indent="0">
-              <a:buFontTx/>
-              <a:buNone/>
-              <a:defRPr>
-                <a:latin typeface="Open Sans" pitchFamily="34" charset="0"/>
-                <a:ea typeface="Open Sans" pitchFamily="34" charset="0"/>
-                <a:cs typeface="Open Sans" pitchFamily="34" charset="0"/>
-              </a:defRPr>
-            </a:lvl3pPr>
-            <a:lvl4pPr marL="1371600" indent="0">
-              <a:buFontTx/>
-              <a:buNone/>
-              <a:defRPr>
-                <a:latin typeface="Open Sans" pitchFamily="34" charset="0"/>
-                <a:ea typeface="Open Sans" pitchFamily="34" charset="0"/>
-                <a:cs typeface="Open Sans" pitchFamily="34" charset="0"/>
-              </a:defRPr>
-            </a:lvl4pPr>
-            <a:lvl5pPr marL="1828800" indent="0">
-              <a:buFontTx/>
-              <a:buNone/>
-              <a:defRPr>
-                <a:latin typeface="Open Sans" pitchFamily="34" charset="0"/>
-                <a:ea typeface="Open Sans" pitchFamily="34" charset="0"/>
-                <a:cs typeface="Open Sans" pitchFamily="34" charset="0"/>
-              </a:defRPr>
-            </a:lvl5pPr>
-          </a:lstStyle>
-          <a:p>
-            <a:pPr lvl="0"/>
-            <a:endParaRPr lang="en-JM" dirty="0"/>
-          </a:p>
-        </p:txBody>
-      </p:sp>
-      <p:sp>
-        <p:nvSpPr>
-          <p:cNvPr id="32" name="Text Placeholder 29"/>
-          <p:cNvSpPr>
-            <a:spLocks noGrp="1"/>
-          </p:cNvSpPr>
-          <p:nvPr>
-            <p:ph type="body" sz="quarter" idx="21"/>
-          </p:nvPr>
-        </p:nvSpPr>
-        <p:spPr>
-          <a:xfrm>
-            <a:off x="7026276" y="3937000"/>
-            <a:ext cx="1736725" cy="508000"/>
-          </a:xfrm>
-        </p:spPr>
-        <p:txBody>
-          <a:bodyPr>
-            <a:normAutofit/>
-          </a:bodyPr>
-          <a:lstStyle>
-            <a:lvl1pPr marL="0" indent="0">
-              <a:buFontTx/>
-              <a:buNone/>
-              <a:defRPr sz="1600">
-                <a:solidFill>
-                  <a:srgbClr val="FFFFFF"/>
-                </a:solidFill>
-                <a:latin typeface="Open Sans" pitchFamily="34" charset="0"/>
-                <a:ea typeface="Open Sans" pitchFamily="34" charset="0"/>
-                <a:cs typeface="Open Sans" pitchFamily="34" charset="0"/>
-              </a:defRPr>
-            </a:lvl1pPr>
-            <a:lvl2pPr marL="457200" indent="0">
-              <a:buFontTx/>
-              <a:buNone/>
-              <a:defRPr>
-                <a:latin typeface="Open Sans" pitchFamily="34" charset="0"/>
-                <a:ea typeface="Open Sans" pitchFamily="34" charset="0"/>
-                <a:cs typeface="Open Sans" pitchFamily="34" charset="0"/>
-              </a:defRPr>
-            </a:lvl2pPr>
-            <a:lvl3pPr marL="914400" indent="0">
-              <a:buFontTx/>
-              <a:buNone/>
-              <a:defRPr>
-                <a:latin typeface="Open Sans" pitchFamily="34" charset="0"/>
-                <a:ea typeface="Open Sans" pitchFamily="34" charset="0"/>
-                <a:cs typeface="Open Sans" pitchFamily="34" charset="0"/>
-              </a:defRPr>
-            </a:lvl3pPr>
-            <a:lvl4pPr marL="1371600" indent="0">
-              <a:buFontTx/>
-              <a:buNone/>
-              <a:defRPr>
-                <a:latin typeface="Open Sans" pitchFamily="34" charset="0"/>
-                <a:ea typeface="Open Sans" pitchFamily="34" charset="0"/>
-                <a:cs typeface="Open Sans" pitchFamily="34" charset="0"/>
-              </a:defRPr>
-            </a:lvl4pPr>
-            <a:lvl5pPr marL="1828800" indent="0">
-              <a:buFontTx/>
-              <a:buNone/>
-              <a:defRPr>
-                <a:latin typeface="Open Sans" pitchFamily="34" charset="0"/>
-                <a:ea typeface="Open Sans" pitchFamily="34" charset="0"/>
-                <a:cs typeface="Open Sans" pitchFamily="34" charset="0"/>
-              </a:defRPr>
-            </a:lvl5pPr>
-          </a:lstStyle>
-          <a:p>
-            <a:pPr lvl="0"/>
-            <a:endParaRPr lang="en-JM" dirty="0"/>
-          </a:p>
-        </p:txBody>
-      </p:sp>
-      <p:sp>
-        <p:nvSpPr>
-          <p:cNvPr id="33" name="Text Placeholder 29"/>
-          <p:cNvSpPr>
-            <a:spLocks noGrp="1"/>
-          </p:cNvSpPr>
-          <p:nvPr>
-            <p:ph type="body" sz="quarter" idx="22"/>
-          </p:nvPr>
-        </p:nvSpPr>
-        <p:spPr>
-          <a:xfrm>
-            <a:off x="473076" y="3937000"/>
-            <a:ext cx="1736725" cy="508000"/>
-          </a:xfrm>
-        </p:spPr>
-        <p:txBody>
-          <a:bodyPr>
-            <a:normAutofit/>
-          </a:bodyPr>
-          <a:lstStyle>
-            <a:lvl1pPr marL="0" indent="0">
-              <a:buFontTx/>
-              <a:buNone/>
-              <a:defRPr sz="1600">
-                <a:solidFill>
-                  <a:srgbClr val="FFFFFF"/>
-                </a:solidFill>
-                <a:latin typeface="Open Sans" pitchFamily="34" charset="0"/>
-                <a:ea typeface="Open Sans" pitchFamily="34" charset="0"/>
-                <a:cs typeface="Open Sans" pitchFamily="34" charset="0"/>
-              </a:defRPr>
-            </a:lvl1pPr>
-            <a:lvl2pPr marL="457200" indent="0">
-              <a:buFontTx/>
-              <a:buNone/>
-              <a:defRPr>
-                <a:latin typeface="Open Sans" pitchFamily="34" charset="0"/>
-                <a:ea typeface="Open Sans" pitchFamily="34" charset="0"/>
-                <a:cs typeface="Open Sans" pitchFamily="34" charset="0"/>
-              </a:defRPr>
-            </a:lvl2pPr>
-            <a:lvl3pPr marL="914400" indent="0">
-              <a:buFontTx/>
-              <a:buNone/>
-              <a:defRPr>
-                <a:latin typeface="Open Sans" pitchFamily="34" charset="0"/>
-                <a:ea typeface="Open Sans" pitchFamily="34" charset="0"/>
-                <a:cs typeface="Open Sans" pitchFamily="34" charset="0"/>
-              </a:defRPr>
-            </a:lvl3pPr>
-            <a:lvl4pPr marL="1371600" indent="0">
-              <a:buFontTx/>
-              <a:buNone/>
-              <a:defRPr>
-                <a:latin typeface="Open Sans" pitchFamily="34" charset="0"/>
-                <a:ea typeface="Open Sans" pitchFamily="34" charset="0"/>
-                <a:cs typeface="Open Sans" pitchFamily="34" charset="0"/>
-              </a:defRPr>
-            </a:lvl4pPr>
-            <a:lvl5pPr marL="1828800" indent="0">
-              <a:buFontTx/>
-              <a:buNone/>
-              <a:defRPr>
-                <a:latin typeface="Open Sans" pitchFamily="34" charset="0"/>
-                <a:ea typeface="Open Sans" pitchFamily="34" charset="0"/>
-                <a:cs typeface="Open Sans" pitchFamily="34" charset="0"/>
-              </a:defRPr>
-            </a:lvl5pPr>
-          </a:lstStyle>
-          <a:p>
-            <a:pPr lvl="0"/>
-            <a:endParaRPr lang="en-JM" dirty="0"/>
-          </a:p>
-        </p:txBody>
-      </p:sp>
-      <p:sp>
-        <p:nvSpPr>
-          <p:cNvPr id="34" name="Picture Placeholder 19"/>
-          <p:cNvSpPr>
-            <a:spLocks noGrp="1"/>
-          </p:cNvSpPr>
-          <p:nvPr>
-            <p:ph type="pic" sz="quarter" idx="64"/>
-          </p:nvPr>
-        </p:nvSpPr>
-        <p:spPr>
-          <a:xfrm>
-            <a:off x="561980" y="1881868"/>
-            <a:ext cx="1524000" cy="1623332"/>
-          </a:xfrm>
-        </p:spPr>
-        <p:txBody>
-          <a:bodyPr>
-            <a:normAutofit/>
-          </a:bodyPr>
-          <a:lstStyle>
-            <a:lvl1pPr>
-              <a:defRPr sz="1200">
-                <a:solidFill>
-                  <a:srgbClr val="FFFFFF"/>
-                </a:solidFill>
-              </a:defRPr>
-            </a:lvl1pPr>
-          </a:lstStyle>
-          <a:p>
-            <a:endParaRPr lang="en-JM" dirty="0"/>
-          </a:p>
-        </p:txBody>
-      </p:sp>
-      <p:sp>
-        <p:nvSpPr>
-          <p:cNvPr id="35" name="Picture Placeholder 19"/>
-          <p:cNvSpPr>
-            <a:spLocks noGrp="1"/>
-          </p:cNvSpPr>
-          <p:nvPr>
-            <p:ph type="pic" sz="quarter" idx="65"/>
-          </p:nvPr>
-        </p:nvSpPr>
-        <p:spPr>
-          <a:xfrm>
-            <a:off x="2543180" y="2333625"/>
-            <a:ext cx="1524000" cy="1171575"/>
-          </a:xfrm>
-        </p:spPr>
-        <p:txBody>
-          <a:bodyPr>
-            <a:normAutofit/>
-          </a:bodyPr>
-          <a:lstStyle>
-            <a:lvl1pPr>
-              <a:defRPr sz="1200">
-                <a:solidFill>
-                  <a:schemeClr val="bg1"/>
-                </a:solidFill>
-              </a:defRPr>
-            </a:lvl1pPr>
-          </a:lstStyle>
-          <a:p>
             <a:endParaRPr lang="en-JM"/>
           </a:p>
         </p:txBody>
@@ -17709,43 +16903,6 @@
           </p:cxnSp>
         </p:grpSp>
       </p:grpSp>
-      <p:pic>
-        <p:nvPicPr>
-          <p:cNvPr id="12" name="Picture 11"/>
-          <p:cNvPicPr>
-            <a:picLocks noChangeAspect="1"/>
-          </p:cNvPicPr>
-          <p:nvPr userDrawn="1"/>
-        </p:nvPicPr>
-        <p:blipFill>
-          <a:blip r:embed="rId41">
-            <a:duotone>
-              <a:schemeClr val="accent1">
-                <a:shade val="45000"/>
-                <a:satMod val="135000"/>
-              </a:schemeClr>
-              <a:prstClr val="white"/>
-            </a:duotone>
-            <a:extLst>
-              <a:ext uri="{28A0092B-C50C-407E-A947-70E740481C1C}">
-                <a14:useLocalDpi xmlns:a14="http://schemas.microsoft.com/office/drawing/2010/main" val="0"/>
-              </a:ext>
-            </a:extLst>
-          </a:blip>
-          <a:stretch>
-            <a:fillRect/>
-          </a:stretch>
-        </p:blipFill>
-        <p:spPr>
-          <a:xfrm>
-            <a:off x="381001" y="6324600"/>
-            <a:ext cx="1688453" cy="404184"/>
-          </a:xfrm>
-          <a:prstGeom prst="rect">
-            <a:avLst/>
-          </a:prstGeom>
-        </p:spPr>
-      </p:pic>
       <p:sp>
         <p:nvSpPr>
           <p:cNvPr id="13" name="Rectangle 12">
@@ -17838,6 +16995,36 @@
           </a:p>
         </p:txBody>
       </p:sp>
+      <p:pic>
+        <p:nvPicPr>
+          <p:cNvPr id="7" name="Picture 6"/>
+          <p:cNvPicPr>
+            <a:picLocks noChangeAspect="1"/>
+          </p:cNvPicPr>
+          <p:nvPr userDrawn="1"/>
+        </p:nvPicPr>
+        <p:blipFill>
+          <a:blip r:embed="rId41">
+            <a:extLst>
+              <a:ext uri="{28A0092B-C50C-407E-A947-70E740481C1C}">
+                <a14:useLocalDpi xmlns:a14="http://schemas.microsoft.com/office/drawing/2010/main" val="0"/>
+              </a:ext>
+            </a:extLst>
+          </a:blip>
+          <a:stretch>
+            <a:fillRect/>
+          </a:stretch>
+        </p:blipFill>
+        <p:spPr>
+          <a:xfrm>
+            <a:off x="234842" y="6291612"/>
+            <a:ext cx="1920594" cy="430213"/>
+          </a:xfrm>
+          <a:prstGeom prst="rect">
+            <a:avLst/>
+          </a:prstGeom>
+        </p:spPr>
+      </p:pic>
     </p:spTree>
     <p:extLst>
       <p:ext uri="{BB962C8B-B14F-4D97-AF65-F5344CB8AC3E}">
@@ -18224,7 +17411,17 @@
                 <a:latin typeface="Open Sans Extrabold"/>
                 <a:cs typeface="Open Sans Extrabold"/>
               </a:rPr>
-              <a:t>Travel Expert</a:t>
+              <a:t>Travel </a:t>
+            </a:r>
+            <a:r>
+              <a:rPr lang="en-US" sz="3600" dirty="0" smtClean="0">
+                <a:solidFill>
+                  <a:schemeClr val="accent1"/>
+                </a:solidFill>
+                <a:latin typeface="Open Sans Extrabold"/>
+                <a:cs typeface="Open Sans Extrabold"/>
+              </a:rPr>
+              <a:t>Experts</a:t>
             </a:r>
             <a:endParaRPr lang="en-US" sz="3600" dirty="0">
               <a:solidFill>
@@ -18461,7 +17658,17 @@
                 <a:latin typeface="Open Sans Extrabold"/>
                 <a:cs typeface="Open Sans Extrabold"/>
               </a:rPr>
-              <a:t>PRESENTER: John, </a:t>
+              <a:t>Presented by: </a:t>
+            </a:r>
+            <a:r>
+              <a:rPr lang="en-US" sz="1800" dirty="0" smtClean="0">
+                <a:solidFill>
+                  <a:schemeClr val="accent1"/>
+                </a:solidFill>
+                <a:latin typeface="Open Sans Extrabold"/>
+                <a:cs typeface="Open Sans Extrabold"/>
+              </a:rPr>
+              <a:t>John, </a:t>
             </a:r>
             <a:r>
               <a:rPr lang="en-US" sz="1800" dirty="0" err="1" smtClean="0">
@@ -18683,16 +17890,213 @@
           </a:p>
         </p:txBody>
       </p:sp>
+      <p:sp>
+        <p:nvSpPr>
+          <p:cNvPr id="7" name="Subtitle 2"/>
+          <p:cNvSpPr txBox="1">
+            <a:spLocks/>
+          </p:cNvSpPr>
+          <p:nvPr/>
+        </p:nvSpPr>
+        <p:spPr>
+          <a:xfrm>
+            <a:off x="1310640" y="5208905"/>
+            <a:ext cx="6400800" cy="479425"/>
+          </a:xfrm>
+          <a:prstGeom prst="rect">
+            <a:avLst/>
+          </a:prstGeom>
+        </p:spPr>
+        <p:txBody>
+          <a:bodyPr vert="horz" lIns="91440" tIns="45720" rIns="91440" bIns="45720" rtlCol="0">
+            <a:normAutofit/>
+          </a:bodyPr>
+          <a:lstStyle>
+            <a:lvl1pPr marL="0" indent="0" algn="ctr" defTabSz="914400" rtl="0" eaLnBrk="1" latinLnBrk="0" hangingPunct="1">
+              <a:spcBef>
+                <a:spcPct val="20000"/>
+              </a:spcBef>
+              <a:buFont typeface="Arial" pitchFamily="34" charset="0"/>
+              <a:buNone/>
+              <a:defRPr sz="2000" kern="1200">
+                <a:solidFill>
+                  <a:srgbClr val="FFFFFF"/>
+                </a:solidFill>
+                <a:latin typeface="+mn-lt"/>
+                <a:ea typeface="+mn-ea"/>
+                <a:cs typeface="+mn-cs"/>
+              </a:defRPr>
+            </a:lvl1pPr>
+            <a:lvl2pPr marL="457200" indent="0" algn="ctr" defTabSz="914400" rtl="0" eaLnBrk="1" latinLnBrk="0" hangingPunct="1">
+              <a:spcBef>
+                <a:spcPct val="20000"/>
+              </a:spcBef>
+              <a:buFont typeface="Arial" pitchFamily="34" charset="0"/>
+              <a:buNone/>
+              <a:defRPr sz="1800" kern="1200">
+                <a:solidFill>
+                  <a:schemeClr val="tx1">
+                    <a:tint val="75000"/>
+                  </a:schemeClr>
+                </a:solidFill>
+                <a:latin typeface="+mn-lt"/>
+                <a:ea typeface="+mn-ea"/>
+                <a:cs typeface="+mn-cs"/>
+              </a:defRPr>
+            </a:lvl2pPr>
+            <a:lvl3pPr marL="914400" indent="0" algn="ctr" defTabSz="914400" rtl="0" eaLnBrk="1" latinLnBrk="0" hangingPunct="1">
+              <a:spcBef>
+                <a:spcPct val="20000"/>
+              </a:spcBef>
+              <a:buFont typeface="Arial" pitchFamily="34" charset="0"/>
+              <a:buNone/>
+              <a:defRPr sz="1600" kern="1200">
+                <a:solidFill>
+                  <a:schemeClr val="tx1">
+                    <a:tint val="75000"/>
+                  </a:schemeClr>
+                </a:solidFill>
+                <a:latin typeface="+mn-lt"/>
+                <a:ea typeface="+mn-ea"/>
+                <a:cs typeface="+mn-cs"/>
+              </a:defRPr>
+            </a:lvl3pPr>
+            <a:lvl4pPr marL="1371600" indent="0" algn="ctr" defTabSz="914400" rtl="0" eaLnBrk="1" latinLnBrk="0" hangingPunct="1">
+              <a:spcBef>
+                <a:spcPct val="20000"/>
+              </a:spcBef>
+              <a:buFont typeface="Arial" pitchFamily="34" charset="0"/>
+              <a:buNone/>
+              <a:defRPr sz="1400" kern="1200">
+                <a:solidFill>
+                  <a:schemeClr val="tx1">
+                    <a:tint val="75000"/>
+                  </a:schemeClr>
+                </a:solidFill>
+                <a:latin typeface="+mn-lt"/>
+                <a:ea typeface="+mn-ea"/>
+                <a:cs typeface="+mn-cs"/>
+              </a:defRPr>
+            </a:lvl4pPr>
+            <a:lvl5pPr marL="1828800" indent="0" algn="ctr" defTabSz="914400" rtl="0" eaLnBrk="1" latinLnBrk="0" hangingPunct="1">
+              <a:spcBef>
+                <a:spcPct val="20000"/>
+              </a:spcBef>
+              <a:buFont typeface="Arial" pitchFamily="34" charset="0"/>
+              <a:buNone/>
+              <a:defRPr sz="1400" kern="1200">
+                <a:solidFill>
+                  <a:schemeClr val="tx1">
+                    <a:tint val="75000"/>
+                  </a:schemeClr>
+                </a:solidFill>
+                <a:latin typeface="+mn-lt"/>
+                <a:ea typeface="+mn-ea"/>
+                <a:cs typeface="+mn-cs"/>
+              </a:defRPr>
+            </a:lvl5pPr>
+            <a:lvl6pPr marL="2286000" indent="0" algn="ctr" defTabSz="914400" rtl="0" eaLnBrk="1" latinLnBrk="0" hangingPunct="1">
+              <a:spcBef>
+                <a:spcPct val="20000"/>
+              </a:spcBef>
+              <a:buFont typeface="Arial" pitchFamily="34" charset="0"/>
+              <a:buNone/>
+              <a:defRPr sz="2000" kern="1200">
+                <a:solidFill>
+                  <a:schemeClr val="tx1">
+                    <a:tint val="75000"/>
+                  </a:schemeClr>
+                </a:solidFill>
+                <a:latin typeface="+mn-lt"/>
+                <a:ea typeface="+mn-ea"/>
+                <a:cs typeface="+mn-cs"/>
+              </a:defRPr>
+            </a:lvl6pPr>
+            <a:lvl7pPr marL="2743200" indent="0" algn="ctr" defTabSz="914400" rtl="0" eaLnBrk="1" latinLnBrk="0" hangingPunct="1">
+              <a:spcBef>
+                <a:spcPct val="20000"/>
+              </a:spcBef>
+              <a:buFont typeface="Arial" pitchFamily="34" charset="0"/>
+              <a:buNone/>
+              <a:defRPr sz="2000" kern="1200">
+                <a:solidFill>
+                  <a:schemeClr val="tx1">
+                    <a:tint val="75000"/>
+                  </a:schemeClr>
+                </a:solidFill>
+                <a:latin typeface="+mn-lt"/>
+                <a:ea typeface="+mn-ea"/>
+                <a:cs typeface="+mn-cs"/>
+              </a:defRPr>
+            </a:lvl7pPr>
+            <a:lvl8pPr marL="3200400" indent="0" algn="ctr" defTabSz="914400" rtl="0" eaLnBrk="1" latinLnBrk="0" hangingPunct="1">
+              <a:spcBef>
+                <a:spcPct val="20000"/>
+              </a:spcBef>
+              <a:buFont typeface="Arial" pitchFamily="34" charset="0"/>
+              <a:buNone/>
+              <a:defRPr sz="2000" kern="1200">
+                <a:solidFill>
+                  <a:schemeClr val="tx1">
+                    <a:tint val="75000"/>
+                  </a:schemeClr>
+                </a:solidFill>
+                <a:latin typeface="+mn-lt"/>
+                <a:ea typeface="+mn-ea"/>
+                <a:cs typeface="+mn-cs"/>
+              </a:defRPr>
+            </a:lvl8pPr>
+            <a:lvl9pPr marL="3657600" indent="0" algn="ctr" defTabSz="914400" rtl="0" eaLnBrk="1" latinLnBrk="0" hangingPunct="1">
+              <a:spcBef>
+                <a:spcPct val="20000"/>
+              </a:spcBef>
+              <a:buFont typeface="Arial" pitchFamily="34" charset="0"/>
+              <a:buNone/>
+              <a:defRPr sz="2000" kern="1200">
+                <a:solidFill>
+                  <a:schemeClr val="tx1">
+                    <a:tint val="75000"/>
+                  </a:schemeClr>
+                </a:solidFill>
+                <a:latin typeface="+mn-lt"/>
+                <a:ea typeface="+mn-ea"/>
+                <a:cs typeface="+mn-cs"/>
+              </a:defRPr>
+            </a:lvl9pPr>
+          </a:lstStyle>
+          <a:p>
+            <a:r>
+              <a:rPr lang="en-US" dirty="0" smtClean="0">
+                <a:solidFill>
+                  <a:schemeClr val="accent1"/>
+                </a:solidFill>
+                <a:latin typeface="Open Sans Extrabold"/>
+                <a:cs typeface="Open Sans Extrabold"/>
+              </a:rPr>
+              <a:t>MMBJ Developers</a:t>
+            </a:r>
+          </a:p>
+          <a:p>
+            <a:endParaRPr lang="en-US" dirty="0">
+              <a:solidFill>
+                <a:srgbClr val="00B0F0"/>
+              </a:solidFill>
+              <a:latin typeface="Open Sans Light"/>
+              <a:cs typeface="Open Sans Light"/>
+            </a:endParaRPr>
+          </a:p>
+        </p:txBody>
+      </p:sp>
       <p:pic>
         <p:nvPicPr>
-          <p:cNvPr id="17" name="Picture 16"/>
+          <p:cNvPr id="6" name="Picture 5"/>
           <p:cNvPicPr>
             <a:picLocks noChangeAspect="1"/>
           </p:cNvPicPr>
           <p:nvPr/>
         </p:nvPicPr>
         <p:blipFill>
-          <a:blip r:embed="rId2" cstate="print">
+          <a:blip r:embed="rId2">
             <a:extLst>
               <a:ext uri="{28A0092B-C50C-407E-A947-70E740481C1C}">
                 <a14:useLocalDpi xmlns:a14="http://schemas.microsoft.com/office/drawing/2010/main" val="0"/>
@@ -18705,211 +18109,14 @@
         </p:blipFill>
         <p:spPr>
           <a:xfrm>
-            <a:off x="2272393" y="1565656"/>
-            <a:ext cx="4599214" cy="1030224"/>
+            <a:off x="2725102" y="1107360"/>
+            <a:ext cx="3571875" cy="800100"/>
           </a:xfrm>
           <a:prstGeom prst="rect">
             <a:avLst/>
           </a:prstGeom>
         </p:spPr>
       </p:pic>
-      <p:sp>
-        <p:nvSpPr>
-          <p:cNvPr id="7" name="Subtitle 2"/>
-          <p:cNvSpPr txBox="1">
-            <a:spLocks/>
-          </p:cNvSpPr>
-          <p:nvPr/>
-        </p:nvSpPr>
-        <p:spPr>
-          <a:xfrm>
-            <a:off x="1310640" y="5208905"/>
-            <a:ext cx="6400800" cy="479425"/>
-          </a:xfrm>
-          <a:prstGeom prst="rect">
-            <a:avLst/>
-          </a:prstGeom>
-        </p:spPr>
-        <p:txBody>
-          <a:bodyPr vert="horz" lIns="91440" tIns="45720" rIns="91440" bIns="45720" rtlCol="0">
-            <a:normAutofit/>
-          </a:bodyPr>
-          <a:lstStyle>
-            <a:lvl1pPr marL="0" indent="0" algn="ctr" defTabSz="914400" rtl="0" eaLnBrk="1" latinLnBrk="0" hangingPunct="1">
-              <a:spcBef>
-                <a:spcPct val="20000"/>
-              </a:spcBef>
-              <a:buFont typeface="Arial" pitchFamily="34" charset="0"/>
-              <a:buNone/>
-              <a:defRPr sz="2000" kern="1200">
-                <a:solidFill>
-                  <a:srgbClr val="FFFFFF"/>
-                </a:solidFill>
-                <a:latin typeface="+mn-lt"/>
-                <a:ea typeface="+mn-ea"/>
-                <a:cs typeface="+mn-cs"/>
-              </a:defRPr>
-            </a:lvl1pPr>
-            <a:lvl2pPr marL="457200" indent="0" algn="ctr" defTabSz="914400" rtl="0" eaLnBrk="1" latinLnBrk="0" hangingPunct="1">
-              <a:spcBef>
-                <a:spcPct val="20000"/>
-              </a:spcBef>
-              <a:buFont typeface="Arial" pitchFamily="34" charset="0"/>
-              <a:buNone/>
-              <a:defRPr sz="1800" kern="1200">
-                <a:solidFill>
-                  <a:schemeClr val="tx1">
-                    <a:tint val="75000"/>
-                  </a:schemeClr>
-                </a:solidFill>
-                <a:latin typeface="+mn-lt"/>
-                <a:ea typeface="+mn-ea"/>
-                <a:cs typeface="+mn-cs"/>
-              </a:defRPr>
-            </a:lvl2pPr>
-            <a:lvl3pPr marL="914400" indent="0" algn="ctr" defTabSz="914400" rtl="0" eaLnBrk="1" latinLnBrk="0" hangingPunct="1">
-              <a:spcBef>
-                <a:spcPct val="20000"/>
-              </a:spcBef>
-              <a:buFont typeface="Arial" pitchFamily="34" charset="0"/>
-              <a:buNone/>
-              <a:defRPr sz="1600" kern="1200">
-                <a:solidFill>
-                  <a:schemeClr val="tx1">
-                    <a:tint val="75000"/>
-                  </a:schemeClr>
-                </a:solidFill>
-                <a:latin typeface="+mn-lt"/>
-                <a:ea typeface="+mn-ea"/>
-                <a:cs typeface="+mn-cs"/>
-              </a:defRPr>
-            </a:lvl3pPr>
-            <a:lvl4pPr marL="1371600" indent="0" algn="ctr" defTabSz="914400" rtl="0" eaLnBrk="1" latinLnBrk="0" hangingPunct="1">
-              <a:spcBef>
-                <a:spcPct val="20000"/>
-              </a:spcBef>
-              <a:buFont typeface="Arial" pitchFamily="34" charset="0"/>
-              <a:buNone/>
-              <a:defRPr sz="1400" kern="1200">
-                <a:solidFill>
-                  <a:schemeClr val="tx1">
-                    <a:tint val="75000"/>
-                  </a:schemeClr>
-                </a:solidFill>
-                <a:latin typeface="+mn-lt"/>
-                <a:ea typeface="+mn-ea"/>
-                <a:cs typeface="+mn-cs"/>
-              </a:defRPr>
-            </a:lvl4pPr>
-            <a:lvl5pPr marL="1828800" indent="0" algn="ctr" defTabSz="914400" rtl="0" eaLnBrk="1" latinLnBrk="0" hangingPunct="1">
-              <a:spcBef>
-                <a:spcPct val="20000"/>
-              </a:spcBef>
-              <a:buFont typeface="Arial" pitchFamily="34" charset="0"/>
-              <a:buNone/>
-              <a:defRPr sz="1400" kern="1200">
-                <a:solidFill>
-                  <a:schemeClr val="tx1">
-                    <a:tint val="75000"/>
-                  </a:schemeClr>
-                </a:solidFill>
-                <a:latin typeface="+mn-lt"/>
-                <a:ea typeface="+mn-ea"/>
-                <a:cs typeface="+mn-cs"/>
-              </a:defRPr>
-            </a:lvl5pPr>
-            <a:lvl6pPr marL="2286000" indent="0" algn="ctr" defTabSz="914400" rtl="0" eaLnBrk="1" latinLnBrk="0" hangingPunct="1">
-              <a:spcBef>
-                <a:spcPct val="20000"/>
-              </a:spcBef>
-              <a:buFont typeface="Arial" pitchFamily="34" charset="0"/>
-              <a:buNone/>
-              <a:defRPr sz="2000" kern="1200">
-                <a:solidFill>
-                  <a:schemeClr val="tx1">
-                    <a:tint val="75000"/>
-                  </a:schemeClr>
-                </a:solidFill>
-                <a:latin typeface="+mn-lt"/>
-                <a:ea typeface="+mn-ea"/>
-                <a:cs typeface="+mn-cs"/>
-              </a:defRPr>
-            </a:lvl6pPr>
-            <a:lvl7pPr marL="2743200" indent="0" algn="ctr" defTabSz="914400" rtl="0" eaLnBrk="1" latinLnBrk="0" hangingPunct="1">
-              <a:spcBef>
-                <a:spcPct val="20000"/>
-              </a:spcBef>
-              <a:buFont typeface="Arial" pitchFamily="34" charset="0"/>
-              <a:buNone/>
-              <a:defRPr sz="2000" kern="1200">
-                <a:solidFill>
-                  <a:schemeClr val="tx1">
-                    <a:tint val="75000"/>
-                  </a:schemeClr>
-                </a:solidFill>
-                <a:latin typeface="+mn-lt"/>
-                <a:ea typeface="+mn-ea"/>
-                <a:cs typeface="+mn-cs"/>
-              </a:defRPr>
-            </a:lvl7pPr>
-            <a:lvl8pPr marL="3200400" indent="0" algn="ctr" defTabSz="914400" rtl="0" eaLnBrk="1" latinLnBrk="0" hangingPunct="1">
-              <a:spcBef>
-                <a:spcPct val="20000"/>
-              </a:spcBef>
-              <a:buFont typeface="Arial" pitchFamily="34" charset="0"/>
-              <a:buNone/>
-              <a:defRPr sz="2000" kern="1200">
-                <a:solidFill>
-                  <a:schemeClr val="tx1">
-                    <a:tint val="75000"/>
-                  </a:schemeClr>
-                </a:solidFill>
-                <a:latin typeface="+mn-lt"/>
-                <a:ea typeface="+mn-ea"/>
-                <a:cs typeface="+mn-cs"/>
-              </a:defRPr>
-            </a:lvl8pPr>
-            <a:lvl9pPr marL="3657600" indent="0" algn="ctr" defTabSz="914400" rtl="0" eaLnBrk="1" latinLnBrk="0" hangingPunct="1">
-              <a:spcBef>
-                <a:spcPct val="20000"/>
-              </a:spcBef>
-              <a:buFont typeface="Arial" pitchFamily="34" charset="0"/>
-              <a:buNone/>
-              <a:defRPr sz="2000" kern="1200">
-                <a:solidFill>
-                  <a:schemeClr val="tx1">
-                    <a:tint val="75000"/>
-                  </a:schemeClr>
-                </a:solidFill>
-                <a:latin typeface="+mn-lt"/>
-                <a:ea typeface="+mn-ea"/>
-                <a:cs typeface="+mn-cs"/>
-              </a:defRPr>
-            </a:lvl9pPr>
-          </a:lstStyle>
-          <a:p>
-            <a:r>
-              <a:rPr lang="en-US" dirty="0" smtClean="0">
-                <a:solidFill>
-                  <a:schemeClr val="accent1"/>
-                </a:solidFill>
-                <a:latin typeface="Open Sans Extrabold"/>
-                <a:cs typeface="Open Sans Extrabold"/>
-              </a:rPr>
-              <a:t>MMBJ Developers</a:t>
-            </a:r>
-          </a:p>
-          <a:p>
-            <a:endParaRPr lang="en-US" dirty="0">
-              <a:solidFill>
-                <a:srgbClr val="00B0F0"/>
-              </a:solidFill>
-              <a:latin typeface="Open Sans Light"/>
-              <a:cs typeface="Open Sans Light"/>
-            </a:endParaRPr>
-          </a:p>
-        </p:txBody>
-      </p:sp>
     </p:spTree>
     <p:extLst>
       <p:ext uri="{BB962C8B-B14F-4D97-AF65-F5344CB8AC3E}">
@@ -19232,7 +18439,14 @@
                 <a:latin typeface="Calibri"/>
                 <a:cs typeface="Calibri"/>
               </a:rPr>
-              <a:t>Database design</a:t>
+              <a:t>Database </a:t>
+            </a:r>
+            <a:r>
+              <a:rPr lang="en-JM" sz="2000" dirty="0" smtClean="0">
+                <a:latin typeface="Calibri"/>
+                <a:cs typeface="Calibri"/>
+              </a:rPr>
+              <a:t>Design</a:t>
             </a:r>
             <a:endParaRPr lang="en-JM" sz="2000" dirty="0">
               <a:latin typeface="Calibri"/>
@@ -19263,7 +18477,14 @@
                 <a:latin typeface="Calibri"/>
                 <a:cs typeface="Calibri"/>
               </a:rPr>
-              <a:t>Application development</a:t>
+              <a:t>Application </a:t>
+            </a:r>
+            <a:r>
+              <a:rPr lang="en-JM" sz="2000" dirty="0" smtClean="0">
+                <a:latin typeface="Calibri"/>
+                <a:cs typeface="Calibri"/>
+              </a:rPr>
+              <a:t>Development</a:t>
             </a:r>
             <a:endParaRPr lang="en-JM" sz="2000" dirty="0">
               <a:latin typeface="Calibri"/>
@@ -19294,8 +18515,12 @@
                 <a:latin typeface="Calibri"/>
                 <a:cs typeface="Calibri"/>
               </a:rPr>
-              <a:t>Web based menu</a:t>
-            </a:r>
+              <a:t>Web-Based Menu</a:t>
+            </a:r>
+            <a:endParaRPr lang="en-JM" sz="2000" dirty="0" smtClean="0">
+              <a:latin typeface="Calibri"/>
+              <a:cs typeface="Calibri"/>
+            </a:endParaRPr>
           </a:p>
           <a:p>
             <a:pPr lvl="0">
@@ -19321,8 +18546,26 @@
                 <a:latin typeface="Calibri"/>
                 <a:cs typeface="Calibri"/>
               </a:rPr>
-              <a:t>Web based reports &amp; analytics</a:t>
-            </a:r>
+              <a:t>Web-Based Reports </a:t>
+            </a:r>
+            <a:r>
+              <a:rPr lang="en-JM" sz="2000" dirty="0" smtClean="0">
+                <a:latin typeface="Calibri"/>
+                <a:cs typeface="Calibri"/>
+              </a:rPr>
+              <a:t>&amp; </a:t>
+            </a:r>
+            <a:r>
+              <a:rPr lang="en-JM" sz="2000" dirty="0" smtClean="0">
+                <a:latin typeface="Calibri"/>
+                <a:cs typeface="Calibri"/>
+              </a:rPr>
+              <a:t>Analytics</a:t>
+            </a:r>
+            <a:endParaRPr lang="en-JM" sz="2000" dirty="0" smtClean="0">
+              <a:latin typeface="Calibri"/>
+              <a:cs typeface="Calibri"/>
+            </a:endParaRPr>
           </a:p>
           <a:p>
             <a:pPr lvl="0">
@@ -19348,7 +18591,14 @@
                 <a:latin typeface="Calibri"/>
                 <a:cs typeface="Calibri"/>
               </a:rPr>
-              <a:t>Placing order online</a:t>
+              <a:t>Placing </a:t>
+            </a:r>
+            <a:r>
+              <a:rPr lang="en-JM" sz="2000" dirty="0" smtClean="0">
+                <a:latin typeface="Calibri"/>
+                <a:cs typeface="Calibri"/>
+              </a:rPr>
+              <a:t>Orders Online</a:t>
             </a:r>
             <a:endParaRPr lang="en-JM" sz="2000" dirty="0">
               <a:latin typeface="Calibri"/>
@@ -19427,7 +18677,7 @@
         </p:nvSpPr>
         <p:spPr>
           <a:xfrm>
-            <a:off x="304800" y="2362200"/>
+            <a:off x="304800" y="914400"/>
             <a:ext cx="8229600" cy="1143000"/>
           </a:xfrm>
         </p:spPr>
@@ -19569,7 +18819,7 @@
                   <a:srgbClr val="00B0F0"/>
                 </a:solidFill>
               </a:rPr>
-              <a:t>Additional Features</a:t>
+              <a:t>Future Implementation</a:t>
             </a:r>
             <a:endParaRPr lang="en-JM" sz="4400" dirty="0">
               <a:latin typeface="Open Sans Light" pitchFamily="34" charset="0"/>
@@ -19638,7 +18888,7 @@
         <p:spPr>
           <a:xfrm>
             <a:off x="609600" y="1498600"/>
-            <a:ext cx="7772400" cy="4368800"/>
+            <a:ext cx="7772400" cy="4292600"/>
           </a:xfrm>
         </p:spPr>
         <p:txBody>
@@ -19658,7 +18908,7 @@
                 <a:latin typeface="Calibri"/>
                 <a:cs typeface="Calibri"/>
               </a:rPr>
-              <a:t>Future Implementation</a:t>
+              <a:t>Agent Login Portal</a:t>
             </a:r>
             <a:endParaRPr lang="en-JM" sz="2000" dirty="0">
               <a:latin typeface="Calibri"/>
@@ -19689,12 +18939,8 @@
                 <a:latin typeface="Calibri"/>
                 <a:cs typeface="Calibri"/>
               </a:rPr>
-              <a:t>Agent Login</a:t>
-            </a:r>
-            <a:endParaRPr lang="en-JM" sz="2000" dirty="0">
-              <a:latin typeface="Calibri"/>
-              <a:cs typeface="Calibri"/>
-            </a:endParaRPr>
+              <a:t>Website translation to multiple languages</a:t>
+            </a:r>
           </a:p>
           <a:p>
             <a:pPr lvl="0">
@@ -19720,8 +18966,12 @@
                 <a:latin typeface="Calibri"/>
                 <a:cs typeface="Calibri"/>
               </a:rPr>
-              <a:t>Language translation</a:t>
-            </a:r>
+              <a:t>Multiple currency capabilities</a:t>
+            </a:r>
+            <a:endParaRPr lang="en-JM" sz="2000" dirty="0" smtClean="0">
+              <a:latin typeface="Calibri"/>
+              <a:cs typeface="Calibri"/>
+            </a:endParaRPr>
           </a:p>
           <a:p>
             <a:pPr lvl="0">
@@ -19747,8 +18997,47 @@
                 <a:latin typeface="Calibri"/>
                 <a:cs typeface="Calibri"/>
               </a:rPr>
-              <a:t>Comprehensive packages e.g. car rentals, hotels, bookings, airlines etc.</a:t>
-            </a:r>
+              <a:t>Comprehensive </a:t>
+            </a:r>
+            <a:r>
+              <a:rPr lang="en-JM" sz="2000" dirty="0" smtClean="0">
+                <a:latin typeface="Calibri"/>
+                <a:cs typeface="Calibri"/>
+              </a:rPr>
+              <a:t>travel packages (flights, hotels, vehicles, etc.)</a:t>
+            </a:r>
+          </a:p>
+          <a:p>
+            <a:pPr marL="0" lvl="0" indent="0">
+              <a:spcBef>
+                <a:spcPts val="0"/>
+              </a:spcBef>
+              <a:buNone/>
+              <a:defRPr/>
+            </a:pPr>
+            <a:endParaRPr lang="en-JM" sz="2000" dirty="0">
+              <a:latin typeface="Calibri"/>
+              <a:cs typeface="Calibri"/>
+            </a:endParaRPr>
+          </a:p>
+          <a:p>
+            <a:pPr lvl="0">
+              <a:spcBef>
+                <a:spcPts val="0"/>
+              </a:spcBef>
+              <a:defRPr/>
+            </a:pPr>
+            <a:r>
+              <a:rPr lang="en-JM" sz="2000" dirty="0" smtClean="0">
+                <a:latin typeface="Calibri"/>
+                <a:cs typeface="Calibri"/>
+              </a:rPr>
+              <a:t>Live customer support integration</a:t>
+            </a:r>
+            <a:endParaRPr lang="en-JM" sz="2000" dirty="0">
+              <a:latin typeface="Calibri"/>
+              <a:cs typeface="Calibri"/>
+            </a:endParaRPr>
           </a:p>
           <a:p>
             <a:pPr lvl="0">
@@ -19761,6 +19050,26 @@
               <a:latin typeface="Calibri"/>
               <a:cs typeface="Calibri"/>
             </a:endParaRPr>
+          </a:p>
+          <a:p>
+            <a:pPr lvl="0">
+              <a:spcBef>
+                <a:spcPts val="0"/>
+              </a:spcBef>
+              <a:defRPr/>
+            </a:pPr>
+            <a:r>
+              <a:rPr lang="en-JM" sz="2000" dirty="0" smtClean="0">
+                <a:cs typeface="Calibri"/>
+              </a:rPr>
+              <a:t>Responsive </a:t>
+            </a:r>
+            <a:r>
+              <a:rPr lang="en-JM" sz="2000" dirty="0">
+                <a:cs typeface="Calibri"/>
+              </a:rPr>
+              <a:t>Design for multi-platform use</a:t>
+            </a:r>
           </a:p>
           <a:p>
             <a:pPr marL="0" indent="0">
@@ -19822,9 +19131,99 @@
           <a:chExt cx="0" cy="0"/>
         </a:xfrm>
       </p:grpSpPr>
-      <p:sp>
-        <p:nvSpPr>
-          <p:cNvPr id="2" name="Footer Placeholder 1"/>
+      <p:pic>
+        <p:nvPicPr>
+          <p:cNvPr id="42" name="Picture 41"/>
+          <p:cNvPicPr>
+            <a:picLocks noChangeAspect="1"/>
+          </p:cNvPicPr>
+          <p:nvPr/>
+        </p:nvPicPr>
+        <p:blipFill>
+          <a:blip r:embed="rId2" cstate="print">
+            <a:extLst>
+              <a:ext uri="{28A0092B-C50C-407E-A947-70E740481C1C}">
+                <a14:useLocalDpi xmlns:a14="http://schemas.microsoft.com/office/drawing/2010/main" val="0"/>
+              </a:ext>
+            </a:extLst>
+          </a:blip>
+          <a:stretch>
+            <a:fillRect/>
+          </a:stretch>
+        </p:blipFill>
+        <p:spPr>
+          <a:xfrm>
+            <a:off x="6908440" y="1905000"/>
+            <a:ext cx="1778360" cy="3358242"/>
+          </a:xfrm>
+          <a:prstGeom prst="rect">
+            <a:avLst/>
+          </a:prstGeom>
+        </p:spPr>
+      </p:pic>
+      <p:pic>
+        <p:nvPicPr>
+          <p:cNvPr id="43" name="Picture 42" descr="iMac-mock-up-diferents-views.png"/>
+          <p:cNvPicPr>
+            <a:picLocks noChangeAspect="1"/>
+          </p:cNvPicPr>
+          <p:nvPr/>
+        </p:nvPicPr>
+        <p:blipFill>
+          <a:blip r:embed="rId3">
+            <a:extLst>
+              <a:ext uri="{28A0092B-C50C-407E-A947-70E740481C1C}">
+                <a14:useLocalDpi xmlns:a14="http://schemas.microsoft.com/office/drawing/2010/main" val="0"/>
+              </a:ext>
+            </a:extLst>
+          </a:blip>
+          <a:stretch>
+            <a:fillRect/>
+          </a:stretch>
+        </p:blipFill>
+        <p:spPr>
+          <a:xfrm>
+            <a:off x="363348" y="1938866"/>
+            <a:ext cx="3901032" cy="3242733"/>
+          </a:xfrm>
+          <a:prstGeom prst="rect">
+            <a:avLst/>
+          </a:prstGeom>
+        </p:spPr>
+      </p:pic>
+      <p:pic>
+        <p:nvPicPr>
+          <p:cNvPr id="44" name="Picture 43"/>
+          <p:cNvPicPr>
+            <a:picLocks noChangeAspect="1"/>
+          </p:cNvPicPr>
+          <p:nvPr/>
+        </p:nvPicPr>
+        <p:blipFill>
+          <a:blip r:embed="rId4" cstate="print">
+            <a:extLst>
+              <a:ext uri="{28A0092B-C50C-407E-A947-70E740481C1C}">
+                <a14:useLocalDpi xmlns:a14="http://schemas.microsoft.com/office/drawing/2010/main" val="0"/>
+              </a:ext>
+            </a:extLst>
+          </a:blip>
+          <a:stretch>
+            <a:fillRect/>
+          </a:stretch>
+        </p:blipFill>
+        <p:spPr>
+          <a:xfrm>
+            <a:off x="4306900" y="1834242"/>
+            <a:ext cx="2423740" cy="3429000"/>
+          </a:xfrm>
+          <a:prstGeom prst="rect">
+            <a:avLst/>
+          </a:prstGeom>
+        </p:spPr>
+      </p:pic>
+      <p:sp>
+        <p:nvSpPr>
+          <p:cNvPr id="3" name="Footer Placeholder 2"/>
           <p:cNvSpPr>
             <a:spLocks noGrp="1"/>
           </p:cNvSpPr>
@@ -19838,16 +19237,16 @@
           <a:lstStyle/>
           <a:p>
             <a:r>
-              <a:rPr lang="en-JM" dirty="0" smtClean="0"/>
-              <a:t>WWW.MMBJ.COM</a:t>
-            </a:r>
-            <a:endParaRPr lang="en-JM" dirty="0"/>
-          </a:p>
-        </p:txBody>
-      </p:sp>
-      <p:sp>
-        <p:nvSpPr>
-          <p:cNvPr id="3" name="Slide Number Placeholder 2"/>
+              <a:rPr lang="en-JM" smtClean="0"/>
+              <a:t>WWW.DESIGNERSPARADISE.COM</a:t>
+            </a:r>
+            <a:endParaRPr lang="en-JM"/>
+          </a:p>
+        </p:txBody>
+      </p:sp>
+      <p:sp>
+        <p:nvSpPr>
+          <p:cNvPr id="4" name="Slide Number Placeholder 3"/>
           <p:cNvSpPr>
             <a:spLocks noGrp="1"/>
           </p:cNvSpPr>
@@ -19868,26 +19267,268 @@
           </a:p>
         </p:txBody>
       </p:sp>
-      <p:sp>
-        <p:nvSpPr>
-          <p:cNvPr id="5" name="Title 4"/>
-          <p:cNvSpPr>
-            <a:spLocks noGrp="1"/>
-          </p:cNvSpPr>
-          <p:nvPr>
-            <p:ph type="title" idx="4294967295"/>
-          </p:nvPr>
-        </p:nvSpPr>
-        <p:spPr>
-          <a:xfrm>
-            <a:off x="457200" y="4267200"/>
+      <p:pic>
+        <p:nvPicPr>
+          <p:cNvPr id="19" name="Picture Placeholder 18"/>
+          <p:cNvPicPr>
+            <a:picLocks noGrp="1" noChangeAspect="1"/>
+          </p:cNvPicPr>
+          <p:nvPr>
+            <p:ph type="pic" sz="quarter" idx="4294967295"/>
+          </p:nvPr>
+        </p:nvPicPr>
+        <p:blipFill>
+          <a:blip r:embed="rId5" cstate="print">
+            <a:extLst>
+              <a:ext uri="{28A0092B-C50C-407E-A947-70E740481C1C}">
+                <a14:useLocalDpi xmlns:a14="http://schemas.microsoft.com/office/drawing/2010/main" val="0"/>
+              </a:ext>
+            </a:extLst>
+          </a:blip>
+          <a:srcRect l="2334" r="2334"/>
+          <a:stretch>
+            <a:fillRect/>
+          </a:stretch>
+        </p:blipFill>
+        <p:spPr>
+          <a:xfrm>
+            <a:off x="609043" y="2133600"/>
+            <a:ext cx="3429000" cy="2133600"/>
+          </a:xfrm>
+        </p:spPr>
+      </p:pic>
+      <p:pic>
+        <p:nvPicPr>
+          <p:cNvPr id="35" name="Picture Placeholder 34"/>
+          <p:cNvPicPr>
+            <a:picLocks noGrp="1" noChangeAspect="1"/>
+          </p:cNvPicPr>
+          <p:nvPr>
+            <p:ph type="pic" sz="quarter" idx="4294967295"/>
+          </p:nvPr>
+        </p:nvPicPr>
+        <p:blipFill>
+          <a:blip r:embed="rId6" cstate="print">
+            <a:extLst>
+              <a:ext uri="{28A0092B-C50C-407E-A947-70E740481C1C}">
+                <a14:useLocalDpi xmlns:a14="http://schemas.microsoft.com/office/drawing/2010/main" val="0"/>
+              </a:ext>
+            </a:extLst>
+          </a:blip>
+          <a:srcRect l="70" r="70"/>
+          <a:stretch>
+            <a:fillRect/>
+          </a:stretch>
+        </p:blipFill>
+        <p:spPr>
+          <a:xfrm>
+            <a:off x="7147235" y="2458952"/>
+            <a:ext cx="1234765" cy="2179579"/>
+          </a:xfrm>
+        </p:spPr>
+      </p:pic>
+      <p:pic>
+        <p:nvPicPr>
+          <p:cNvPr id="41" name="Picture Placeholder 40"/>
+          <p:cNvPicPr>
+            <a:picLocks noGrp="1" noChangeAspect="1"/>
+          </p:cNvPicPr>
+          <p:nvPr>
+            <p:ph type="pic" sz="quarter" idx="4294967295"/>
+          </p:nvPr>
+        </p:nvPicPr>
+        <p:blipFill>
+          <a:blip r:embed="rId7" cstate="print">
+            <a:extLst>
+              <a:ext uri="{28A0092B-C50C-407E-A947-70E740481C1C}">
+                <a14:useLocalDpi xmlns:a14="http://schemas.microsoft.com/office/drawing/2010/main" val="0"/>
+              </a:ext>
+            </a:extLst>
+          </a:blip>
+          <a:srcRect l="667" r="667"/>
+          <a:stretch>
+            <a:fillRect/>
+          </a:stretch>
+        </p:blipFill>
+        <p:spPr>
+          <a:xfrm>
+            <a:off x="4648200" y="2211179"/>
+            <a:ext cx="1828800" cy="2484438"/>
+          </a:xfrm>
+        </p:spPr>
+      </p:pic>
+      <p:sp>
+        <p:nvSpPr>
+          <p:cNvPr id="45" name="Title 1"/>
+          <p:cNvSpPr txBox="1">
+            <a:spLocks/>
+          </p:cNvSpPr>
+          <p:nvPr/>
+        </p:nvSpPr>
+        <p:spPr>
+          <a:xfrm>
+            <a:off x="457200" y="355600"/>
             <a:ext cx="8229600" cy="1143000"/>
           </a:xfrm>
+          <a:prstGeom prst="rect">
+            <a:avLst/>
+          </a:prstGeom>
         </p:spPr>
         <p:txBody>
           <a:bodyPr>
             <a:normAutofit/>
           </a:bodyPr>
+          <a:lstStyle>
+            <a:lvl1pPr algn="ctr" defTabSz="914400" rtl="0" eaLnBrk="1" latinLnBrk="0" hangingPunct="1">
+              <a:spcBef>
+                <a:spcPct val="0"/>
+              </a:spcBef>
+              <a:buNone/>
+              <a:defRPr sz="4400" kern="1200">
+                <a:solidFill>
+                  <a:schemeClr val="tx1">
+                    <a:lumMod val="85000"/>
+                    <a:lumOff val="15000"/>
+                  </a:schemeClr>
+                </a:solidFill>
+                <a:latin typeface="Open Sans Extrabold" pitchFamily="34" charset="0"/>
+                <a:ea typeface="Open Sans Extrabold" pitchFamily="34" charset="0"/>
+                <a:cs typeface="Open Sans Extrabold" pitchFamily="34" charset="0"/>
+              </a:defRPr>
+            </a:lvl1pPr>
+          </a:lstStyle>
+          <a:p>
+            <a:r>
+              <a:rPr lang="en-JM" dirty="0" smtClean="0">
+                <a:solidFill>
+                  <a:srgbClr val="00B0F0"/>
+                </a:solidFill>
+              </a:rPr>
+              <a:t>Responsive Design</a:t>
+            </a:r>
+            <a:endParaRPr lang="en-JM" dirty="0">
+              <a:latin typeface="Open Sans Light" pitchFamily="34" charset="0"/>
+              <a:ea typeface="Open Sans Light" pitchFamily="34" charset="0"/>
+              <a:cs typeface="Open Sans Light" pitchFamily="34" charset="0"/>
+            </a:endParaRPr>
+          </a:p>
+        </p:txBody>
+      </p:sp>
+    </p:spTree>
+    <p:extLst>
+      <p:ext uri="{BB962C8B-B14F-4D97-AF65-F5344CB8AC3E}">
+        <p14:creationId xmlns:p14="http://schemas.microsoft.com/office/powerpoint/2010/main" val="1279697349"/>
+      </p:ext>
+    </p:extLst>
+  </p:cSld>
+  <p:clrMapOvr>
+    <a:masterClrMapping/>
+  </p:clrMapOvr>
+  <mc:AlternateContent xmlns:mc="http://schemas.openxmlformats.org/markup-compatibility/2006" xmlns:p14="http://schemas.microsoft.com/office/powerpoint/2010/main">
+    <mc:Choice Requires="p14">
+      <p:transition spd="slow" p14:dur="1250">
+        <p14:flythrough/>
+      </p:transition>
+    </mc:Choice>
+    <mc:Fallback xmlns="">
+      <p:transition spd="slow">
+        <p:fade/>
+      </p:transition>
+    </mc:Fallback>
+  </mc:AlternateContent>
+  <p:timing>
+    <p:tnLst>
+      <p:par>
+        <p:cTn id="1" dur="indefinite" restart="never" nodeType="tmRoot"/>
+      </p:par>
+    </p:tnLst>
+  </p:timing>
+</p:sld>
+</file>
+
+<file path=ppt/slides/slide15.xml><?xml version="1.0" encoding="utf-8"?>
+<p:sld xmlns:a="http://schemas.openxmlformats.org/drawingml/2006/main" xmlns:r="http://schemas.openxmlformats.org/officeDocument/2006/relationships" xmlns:p="http://schemas.openxmlformats.org/presentationml/2006/main">
+  <p:cSld>
+    <p:spTree>
+      <p:nvGrpSpPr>
+        <p:cNvPr id="1" name=""/>
+        <p:cNvGrpSpPr/>
+        <p:nvPr/>
+      </p:nvGrpSpPr>
+      <p:grpSpPr>
+        <a:xfrm>
+          <a:off x="0" y="0"/>
+          <a:ext cx="0" cy="0"/>
+          <a:chOff x="0" y="0"/>
+          <a:chExt cx="0" cy="0"/>
+        </a:xfrm>
+      </p:grpSpPr>
+      <p:sp>
+        <p:nvSpPr>
+          <p:cNvPr id="2" name="Footer Placeholder 1"/>
+          <p:cNvSpPr>
+            <a:spLocks noGrp="1"/>
+          </p:cNvSpPr>
+          <p:nvPr>
+            <p:ph type="ftr" sz="quarter" idx="11"/>
+          </p:nvPr>
+        </p:nvSpPr>
+        <p:spPr/>
+        <p:txBody>
+          <a:bodyPr/>
+          <a:lstStyle/>
+          <a:p>
+            <a:r>
+              <a:rPr lang="en-JM" dirty="0" smtClean="0"/>
+              <a:t>WWW.MMBJ.COM</a:t>
+            </a:r>
+            <a:endParaRPr lang="en-JM" dirty="0"/>
+          </a:p>
+        </p:txBody>
+      </p:sp>
+      <p:sp>
+        <p:nvSpPr>
+          <p:cNvPr id="3" name="Slide Number Placeholder 2"/>
+          <p:cNvSpPr>
+            <a:spLocks noGrp="1"/>
+          </p:cNvSpPr>
+          <p:nvPr>
+            <p:ph type="sldNum" sz="quarter" idx="12"/>
+          </p:nvPr>
+        </p:nvSpPr>
+        <p:spPr/>
+        <p:txBody>
+          <a:bodyPr/>
+          <a:lstStyle/>
+          <a:p>
+            <a:fld id="{857B18ED-D931-45F4-8873-1BEDAB4DC03E}" type="slidenum">
+              <a:rPr lang="en-JM" smtClean="0"/>
+              <a:t>15</a:t>
+            </a:fld>
+            <a:endParaRPr lang="en-JM"/>
+          </a:p>
+        </p:txBody>
+      </p:sp>
+      <p:sp>
+        <p:nvSpPr>
+          <p:cNvPr id="5" name="Title 4"/>
+          <p:cNvSpPr>
+            <a:spLocks noGrp="1"/>
+          </p:cNvSpPr>
+          <p:nvPr>
+            <p:ph type="title" idx="4294967295"/>
+          </p:nvPr>
+        </p:nvSpPr>
+        <p:spPr>
+          <a:xfrm>
+            <a:off x="457200" y="4267200"/>
+            <a:ext cx="8229600" cy="1143000"/>
+          </a:xfrm>
+        </p:spPr>
+        <p:txBody>
+          <a:bodyPr>
+            <a:normAutofit/>
+          </a:bodyPr>
           <a:lstStyle/>
           <a:p>
             <a:r>
@@ -19900,7 +19541,7 @@
                   <a:schemeClr val="accent1"/>
                 </a:solidFill>
               </a:rPr>
-              <a:t>Questions/Comments !</a:t>
+              <a:t>Questions/Comments!</a:t>
             </a:r>
             <a:endParaRPr lang="en-JM" sz="4000" dirty="0">
               <a:solidFill>
@@ -21307,7 +20948,19 @@
                 </a:solidFill>
                 <a:cs typeface="Calibri"/>
               </a:rPr>
-              <a:t>Users technical skills</a:t>
+              <a:t>Users </a:t>
+            </a:r>
+            <a:r>
+              <a:rPr lang="en-JM" sz="1600" dirty="0" smtClean="0">
+                <a:solidFill>
+                  <a:schemeClr val="tx1">
+                    <a:lumMod val="75000"/>
+                    <a:lumOff val="25000"/>
+                  </a:schemeClr>
+                </a:solidFill>
+                <a:cs typeface="Calibri"/>
+              </a:rPr>
+              <a:t>Technical Skills</a:t>
             </a:r>
             <a:endParaRPr lang="en-JM" sz="1600" dirty="0">
               <a:solidFill>
@@ -21353,7 +21006,19 @@
                 </a:solidFill>
                 <a:cs typeface="Calibri"/>
               </a:rPr>
-              <a:t>System failure</a:t>
+              <a:t>System </a:t>
+            </a:r>
+            <a:r>
+              <a:rPr lang="en-JM" sz="1600" dirty="0" smtClean="0">
+                <a:solidFill>
+                  <a:schemeClr val="tx1">
+                    <a:lumMod val="75000"/>
+                    <a:lumOff val="25000"/>
+                  </a:schemeClr>
+                </a:solidFill>
+                <a:cs typeface="Calibri"/>
+              </a:rPr>
+              <a:t>Failure</a:t>
             </a:r>
             <a:endParaRPr lang="en-JM" sz="1600" dirty="0">
               <a:solidFill>
@@ -21399,7 +21064,19 @@
                 </a:solidFill>
                 <a:cs typeface="Calibri"/>
               </a:rPr>
-              <a:t>Conflicts / variations</a:t>
+              <a:t>Conflicts / </a:t>
+            </a:r>
+            <a:r>
+              <a:rPr lang="en-JM" sz="1600" dirty="0" smtClean="0">
+                <a:solidFill>
+                  <a:schemeClr val="tx1">
+                    <a:lumMod val="75000"/>
+                    <a:lumOff val="25000"/>
+                  </a:schemeClr>
+                </a:solidFill>
+                <a:cs typeface="Calibri"/>
+              </a:rPr>
+              <a:t>Variations</a:t>
             </a:r>
             <a:endParaRPr lang="en-JM" sz="1600" dirty="0">
               <a:solidFill>
@@ -21578,7 +21255,67 @@
                 </a:solidFill>
                 <a:cs typeface="Calibri"/>
               </a:rPr>
-              <a:t>User training / orientation of system</a:t>
+              <a:t>User </a:t>
+            </a:r>
+            <a:r>
+              <a:rPr lang="en-JM" sz="1600" dirty="0" smtClean="0">
+                <a:solidFill>
+                  <a:schemeClr val="tx1">
+                    <a:lumMod val="75000"/>
+                    <a:lumOff val="25000"/>
+                  </a:schemeClr>
+                </a:solidFill>
+                <a:cs typeface="Calibri"/>
+              </a:rPr>
+              <a:t>Training </a:t>
+            </a:r>
+            <a:r>
+              <a:rPr lang="en-JM" sz="1600" dirty="0" smtClean="0">
+                <a:solidFill>
+                  <a:schemeClr val="tx1">
+                    <a:lumMod val="75000"/>
+                    <a:lumOff val="25000"/>
+                  </a:schemeClr>
+                </a:solidFill>
+                <a:cs typeface="Calibri"/>
+              </a:rPr>
+              <a:t>/ </a:t>
+            </a:r>
+            <a:r>
+              <a:rPr lang="en-JM" sz="1600" dirty="0" smtClean="0">
+                <a:solidFill>
+                  <a:schemeClr val="tx1">
+                    <a:lumMod val="75000"/>
+                    <a:lumOff val="25000"/>
+                  </a:schemeClr>
+                </a:solidFill>
+                <a:cs typeface="Calibri"/>
+              </a:rPr>
+              <a:t>Orientation </a:t>
+            </a:r>
+            <a:r>
+              <a:rPr lang="en-JM" sz="1600" dirty="0" smtClean="0">
+                <a:solidFill>
+                  <a:schemeClr val="tx1">
+                    <a:lumMod val="75000"/>
+                    <a:lumOff val="25000"/>
+                  </a:schemeClr>
+                </a:solidFill>
+                <a:cs typeface="Calibri"/>
+              </a:rPr>
+              <a:t>of </a:t>
+            </a:r>
+            <a:r>
+              <a:rPr lang="en-JM" sz="1600" dirty="0" smtClean="0">
+                <a:solidFill>
+                  <a:schemeClr val="tx1">
+                    <a:lumMod val="75000"/>
+                    <a:lumOff val="25000"/>
+                  </a:schemeClr>
+                </a:solidFill>
+                <a:cs typeface="Calibri"/>
+              </a:rPr>
+              <a:t>System</a:t>
             </a:r>
             <a:endParaRPr lang="en-JM" sz="1600" dirty="0">
               <a:solidFill>
@@ -21670,7 +21407,19 @@
                 </a:solidFill>
                 <a:cs typeface="Calibri"/>
               </a:rPr>
-              <a:t>Keep hard copies/ maintenance period</a:t>
+              <a:t>Keep </a:t>
+            </a:r>
+            <a:r>
+              <a:rPr lang="en-JM" sz="1600" dirty="0" smtClean="0">
+                <a:solidFill>
+                  <a:schemeClr val="tx1">
+                    <a:lumMod val="75000"/>
+                    <a:lumOff val="25000"/>
+                  </a:schemeClr>
+                </a:solidFill>
+                <a:cs typeface="Calibri"/>
+              </a:rPr>
+              <a:t>Hard Copies / Maintenance Period</a:t>
             </a:r>
             <a:endParaRPr lang="en-JM" sz="1600" dirty="0">
               <a:solidFill>
@@ -22199,7 +21948,19 @@
                 </a:solidFill>
                 <a:cs typeface="Calibri"/>
               </a:rPr>
-              <a:t>Hosting options</a:t>
+              <a:t>Hosting </a:t>
+            </a:r>
+            <a:r>
+              <a:rPr lang="en-JM" sz="1600" dirty="0" smtClean="0">
+                <a:solidFill>
+                  <a:schemeClr val="tx1">
+                    <a:lumMod val="75000"/>
+                    <a:lumOff val="25000"/>
+                  </a:schemeClr>
+                </a:solidFill>
+                <a:cs typeface="Calibri"/>
+              </a:rPr>
+              <a:t>Options</a:t>
             </a:r>
             <a:endParaRPr lang="en-JM" sz="1600" dirty="0">
               <a:solidFill>
@@ -22771,7 +22532,7 @@
         <p:spPr>
           <a:xfrm>
             <a:off x="1143000" y="1524000"/>
-            <a:ext cx="5791200" cy="3302000"/>
+            <a:ext cx="7391400" cy="3302000"/>
           </a:xfrm>
           <a:prstGeom prst="rect">
             <a:avLst/>
@@ -22820,7 +22581,7 @@
                   <a:srgbClr val="00B0F0"/>
                 </a:solidFill>
               </a:rPr>
-              <a:t>to handle </a:t>
+              <a:t>to </a:t>
             </a:r>
             <a:r>
               <a:rPr lang="en-US" sz="2200" dirty="0" smtClean="0">
@@ -22828,7 +22589,7 @@
                   <a:srgbClr val="00B0F0"/>
                 </a:solidFill>
               </a:rPr>
-              <a:t>growth </a:t>
+              <a:t>handle growth </a:t>
             </a:r>
             <a:r>
               <a:rPr lang="en-US" sz="2200" dirty="0">
@@ -23750,7 +23511,27 @@
                 <a:latin typeface="Calibri"/>
                 <a:cs typeface="Calibri"/>
               </a:rPr>
-              <a:t>3 months maintenance period </a:t>
+              <a:t>3 </a:t>
+            </a:r>
+            <a:r>
+              <a:rPr lang="en-JM" sz="2000" dirty="0" smtClean="0">
+                <a:solidFill>
+                  <a:schemeClr val="tx2"/>
+                </a:solidFill>
+                <a:latin typeface="Calibri"/>
+                <a:cs typeface="Calibri"/>
+              </a:rPr>
+              <a:t>month </a:t>
+            </a:r>
+            <a:r>
+              <a:rPr lang="en-JM" sz="2000" dirty="0" smtClean="0">
+                <a:solidFill>
+                  <a:schemeClr val="tx2"/>
+                </a:solidFill>
+                <a:latin typeface="Calibri"/>
+                <a:cs typeface="Calibri"/>
+              </a:rPr>
+              <a:t>maintenance period </a:t>
             </a:r>
           </a:p>
           <a:p>

--- a/presentation/Travel expert presentation_Group5-John-Megha-Brian-Mahmood.pptx
+++ b/presentation/Travel expert presentation_Group5-John-Megha-Brian-Mahmood.pptx
@@ -5,7 +5,7 @@
     <p:sldMasterId id="2147483648" r:id="rId1"/>
   </p:sldMasterIdLst>
   <p:notesMasterIdLst>
-    <p:notesMasterId r:id="rId17"/>
+    <p:notesMasterId r:id="rId16"/>
   </p:notesMasterIdLst>
   <p:sldIdLst>
     <p:sldId id="322" r:id="rId2"/>
@@ -21,8 +21,7 @@
     <p:sldId id="335" r:id="rId12"/>
     <p:sldId id="349" r:id="rId13"/>
     <p:sldId id="336" r:id="rId14"/>
-    <p:sldId id="351" r:id="rId15"/>
-    <p:sldId id="321" r:id="rId16"/>
+    <p:sldId id="321" r:id="rId15"/>
   </p:sldIdLst>
   <p:sldSz cx="9144000" cy="6858000" type="screen4x3"/>
   <p:notesSz cx="6858000" cy="9144000"/>
@@ -3232,8 +3231,8 @@
         </p:nvSpPr>
         <p:spPr>
           <a:xfrm>
-            <a:off x="-34073" y="0"/>
-            <a:ext cx="9152906" cy="6172200"/>
+            <a:off x="0" y="8467"/>
+            <a:ext cx="9144000" cy="6172200"/>
           </a:xfrm>
           <a:prstGeom prst="rect">
             <a:avLst/>
@@ -3343,36 +3342,6 @@
           </a:p>
         </p:txBody>
       </p:sp>
-      <p:pic>
-        <p:nvPicPr>
-          <p:cNvPr id="2" name="Picture 1"/>
-          <p:cNvPicPr>
-            <a:picLocks noChangeAspect="1"/>
-          </p:cNvPicPr>
-          <p:nvPr userDrawn="1"/>
-        </p:nvPicPr>
-        <p:blipFill>
-          <a:blip r:embed="rId2">
-            <a:extLst>
-              <a:ext uri="{28A0092B-C50C-407E-A947-70E740481C1C}">
-                <a14:useLocalDpi xmlns:a14="http://schemas.microsoft.com/office/drawing/2010/main" val="0"/>
-              </a:ext>
-            </a:extLst>
-          </a:blip>
-          <a:stretch>
-            <a:fillRect/>
-          </a:stretch>
-        </p:blipFill>
-        <p:spPr>
-          <a:xfrm>
-            <a:off x="2514600" y="1885950"/>
-            <a:ext cx="3810000" cy="2400300"/>
-          </a:xfrm>
-          <a:prstGeom prst="rect">
-            <a:avLst/>
-          </a:prstGeom>
-        </p:spPr>
-      </p:pic>
     </p:spTree>
     <p:extLst>
       <p:ext uri="{BB962C8B-B14F-4D97-AF65-F5344CB8AC3E}">
@@ -11455,7 +11424,7 @@
           <a:noFill/>
           <a:ln w="28575" cmpd="sng">
             <a:solidFill>
-              <a:srgbClr val="00B0F0"/>
+              <a:srgbClr val="2F74C3"/>
             </a:solidFill>
           </a:ln>
         </p:spPr>
@@ -11503,7 +11472,7 @@
           <a:noFill/>
           <a:ln w="28575" cmpd="sng">
             <a:solidFill>
-              <a:srgbClr val="00B0F0"/>
+              <a:srgbClr val="2F74C3"/>
             </a:solidFill>
           </a:ln>
         </p:spPr>
@@ -11555,7 +11524,7 @@
           <a:noFill/>
           <a:ln w="28575" cmpd="sng">
             <a:solidFill>
-              <a:srgbClr val="00B0F0"/>
+              <a:srgbClr val="2F74C3"/>
             </a:solidFill>
           </a:ln>
         </p:spPr>
@@ -11603,7 +11572,7 @@
           <a:noFill/>
           <a:ln w="28575" cmpd="sng">
             <a:solidFill>
-              <a:srgbClr val="00B0F0"/>
+              <a:srgbClr val="2F74C3"/>
             </a:solidFill>
           </a:ln>
         </p:spPr>
@@ -16520,7 +16489,7 @@
             <a:lvl1pPr algn="r">
               <a:defRPr sz="1800" b="1">
                 <a:solidFill>
-                  <a:srgbClr val="00B0F0"/>
+                  <a:srgbClr val="2F74C3"/>
                 </a:solidFill>
                 <a:latin typeface="Open Sans" pitchFamily="34" charset="0"/>
                 <a:ea typeface="Open Sans" pitchFamily="34" charset="0"/>
@@ -17406,26 +17375,16 @@
             <a:r>
               <a:rPr lang="en-US" sz="3600" dirty="0" smtClean="0">
                 <a:solidFill>
-                  <a:schemeClr val="accent1"/>
+                  <a:srgbClr val="2F74C3"/>
                 </a:solidFill>
                 <a:latin typeface="Open Sans Extrabold"/>
                 <a:cs typeface="Open Sans Extrabold"/>
               </a:rPr>
-              <a:t>Travel </a:t>
-            </a:r>
-            <a:r>
-              <a:rPr lang="en-US" sz="3600" dirty="0" smtClean="0">
-                <a:solidFill>
-                  <a:schemeClr val="accent1"/>
-                </a:solidFill>
-                <a:latin typeface="Open Sans Extrabold"/>
-                <a:cs typeface="Open Sans Extrabold"/>
-              </a:rPr>
-              <a:t>Experts</a:t>
+              <a:t>The Travel Experts Inc.</a:t>
             </a:r>
             <a:endParaRPr lang="en-US" sz="3600" dirty="0">
               <a:solidFill>
-                <a:schemeClr val="accent1"/>
+                <a:srgbClr val="2F74C3"/>
               </a:solidFill>
               <a:latin typeface="Open Sans Extrabold"/>
               <a:cs typeface="Open Sans Extrabold"/>
@@ -17458,16 +17417,26 @@
             <a:r>
               <a:rPr lang="en-US" sz="2800" dirty="0" smtClean="0">
                 <a:solidFill>
-                  <a:schemeClr val="accent1"/>
+                  <a:srgbClr val="2F74C3"/>
                 </a:solidFill>
                 <a:latin typeface="Open Sans Light"/>
                 <a:cs typeface="Open Sans Light"/>
               </a:rPr>
-              <a:t>Software Project</a:t>
+              <a:t>Software </a:t>
+            </a:r>
+            <a:r>
+              <a:rPr lang="en-US" sz="2800" dirty="0" smtClean="0">
+                <a:solidFill>
+                  <a:srgbClr val="2F74C3"/>
+                </a:solidFill>
+                <a:latin typeface="Open Sans Light"/>
+                <a:cs typeface="Open Sans Light"/>
+              </a:rPr>
+              <a:t>Package Project Proposal</a:t>
             </a:r>
             <a:endParaRPr lang="en-US" sz="2800" dirty="0">
               <a:solidFill>
-                <a:schemeClr val="accent1"/>
+                <a:srgbClr val="2F74C3"/>
               </a:solidFill>
               <a:latin typeface="Open Sans Light"/>
               <a:cs typeface="Open Sans Light"/>
@@ -17658,17 +17627,7 @@
                 <a:latin typeface="Open Sans Extrabold"/>
                 <a:cs typeface="Open Sans Extrabold"/>
               </a:rPr>
-              <a:t>Presented by: </a:t>
-            </a:r>
-            <a:r>
-              <a:rPr lang="en-US" sz="1800" dirty="0" smtClean="0">
-                <a:solidFill>
-                  <a:schemeClr val="accent1"/>
-                </a:solidFill>
-                <a:latin typeface="Open Sans Extrabold"/>
-                <a:cs typeface="Open Sans Extrabold"/>
-              </a:rPr>
-              <a:t>John, </a:t>
+              <a:t>Presented by: John, </a:t>
             </a:r>
             <a:r>
               <a:rPr lang="en-US" sz="1800" dirty="0" err="1" smtClean="0">
@@ -18089,7 +18048,7 @@
       </p:sp>
       <p:pic>
         <p:nvPicPr>
-          <p:cNvPr id="6" name="Picture 5"/>
+          <p:cNvPr id="8" name="Picture 7"/>
           <p:cNvPicPr>
             <a:picLocks noChangeAspect="1"/>
           </p:cNvPicPr>
@@ -18109,8 +18068,8 @@
         </p:blipFill>
         <p:spPr>
           <a:xfrm>
-            <a:off x="2725102" y="1107360"/>
-            <a:ext cx="3571875" cy="800100"/>
+            <a:off x="1557337" y="1243330"/>
+            <a:ext cx="6029325" cy="1076325"/>
           </a:xfrm>
           <a:prstGeom prst="rect">
             <a:avLst/>
@@ -18189,14 +18148,22 @@
             <a:r>
               <a:rPr lang="en-US" sz="3600" dirty="0" smtClean="0">
                 <a:solidFill>
-                  <a:schemeClr val="accent1"/>
+                  <a:srgbClr val="2F74C3"/>
                 </a:solidFill>
               </a:rPr>
-              <a:t>Use Case diagram</a:t>
+              <a:t>Use Case </a:t>
+            </a:r>
+            <a:r>
+              <a:rPr lang="en-US" sz="3600" dirty="0" smtClean="0">
+                <a:solidFill>
+                  <a:srgbClr val="2F74C3"/>
+                </a:solidFill>
+              </a:rPr>
+              <a:t>Diagram</a:t>
             </a:r>
             <a:endParaRPr lang="en-US" sz="3600" dirty="0">
               <a:solidFill>
-                <a:schemeClr val="accent1"/>
+                <a:srgbClr val="2F74C3"/>
               </a:solidFill>
             </a:endParaRPr>
           </a:p>
@@ -18347,12 +18314,23 @@
             <a:r>
               <a:rPr lang="en-JM" sz="4400" dirty="0" smtClean="0">
                 <a:solidFill>
-                  <a:srgbClr val="00B0F0"/>
+                  <a:srgbClr val="2F74C3"/>
                 </a:solidFill>
               </a:rPr>
-              <a:t>Scope definition</a:t>
+              <a:t>Scope </a:t>
+            </a:r>
+            <a:r>
+              <a:rPr lang="en-JM" sz="4400" dirty="0" smtClean="0">
+                <a:solidFill>
+                  <a:srgbClr val="2F74C3"/>
+                </a:solidFill>
+              </a:rPr>
+              <a:t>Definition</a:t>
             </a:r>
             <a:endParaRPr lang="en-JM" sz="4400" dirty="0">
+              <a:solidFill>
+                <a:srgbClr val="2F74C3"/>
+              </a:solidFill>
               <a:latin typeface="Open Sans Light" pitchFamily="34" charset="0"/>
               <a:ea typeface="Open Sans Light" pitchFamily="34" charset="0"/>
               <a:cs typeface="Open Sans Light" pitchFamily="34" charset="0"/>
@@ -18439,14 +18417,7 @@
                 <a:latin typeface="Calibri"/>
                 <a:cs typeface="Calibri"/>
               </a:rPr>
-              <a:t>Database </a:t>
-            </a:r>
-            <a:r>
-              <a:rPr lang="en-JM" sz="2000" dirty="0" smtClean="0">
-                <a:latin typeface="Calibri"/>
-                <a:cs typeface="Calibri"/>
-              </a:rPr>
-              <a:t>Design</a:t>
+              <a:t>Database Design</a:t>
             </a:r>
             <a:endParaRPr lang="en-JM" sz="2000" dirty="0">
               <a:latin typeface="Calibri"/>
@@ -18477,14 +18448,7 @@
                 <a:latin typeface="Calibri"/>
                 <a:cs typeface="Calibri"/>
               </a:rPr>
-              <a:t>Application </a:t>
-            </a:r>
-            <a:r>
-              <a:rPr lang="en-JM" sz="2000" dirty="0" smtClean="0">
-                <a:latin typeface="Calibri"/>
-                <a:cs typeface="Calibri"/>
-              </a:rPr>
-              <a:t>Development</a:t>
+              <a:t>Application Development</a:t>
             </a:r>
             <a:endParaRPr lang="en-JM" sz="2000" dirty="0">
               <a:latin typeface="Calibri"/>
@@ -18517,10 +18481,6 @@
               </a:rPr>
               <a:t>Web-Based Menu</a:t>
             </a:r>
-            <a:endParaRPr lang="en-JM" sz="2000" dirty="0" smtClean="0">
-              <a:latin typeface="Calibri"/>
-              <a:cs typeface="Calibri"/>
-            </a:endParaRPr>
           </a:p>
           <a:p>
             <a:pPr lvl="0">
@@ -18546,26 +18506,8 @@
                 <a:latin typeface="Calibri"/>
                 <a:cs typeface="Calibri"/>
               </a:rPr>
-              <a:t>Web-Based Reports </a:t>
-            </a:r>
-            <a:r>
-              <a:rPr lang="en-JM" sz="2000" dirty="0" smtClean="0">
-                <a:latin typeface="Calibri"/>
-                <a:cs typeface="Calibri"/>
-              </a:rPr>
-              <a:t>&amp; </a:t>
-            </a:r>
-            <a:r>
-              <a:rPr lang="en-JM" sz="2000" dirty="0" smtClean="0">
-                <a:latin typeface="Calibri"/>
-                <a:cs typeface="Calibri"/>
-              </a:rPr>
-              <a:t>Analytics</a:t>
-            </a:r>
-            <a:endParaRPr lang="en-JM" sz="2000" dirty="0" smtClean="0">
-              <a:latin typeface="Calibri"/>
-              <a:cs typeface="Calibri"/>
-            </a:endParaRPr>
+              <a:t>Web-Based Reports &amp; Analytics</a:t>
+            </a:r>
           </a:p>
           <a:p>
             <a:pPr lvl="0">
@@ -18591,14 +18533,7 @@
                 <a:latin typeface="Calibri"/>
                 <a:cs typeface="Calibri"/>
               </a:rPr>
-              <a:t>Placing </a:t>
-            </a:r>
-            <a:r>
-              <a:rPr lang="en-JM" sz="2000" dirty="0" smtClean="0">
-                <a:latin typeface="Calibri"/>
-                <a:cs typeface="Calibri"/>
-              </a:rPr>
-              <a:t>Orders Online</a:t>
+              <a:t>Placing Orders Online</a:t>
             </a:r>
             <a:endParaRPr lang="en-JM" sz="2000" dirty="0">
               <a:latin typeface="Calibri"/>
@@ -18616,6 +18551,36 @@
           </a:p>
         </p:txBody>
       </p:sp>
+      <p:pic>
+        <p:nvPicPr>
+          <p:cNvPr id="6" name="Picture 5"/>
+          <p:cNvPicPr>
+            <a:picLocks noChangeAspect="1"/>
+          </p:cNvPicPr>
+          <p:nvPr/>
+        </p:nvPicPr>
+        <p:blipFill>
+          <a:blip r:embed="rId2">
+            <a:extLst>
+              <a:ext uri="{28A0092B-C50C-407E-A947-70E740481C1C}">
+                <a14:useLocalDpi xmlns:a14="http://schemas.microsoft.com/office/drawing/2010/main" val="0"/>
+              </a:ext>
+            </a:extLst>
+          </a:blip>
+          <a:stretch>
+            <a:fillRect/>
+          </a:stretch>
+        </p:blipFill>
+        <p:spPr>
+          <a:xfrm>
+            <a:off x="4868333" y="1651000"/>
+            <a:ext cx="3894667" cy="2921000"/>
+          </a:xfrm>
+          <a:prstGeom prst="rect">
+            <a:avLst/>
+          </a:prstGeom>
+        </p:spPr>
+      </p:pic>
     </p:spTree>
     <p:extLst>
       <p:ext uri="{BB962C8B-B14F-4D97-AF65-F5344CB8AC3E}">
@@ -18677,7 +18642,7 @@
         </p:nvSpPr>
         <p:spPr>
           <a:xfrm>
-            <a:off x="304800" y="914400"/>
+            <a:off x="304800" y="533400"/>
             <a:ext cx="8229600" cy="1143000"/>
           </a:xfrm>
         </p:spPr>
@@ -18688,14 +18653,14 @@
             <a:r>
               <a:rPr lang="en-US" dirty="0" smtClean="0">
                 <a:solidFill>
-                  <a:schemeClr val="accent1"/>
+                  <a:srgbClr val="2F74C3"/>
                 </a:solidFill>
               </a:rPr>
-              <a:t>LIVE DEMO</a:t>
-            </a:r>
-            <a:endParaRPr lang="en-US" dirty="0">
+              <a:t>Live Demonstration</a:t>
+            </a:r>
+            <a:endParaRPr lang="en-US" sz="4000" dirty="0">
               <a:solidFill>
-                <a:schemeClr val="accent1"/>
+                <a:srgbClr val="2F74C3"/>
               </a:solidFill>
             </a:endParaRPr>
           </a:p>
@@ -18747,6 +18712,189 @@
           </a:p>
         </p:txBody>
       </p:sp>
+      <p:pic>
+        <p:nvPicPr>
+          <p:cNvPr id="5" name="Picture 4"/>
+          <p:cNvPicPr>
+            <a:picLocks noChangeAspect="1"/>
+          </p:cNvPicPr>
+          <p:nvPr/>
+        </p:nvPicPr>
+        <p:blipFill>
+          <a:blip r:embed="rId2" cstate="print">
+            <a:extLst>
+              <a:ext uri="{28A0092B-C50C-407E-A947-70E740481C1C}">
+                <a14:useLocalDpi xmlns:a14="http://schemas.microsoft.com/office/drawing/2010/main" val="0"/>
+              </a:ext>
+            </a:extLst>
+          </a:blip>
+          <a:stretch>
+            <a:fillRect/>
+          </a:stretch>
+        </p:blipFill>
+        <p:spPr>
+          <a:xfrm>
+            <a:off x="6908440" y="1975758"/>
+            <a:ext cx="1778360" cy="3358242"/>
+          </a:xfrm>
+          <a:prstGeom prst="rect">
+            <a:avLst/>
+          </a:prstGeom>
+        </p:spPr>
+      </p:pic>
+      <p:pic>
+        <p:nvPicPr>
+          <p:cNvPr id="6" name="Picture 5" descr="iMac-mock-up-diferents-views.png"/>
+          <p:cNvPicPr>
+            <a:picLocks noChangeAspect="1"/>
+          </p:cNvPicPr>
+          <p:nvPr/>
+        </p:nvPicPr>
+        <p:blipFill>
+          <a:blip r:embed="rId3">
+            <a:extLst>
+              <a:ext uri="{28A0092B-C50C-407E-A947-70E740481C1C}">
+                <a14:useLocalDpi xmlns:a14="http://schemas.microsoft.com/office/drawing/2010/main" val="0"/>
+              </a:ext>
+            </a:extLst>
+          </a:blip>
+          <a:stretch>
+            <a:fillRect/>
+          </a:stretch>
+        </p:blipFill>
+        <p:spPr>
+          <a:xfrm>
+            <a:off x="363348" y="2009624"/>
+            <a:ext cx="3901032" cy="3242733"/>
+          </a:xfrm>
+          <a:prstGeom prst="rect">
+            <a:avLst/>
+          </a:prstGeom>
+        </p:spPr>
+      </p:pic>
+      <p:pic>
+        <p:nvPicPr>
+          <p:cNvPr id="7" name="Picture 6"/>
+          <p:cNvPicPr>
+            <a:picLocks noChangeAspect="1"/>
+          </p:cNvPicPr>
+          <p:nvPr/>
+        </p:nvPicPr>
+        <p:blipFill>
+          <a:blip r:embed="rId4" cstate="print">
+            <a:extLst>
+              <a:ext uri="{28A0092B-C50C-407E-A947-70E740481C1C}">
+                <a14:useLocalDpi xmlns:a14="http://schemas.microsoft.com/office/drawing/2010/main" val="0"/>
+              </a:ext>
+            </a:extLst>
+          </a:blip>
+          <a:stretch>
+            <a:fillRect/>
+          </a:stretch>
+        </p:blipFill>
+        <p:spPr>
+          <a:xfrm>
+            <a:off x="4306900" y="1905000"/>
+            <a:ext cx="2423740" cy="3429000"/>
+          </a:xfrm>
+          <a:prstGeom prst="rect">
+            <a:avLst/>
+          </a:prstGeom>
+        </p:spPr>
+      </p:pic>
+      <p:pic>
+        <p:nvPicPr>
+          <p:cNvPr id="8" name="Picture Placeholder 18"/>
+          <p:cNvPicPr>
+            <a:picLocks noChangeAspect="1"/>
+          </p:cNvPicPr>
+          <p:nvPr/>
+        </p:nvPicPr>
+        <p:blipFill>
+          <a:blip r:embed="rId5" cstate="print">
+            <a:extLst>
+              <a:ext uri="{28A0092B-C50C-407E-A947-70E740481C1C}">
+                <a14:useLocalDpi xmlns:a14="http://schemas.microsoft.com/office/drawing/2010/main" val="0"/>
+              </a:ext>
+            </a:extLst>
+          </a:blip>
+          <a:srcRect l="2334" r="2334"/>
+          <a:stretch>
+            <a:fillRect/>
+          </a:stretch>
+        </p:blipFill>
+        <p:spPr>
+          <a:xfrm>
+            <a:off x="609043" y="2204358"/>
+            <a:ext cx="3429000" cy="2133600"/>
+          </a:xfrm>
+          <a:prstGeom prst="rect">
+            <a:avLst/>
+          </a:prstGeom>
+        </p:spPr>
+      </p:pic>
+      <p:pic>
+        <p:nvPicPr>
+          <p:cNvPr id="9" name="Picture Placeholder 34"/>
+          <p:cNvPicPr>
+            <a:picLocks noChangeAspect="1"/>
+          </p:cNvPicPr>
+          <p:nvPr/>
+        </p:nvPicPr>
+        <p:blipFill>
+          <a:blip r:embed="rId6" cstate="print">
+            <a:extLst>
+              <a:ext uri="{28A0092B-C50C-407E-A947-70E740481C1C}">
+                <a14:useLocalDpi xmlns:a14="http://schemas.microsoft.com/office/drawing/2010/main" val="0"/>
+              </a:ext>
+            </a:extLst>
+          </a:blip>
+          <a:srcRect l="70" r="70"/>
+          <a:stretch>
+            <a:fillRect/>
+          </a:stretch>
+        </p:blipFill>
+        <p:spPr>
+          <a:xfrm>
+            <a:off x="7147235" y="2529710"/>
+            <a:ext cx="1234765" cy="2179579"/>
+          </a:xfrm>
+          <a:prstGeom prst="rect">
+            <a:avLst/>
+          </a:prstGeom>
+        </p:spPr>
+      </p:pic>
+      <p:pic>
+        <p:nvPicPr>
+          <p:cNvPr id="10" name="Picture Placeholder 40"/>
+          <p:cNvPicPr>
+            <a:picLocks noChangeAspect="1"/>
+          </p:cNvPicPr>
+          <p:nvPr/>
+        </p:nvPicPr>
+        <p:blipFill>
+          <a:blip r:embed="rId7" cstate="print">
+            <a:extLst>
+              <a:ext uri="{28A0092B-C50C-407E-A947-70E740481C1C}">
+                <a14:useLocalDpi xmlns:a14="http://schemas.microsoft.com/office/drawing/2010/main" val="0"/>
+              </a:ext>
+            </a:extLst>
+          </a:blip>
+          <a:srcRect l="667" r="667"/>
+          <a:stretch>
+            <a:fillRect/>
+          </a:stretch>
+        </p:blipFill>
+        <p:spPr>
+          <a:xfrm>
+            <a:off x="4648200" y="2281937"/>
+            <a:ext cx="1828800" cy="2484438"/>
+          </a:xfrm>
+          <a:prstGeom prst="rect">
+            <a:avLst/>
+          </a:prstGeom>
+        </p:spPr>
+      </p:pic>
     </p:spTree>
     <p:extLst>
       <p:ext uri="{BB962C8B-B14F-4D97-AF65-F5344CB8AC3E}">
@@ -18816,12 +18964,15 @@
             <a:r>
               <a:rPr lang="en-JM" sz="4400" dirty="0" smtClean="0">
                 <a:solidFill>
-                  <a:srgbClr val="00B0F0"/>
+                  <a:srgbClr val="2F74C3"/>
                 </a:solidFill>
               </a:rPr>
               <a:t>Future Implementation</a:t>
             </a:r>
             <a:endParaRPr lang="en-JM" sz="4400" dirty="0">
+              <a:solidFill>
+                <a:srgbClr val="2F74C3"/>
+              </a:solidFill>
               <a:latin typeface="Open Sans Light" pitchFamily="34" charset="0"/>
               <a:ea typeface="Open Sans Light" pitchFamily="34" charset="0"/>
               <a:cs typeface="Open Sans Light" pitchFamily="34" charset="0"/>
@@ -18968,10 +19119,6 @@
               </a:rPr>
               <a:t>Multiple currency capabilities</a:t>
             </a:r>
-            <a:endParaRPr lang="en-JM" sz="2000" dirty="0" smtClean="0">
-              <a:latin typeface="Calibri"/>
-              <a:cs typeface="Calibri"/>
-            </a:endParaRPr>
           </a:p>
           <a:p>
             <a:pPr lvl="0">
@@ -18997,14 +19144,7 @@
                 <a:latin typeface="Calibri"/>
                 <a:cs typeface="Calibri"/>
               </a:rPr>
-              <a:t>Comprehensive </a:t>
-            </a:r>
-            <a:r>
-              <a:rPr lang="en-JM" sz="2000" dirty="0" smtClean="0">
-                <a:latin typeface="Calibri"/>
-                <a:cs typeface="Calibri"/>
-              </a:rPr>
-              <a:t>travel packages (flights, hotels, vehicles, etc.)</a:t>
+              <a:t>Comprehensive travel packages (flights, hotels, vehicles, etc.)</a:t>
             </a:r>
           </a:p>
           <a:p>
@@ -19032,7 +19172,41 @@
                 <a:latin typeface="Calibri"/>
                 <a:cs typeface="Calibri"/>
               </a:rPr>
-              <a:t>Live customer support integration</a:t>
+              <a:t>Live customer support </a:t>
+            </a:r>
+            <a:r>
+              <a:rPr lang="en-JM" sz="2000" dirty="0" smtClean="0">
+                <a:latin typeface="Calibri"/>
+                <a:cs typeface="Calibri"/>
+              </a:rPr>
+              <a:t>integration</a:t>
+            </a:r>
+          </a:p>
+          <a:p>
+            <a:pPr lvl="0">
+              <a:spcBef>
+                <a:spcPts val="0"/>
+              </a:spcBef>
+              <a:defRPr/>
+            </a:pPr>
+            <a:endParaRPr lang="en-JM" sz="2000" dirty="0">
+              <a:latin typeface="Calibri"/>
+              <a:cs typeface="Calibri"/>
+            </a:endParaRPr>
+          </a:p>
+          <a:p>
+            <a:pPr lvl="0">
+              <a:spcBef>
+                <a:spcPts val="0"/>
+              </a:spcBef>
+              <a:defRPr/>
+            </a:pPr>
+            <a:r>
+              <a:rPr lang="en-JM" sz="2000" dirty="0" smtClean="0">
+                <a:latin typeface="Calibri"/>
+                <a:cs typeface="Calibri"/>
+              </a:rPr>
+              <a:t>Completely virtual travel agency</a:t>
             </a:r>
             <a:endParaRPr lang="en-JM" sz="2000" dirty="0">
               <a:latin typeface="Calibri"/>
@@ -19047,35 +19221,6 @@
               <a:defRPr/>
             </a:pPr>
             <a:endParaRPr lang="en-JM" sz="2000" dirty="0" smtClean="0">
-              <a:latin typeface="Calibri"/>
-              <a:cs typeface="Calibri"/>
-            </a:endParaRPr>
-          </a:p>
-          <a:p>
-            <a:pPr lvl="0">
-              <a:spcBef>
-                <a:spcPts val="0"/>
-              </a:spcBef>
-              <a:defRPr/>
-            </a:pPr>
-            <a:r>
-              <a:rPr lang="en-JM" sz="2000" dirty="0" smtClean="0">
-                <a:cs typeface="Calibri"/>
-              </a:rPr>
-              <a:t>Responsive </a:t>
-            </a:r>
-            <a:r>
-              <a:rPr lang="en-JM" sz="2000" dirty="0">
-                <a:cs typeface="Calibri"/>
-              </a:rPr>
-              <a:t>Design for multi-platform use</a:t>
-            </a:r>
-          </a:p>
-          <a:p>
-            <a:pPr marL="0" indent="0">
-              <a:buNone/>
-            </a:pPr>
-            <a:endParaRPr lang="en-JM" sz="1800" dirty="0">
               <a:latin typeface="Calibri"/>
               <a:cs typeface="Calibri"/>
             </a:endParaRPr>
@@ -19131,16 +19276,107 @@
           <a:chExt cx="0" cy="0"/>
         </a:xfrm>
       </p:grpSpPr>
+      <p:sp>
+        <p:nvSpPr>
+          <p:cNvPr id="2" name="Footer Placeholder 1"/>
+          <p:cNvSpPr>
+            <a:spLocks noGrp="1"/>
+          </p:cNvSpPr>
+          <p:nvPr>
+            <p:ph type="ftr" sz="quarter" idx="11"/>
+          </p:nvPr>
+        </p:nvSpPr>
+        <p:spPr/>
+        <p:txBody>
+          <a:bodyPr/>
+          <a:lstStyle/>
+          <a:p>
+            <a:r>
+              <a:rPr lang="en-JM" dirty="0" smtClean="0"/>
+              <a:t>WWW.MMBJ.COM</a:t>
+            </a:r>
+            <a:endParaRPr lang="en-JM" dirty="0"/>
+          </a:p>
+        </p:txBody>
+      </p:sp>
+      <p:sp>
+        <p:nvSpPr>
+          <p:cNvPr id="3" name="Slide Number Placeholder 2"/>
+          <p:cNvSpPr>
+            <a:spLocks noGrp="1"/>
+          </p:cNvSpPr>
+          <p:nvPr>
+            <p:ph type="sldNum" sz="quarter" idx="12"/>
+          </p:nvPr>
+        </p:nvSpPr>
+        <p:spPr/>
+        <p:txBody>
+          <a:bodyPr/>
+          <a:lstStyle/>
+          <a:p>
+            <a:fld id="{857B18ED-D931-45F4-8873-1BEDAB4DC03E}" type="slidenum">
+              <a:rPr lang="en-JM" smtClean="0"/>
+              <a:t>14</a:t>
+            </a:fld>
+            <a:endParaRPr lang="en-JM"/>
+          </a:p>
+        </p:txBody>
+      </p:sp>
+      <p:sp>
+        <p:nvSpPr>
+          <p:cNvPr id="5" name="Title 4"/>
+          <p:cNvSpPr>
+            <a:spLocks noGrp="1"/>
+          </p:cNvSpPr>
+          <p:nvPr>
+            <p:ph type="title" idx="4294967295"/>
+          </p:nvPr>
+        </p:nvSpPr>
+        <p:spPr>
+          <a:xfrm>
+            <a:off x="457200" y="4267200"/>
+            <a:ext cx="8229600" cy="1143000"/>
+          </a:xfrm>
+        </p:spPr>
+        <p:txBody>
+          <a:bodyPr>
+            <a:normAutofit/>
+          </a:bodyPr>
+          <a:lstStyle/>
+          <a:p>
+            <a:r>
+              <a:rPr lang="en-JM" sz="4000" dirty="0" smtClean="0"/>
+              <a:t> </a:t>
+            </a:r>
+            <a:r>
+              <a:rPr lang="en-JM" sz="4000" dirty="0" smtClean="0">
+                <a:solidFill>
+                  <a:schemeClr val="tx1"/>
+                </a:solidFill>
+              </a:rPr>
+              <a:t>Questions or Comments?</a:t>
+            </a:r>
+            <a:endParaRPr lang="en-JM" sz="4000" dirty="0">
+              <a:solidFill>
+                <a:schemeClr val="tx1"/>
+              </a:solidFill>
+              <a:latin typeface="Open Sans Light" pitchFamily="34" charset="0"/>
+              <a:ea typeface="Open Sans Light" pitchFamily="34" charset="0"/>
+              <a:cs typeface="Open Sans Light" pitchFamily="34" charset="0"/>
+            </a:endParaRPr>
+          </a:p>
+        </p:txBody>
+      </p:sp>
       <p:pic>
         <p:nvPicPr>
-          <p:cNvPr id="42" name="Picture 41"/>
+          <p:cNvPr id="4" name="Picture 3"/>
           <p:cNvPicPr>
             <a:picLocks noChangeAspect="1"/>
           </p:cNvPicPr>
           <p:nvPr/>
         </p:nvPicPr>
         <p:blipFill>
-          <a:blip r:embed="rId2" cstate="print">
+          <a:blip r:embed="rId2">
             <a:extLst>
               <a:ext uri="{28A0092B-C50C-407E-A947-70E740481C1C}">
                 <a14:useLocalDpi xmlns:a14="http://schemas.microsoft.com/office/drawing/2010/main" val="0"/>
@@ -19153,407 +19389,14 @@
         </p:blipFill>
         <p:spPr>
           <a:xfrm>
-            <a:off x="6908440" y="1905000"/>
-            <a:ext cx="1778360" cy="3358242"/>
+            <a:off x="1066800" y="1066800"/>
+            <a:ext cx="7010400" cy="2953165"/>
           </a:xfrm>
           <a:prstGeom prst="rect">
             <a:avLst/>
           </a:prstGeom>
         </p:spPr>
       </p:pic>
-      <p:pic>
-        <p:nvPicPr>
-          <p:cNvPr id="43" name="Picture 42" descr="iMac-mock-up-diferents-views.png"/>
-          <p:cNvPicPr>
-            <a:picLocks noChangeAspect="1"/>
-          </p:cNvPicPr>
-          <p:nvPr/>
-        </p:nvPicPr>
-        <p:blipFill>
-          <a:blip r:embed="rId3">
-            <a:extLst>
-              <a:ext uri="{28A0092B-C50C-407E-A947-70E740481C1C}">
-                <a14:useLocalDpi xmlns:a14="http://schemas.microsoft.com/office/drawing/2010/main" val="0"/>
-              </a:ext>
-            </a:extLst>
-          </a:blip>
-          <a:stretch>
-            <a:fillRect/>
-          </a:stretch>
-        </p:blipFill>
-        <p:spPr>
-          <a:xfrm>
-            <a:off x="363348" y="1938866"/>
-            <a:ext cx="3901032" cy="3242733"/>
-          </a:xfrm>
-          <a:prstGeom prst="rect">
-            <a:avLst/>
-          </a:prstGeom>
-        </p:spPr>
-      </p:pic>
-      <p:pic>
-        <p:nvPicPr>
-          <p:cNvPr id="44" name="Picture 43"/>
-          <p:cNvPicPr>
-            <a:picLocks noChangeAspect="1"/>
-          </p:cNvPicPr>
-          <p:nvPr/>
-        </p:nvPicPr>
-        <p:blipFill>
-          <a:blip r:embed="rId4" cstate="print">
-            <a:extLst>
-              <a:ext uri="{28A0092B-C50C-407E-A947-70E740481C1C}">
-                <a14:useLocalDpi xmlns:a14="http://schemas.microsoft.com/office/drawing/2010/main" val="0"/>
-              </a:ext>
-            </a:extLst>
-          </a:blip>
-          <a:stretch>
-            <a:fillRect/>
-          </a:stretch>
-        </p:blipFill>
-        <p:spPr>
-          <a:xfrm>
-            <a:off x="4306900" y="1834242"/>
-            <a:ext cx="2423740" cy="3429000"/>
-          </a:xfrm>
-          <a:prstGeom prst="rect">
-            <a:avLst/>
-          </a:prstGeom>
-        </p:spPr>
-      </p:pic>
-      <p:sp>
-        <p:nvSpPr>
-          <p:cNvPr id="3" name="Footer Placeholder 2"/>
-          <p:cNvSpPr>
-            <a:spLocks noGrp="1"/>
-          </p:cNvSpPr>
-          <p:nvPr>
-            <p:ph type="ftr" sz="quarter" idx="11"/>
-          </p:nvPr>
-        </p:nvSpPr>
-        <p:spPr/>
-        <p:txBody>
-          <a:bodyPr/>
-          <a:lstStyle/>
-          <a:p>
-            <a:r>
-              <a:rPr lang="en-JM" smtClean="0"/>
-              <a:t>WWW.DESIGNERSPARADISE.COM</a:t>
-            </a:r>
-            <a:endParaRPr lang="en-JM"/>
-          </a:p>
-        </p:txBody>
-      </p:sp>
-      <p:sp>
-        <p:nvSpPr>
-          <p:cNvPr id="4" name="Slide Number Placeholder 3"/>
-          <p:cNvSpPr>
-            <a:spLocks noGrp="1"/>
-          </p:cNvSpPr>
-          <p:nvPr>
-            <p:ph type="sldNum" sz="quarter" idx="12"/>
-          </p:nvPr>
-        </p:nvSpPr>
-        <p:spPr/>
-        <p:txBody>
-          <a:bodyPr/>
-          <a:lstStyle/>
-          <a:p>
-            <a:fld id="{857B18ED-D931-45F4-8873-1BEDAB4DC03E}" type="slidenum">
-              <a:rPr lang="en-JM" smtClean="0"/>
-              <a:t>14</a:t>
-            </a:fld>
-            <a:endParaRPr lang="en-JM"/>
-          </a:p>
-        </p:txBody>
-      </p:sp>
-      <p:pic>
-        <p:nvPicPr>
-          <p:cNvPr id="19" name="Picture Placeholder 18"/>
-          <p:cNvPicPr>
-            <a:picLocks noGrp="1" noChangeAspect="1"/>
-          </p:cNvPicPr>
-          <p:nvPr>
-            <p:ph type="pic" sz="quarter" idx="4294967295"/>
-          </p:nvPr>
-        </p:nvPicPr>
-        <p:blipFill>
-          <a:blip r:embed="rId5" cstate="print">
-            <a:extLst>
-              <a:ext uri="{28A0092B-C50C-407E-A947-70E740481C1C}">
-                <a14:useLocalDpi xmlns:a14="http://schemas.microsoft.com/office/drawing/2010/main" val="0"/>
-              </a:ext>
-            </a:extLst>
-          </a:blip>
-          <a:srcRect l="2334" r="2334"/>
-          <a:stretch>
-            <a:fillRect/>
-          </a:stretch>
-        </p:blipFill>
-        <p:spPr>
-          <a:xfrm>
-            <a:off x="609043" y="2133600"/>
-            <a:ext cx="3429000" cy="2133600"/>
-          </a:xfrm>
-        </p:spPr>
-      </p:pic>
-      <p:pic>
-        <p:nvPicPr>
-          <p:cNvPr id="35" name="Picture Placeholder 34"/>
-          <p:cNvPicPr>
-            <a:picLocks noGrp="1" noChangeAspect="1"/>
-          </p:cNvPicPr>
-          <p:nvPr>
-            <p:ph type="pic" sz="quarter" idx="4294967295"/>
-          </p:nvPr>
-        </p:nvPicPr>
-        <p:blipFill>
-          <a:blip r:embed="rId6" cstate="print">
-            <a:extLst>
-              <a:ext uri="{28A0092B-C50C-407E-A947-70E740481C1C}">
-                <a14:useLocalDpi xmlns:a14="http://schemas.microsoft.com/office/drawing/2010/main" val="0"/>
-              </a:ext>
-            </a:extLst>
-          </a:blip>
-          <a:srcRect l="70" r="70"/>
-          <a:stretch>
-            <a:fillRect/>
-          </a:stretch>
-        </p:blipFill>
-        <p:spPr>
-          <a:xfrm>
-            <a:off x="7147235" y="2458952"/>
-            <a:ext cx="1234765" cy="2179579"/>
-          </a:xfrm>
-        </p:spPr>
-      </p:pic>
-      <p:pic>
-        <p:nvPicPr>
-          <p:cNvPr id="41" name="Picture Placeholder 40"/>
-          <p:cNvPicPr>
-            <a:picLocks noGrp="1" noChangeAspect="1"/>
-          </p:cNvPicPr>
-          <p:nvPr>
-            <p:ph type="pic" sz="quarter" idx="4294967295"/>
-          </p:nvPr>
-        </p:nvPicPr>
-        <p:blipFill>
-          <a:blip r:embed="rId7" cstate="print">
-            <a:extLst>
-              <a:ext uri="{28A0092B-C50C-407E-A947-70E740481C1C}">
-                <a14:useLocalDpi xmlns:a14="http://schemas.microsoft.com/office/drawing/2010/main" val="0"/>
-              </a:ext>
-            </a:extLst>
-          </a:blip>
-          <a:srcRect l="667" r="667"/>
-          <a:stretch>
-            <a:fillRect/>
-          </a:stretch>
-        </p:blipFill>
-        <p:spPr>
-          <a:xfrm>
-            <a:off x="4648200" y="2211179"/>
-            <a:ext cx="1828800" cy="2484438"/>
-          </a:xfrm>
-        </p:spPr>
-      </p:pic>
-      <p:sp>
-        <p:nvSpPr>
-          <p:cNvPr id="45" name="Title 1"/>
-          <p:cNvSpPr txBox="1">
-            <a:spLocks/>
-          </p:cNvSpPr>
-          <p:nvPr/>
-        </p:nvSpPr>
-        <p:spPr>
-          <a:xfrm>
-            <a:off x="457200" y="355600"/>
-            <a:ext cx="8229600" cy="1143000"/>
-          </a:xfrm>
-          <a:prstGeom prst="rect">
-            <a:avLst/>
-          </a:prstGeom>
-        </p:spPr>
-        <p:txBody>
-          <a:bodyPr>
-            <a:normAutofit/>
-          </a:bodyPr>
-          <a:lstStyle>
-            <a:lvl1pPr algn="ctr" defTabSz="914400" rtl="0" eaLnBrk="1" latinLnBrk="0" hangingPunct="1">
-              <a:spcBef>
-                <a:spcPct val="0"/>
-              </a:spcBef>
-              <a:buNone/>
-              <a:defRPr sz="4400" kern="1200">
-                <a:solidFill>
-                  <a:schemeClr val="tx1">
-                    <a:lumMod val="85000"/>
-                    <a:lumOff val="15000"/>
-                  </a:schemeClr>
-                </a:solidFill>
-                <a:latin typeface="Open Sans Extrabold" pitchFamily="34" charset="0"/>
-                <a:ea typeface="Open Sans Extrabold" pitchFamily="34" charset="0"/>
-                <a:cs typeface="Open Sans Extrabold" pitchFamily="34" charset="0"/>
-              </a:defRPr>
-            </a:lvl1pPr>
-          </a:lstStyle>
-          <a:p>
-            <a:r>
-              <a:rPr lang="en-JM" dirty="0" smtClean="0">
-                <a:solidFill>
-                  <a:srgbClr val="00B0F0"/>
-                </a:solidFill>
-              </a:rPr>
-              <a:t>Responsive Design</a:t>
-            </a:r>
-            <a:endParaRPr lang="en-JM" dirty="0">
-              <a:latin typeface="Open Sans Light" pitchFamily="34" charset="0"/>
-              <a:ea typeface="Open Sans Light" pitchFamily="34" charset="0"/>
-              <a:cs typeface="Open Sans Light" pitchFamily="34" charset="0"/>
-            </a:endParaRPr>
-          </a:p>
-        </p:txBody>
-      </p:sp>
-    </p:spTree>
-    <p:extLst>
-      <p:ext uri="{BB962C8B-B14F-4D97-AF65-F5344CB8AC3E}">
-        <p14:creationId xmlns:p14="http://schemas.microsoft.com/office/powerpoint/2010/main" val="1279697349"/>
-      </p:ext>
-    </p:extLst>
-  </p:cSld>
-  <p:clrMapOvr>
-    <a:masterClrMapping/>
-  </p:clrMapOvr>
-  <mc:AlternateContent xmlns:mc="http://schemas.openxmlformats.org/markup-compatibility/2006" xmlns:p14="http://schemas.microsoft.com/office/powerpoint/2010/main">
-    <mc:Choice Requires="p14">
-      <p:transition spd="slow" p14:dur="1250">
-        <p14:flythrough/>
-      </p:transition>
-    </mc:Choice>
-    <mc:Fallback xmlns="">
-      <p:transition spd="slow">
-        <p:fade/>
-      </p:transition>
-    </mc:Fallback>
-  </mc:AlternateContent>
-  <p:timing>
-    <p:tnLst>
-      <p:par>
-        <p:cTn id="1" dur="indefinite" restart="never" nodeType="tmRoot"/>
-      </p:par>
-    </p:tnLst>
-  </p:timing>
-</p:sld>
-</file>
-
-<file path=ppt/slides/slide15.xml><?xml version="1.0" encoding="utf-8"?>
-<p:sld xmlns:a="http://schemas.openxmlformats.org/drawingml/2006/main" xmlns:r="http://schemas.openxmlformats.org/officeDocument/2006/relationships" xmlns:p="http://schemas.openxmlformats.org/presentationml/2006/main">
-  <p:cSld>
-    <p:spTree>
-      <p:nvGrpSpPr>
-        <p:cNvPr id="1" name=""/>
-        <p:cNvGrpSpPr/>
-        <p:nvPr/>
-      </p:nvGrpSpPr>
-      <p:grpSpPr>
-        <a:xfrm>
-          <a:off x="0" y="0"/>
-          <a:ext cx="0" cy="0"/>
-          <a:chOff x="0" y="0"/>
-          <a:chExt cx="0" cy="0"/>
-        </a:xfrm>
-      </p:grpSpPr>
-      <p:sp>
-        <p:nvSpPr>
-          <p:cNvPr id="2" name="Footer Placeholder 1"/>
-          <p:cNvSpPr>
-            <a:spLocks noGrp="1"/>
-          </p:cNvSpPr>
-          <p:nvPr>
-            <p:ph type="ftr" sz="quarter" idx="11"/>
-          </p:nvPr>
-        </p:nvSpPr>
-        <p:spPr/>
-        <p:txBody>
-          <a:bodyPr/>
-          <a:lstStyle/>
-          <a:p>
-            <a:r>
-              <a:rPr lang="en-JM" dirty="0" smtClean="0"/>
-              <a:t>WWW.MMBJ.COM</a:t>
-            </a:r>
-            <a:endParaRPr lang="en-JM" dirty="0"/>
-          </a:p>
-        </p:txBody>
-      </p:sp>
-      <p:sp>
-        <p:nvSpPr>
-          <p:cNvPr id="3" name="Slide Number Placeholder 2"/>
-          <p:cNvSpPr>
-            <a:spLocks noGrp="1"/>
-          </p:cNvSpPr>
-          <p:nvPr>
-            <p:ph type="sldNum" sz="quarter" idx="12"/>
-          </p:nvPr>
-        </p:nvSpPr>
-        <p:spPr/>
-        <p:txBody>
-          <a:bodyPr/>
-          <a:lstStyle/>
-          <a:p>
-            <a:fld id="{857B18ED-D931-45F4-8873-1BEDAB4DC03E}" type="slidenum">
-              <a:rPr lang="en-JM" smtClean="0"/>
-              <a:t>15</a:t>
-            </a:fld>
-            <a:endParaRPr lang="en-JM"/>
-          </a:p>
-        </p:txBody>
-      </p:sp>
-      <p:sp>
-        <p:nvSpPr>
-          <p:cNvPr id="5" name="Title 4"/>
-          <p:cNvSpPr>
-            <a:spLocks noGrp="1"/>
-          </p:cNvSpPr>
-          <p:nvPr>
-            <p:ph type="title" idx="4294967295"/>
-          </p:nvPr>
-        </p:nvSpPr>
-        <p:spPr>
-          <a:xfrm>
-            <a:off x="457200" y="4267200"/>
-            <a:ext cx="8229600" cy="1143000"/>
-          </a:xfrm>
-        </p:spPr>
-        <p:txBody>
-          <a:bodyPr>
-            <a:normAutofit/>
-          </a:bodyPr>
-          <a:lstStyle/>
-          <a:p>
-            <a:r>
-              <a:rPr lang="en-JM" sz="4000" dirty="0" smtClean="0"/>
-              <a:t> </a:t>
-            </a:r>
-            <a:r>
-              <a:rPr lang="en-JM" sz="4000" dirty="0" smtClean="0">
-                <a:solidFill>
-                  <a:schemeClr val="accent1"/>
-                </a:solidFill>
-              </a:rPr>
-              <a:t>Questions/Comments!</a:t>
-            </a:r>
-            <a:endParaRPr lang="en-JM" sz="4000" dirty="0">
-              <a:solidFill>
-                <a:schemeClr val="accent1"/>
-              </a:solidFill>
-              <a:latin typeface="Open Sans Light" pitchFamily="34" charset="0"/>
-              <a:ea typeface="Open Sans Light" pitchFamily="34" charset="0"/>
-              <a:cs typeface="Open Sans Light" pitchFamily="34" charset="0"/>
-            </a:endParaRPr>
-          </a:p>
-        </p:txBody>
-      </p:sp>
     </p:spTree>
     <p:extLst>
       <p:ext uri="{BB962C8B-B14F-4D97-AF65-F5344CB8AC3E}">
@@ -19623,17 +19466,14 @@
             <a:r>
               <a:rPr lang="en-JM" sz="4400" dirty="0" smtClean="0">
                 <a:solidFill>
-                  <a:srgbClr val="00B0F0"/>
+                  <a:srgbClr val="2F74C3"/>
                 </a:solidFill>
               </a:rPr>
               <a:t>The MMBJ Team</a:t>
             </a:r>
             <a:endParaRPr lang="en-JM" sz="4400" dirty="0">
               <a:solidFill>
-                <a:schemeClr val="tx1">
-                  <a:lumMod val="85000"/>
-                  <a:lumOff val="15000"/>
-                </a:schemeClr>
+                <a:srgbClr val="2F74C3"/>
               </a:solidFill>
               <a:latin typeface="Open Sans Light" pitchFamily="34" charset="0"/>
               <a:ea typeface="Open Sans Light" pitchFamily="34" charset="0"/>
@@ -19665,6 +19505,10 @@
             <a:r>
               <a:rPr lang="en-JM" sz="1600" dirty="0" err="1" smtClean="0"/>
               <a:t>Megha</a:t>
+            </a:r>
+            <a:r>
+              <a:rPr lang="en-JM" sz="1600" dirty="0" smtClean="0"/>
+              <a:t> Patel</a:t>
             </a:r>
             <a:endParaRPr lang="en-JM" sz="1600" dirty="0">
               <a:solidFill>
@@ -19706,7 +19550,7 @@
                   </a:schemeClr>
                 </a:solidFill>
               </a:rPr>
-              <a:t>Brian</a:t>
+              <a:t>Brian Peng</a:t>
             </a:r>
             <a:endParaRPr lang="en-JM" sz="1600" dirty="0">
               <a:solidFill>
@@ -19731,8 +19575,8 @@
         </p:nvSpPr>
         <p:spPr>
           <a:xfrm>
-            <a:off x="6858000" y="4038600"/>
-            <a:ext cx="1677924" cy="406400"/>
+            <a:off x="6819900" y="4038600"/>
+            <a:ext cx="1905000" cy="406400"/>
           </a:xfrm>
         </p:spPr>
         <p:txBody>
@@ -19741,7 +19585,7 @@
           <a:p>
             <a:r>
               <a:rPr lang="en-JM" sz="1600" dirty="0" smtClean="0"/>
-              <a:t>Mahmood</a:t>
+              <a:t>Mahmood Qureshi</a:t>
             </a:r>
             <a:endParaRPr lang="en-JM" sz="1600" dirty="0">
               <a:solidFill>
@@ -19776,7 +19620,7 @@
           <a:p>
             <a:r>
               <a:rPr lang="en-JM" sz="1600" dirty="0" smtClean="0"/>
-              <a:t>John</a:t>
+              <a:t>John Nguyen</a:t>
             </a:r>
             <a:endParaRPr lang="en-JM" sz="1600" dirty="0">
               <a:solidFill>
@@ -19801,7 +19645,7 @@
         </p:nvSpPr>
         <p:spPr>
           <a:xfrm>
-            <a:off x="2781300" y="4495800"/>
+            <a:off x="2670235" y="4495800"/>
             <a:ext cx="1981200" cy="406400"/>
           </a:xfrm>
         </p:spPr>
@@ -19812,17 +19656,76 @@
             <a:r>
               <a:rPr lang="en-JM" dirty="0" smtClean="0">
                 <a:solidFill>
-                  <a:srgbClr val="00B0F0"/>
+                  <a:srgbClr val="2F74C3"/>
                 </a:solidFill>
               </a:rPr>
-              <a:t>Software developer</a:t>
-            </a:r>
+              <a:t>Software </a:t>
+            </a:r>
+            <a:r>
+              <a:rPr lang="en-JM" dirty="0" smtClean="0">
+                <a:solidFill>
+                  <a:srgbClr val="2F74C3"/>
+                </a:solidFill>
+              </a:rPr>
+              <a:t>Developer</a:t>
+            </a:r>
+            <a:endParaRPr lang="en-JM" dirty="0">
+              <a:solidFill>
+                <a:srgbClr val="2F74C3"/>
+              </a:solidFill>
+            </a:endParaRPr>
+          </a:p>
+          <a:p>
             <a:endParaRPr lang="en-JM" dirty="0">
               <a:solidFill>
                 <a:srgbClr val="00B0F0"/>
               </a:solidFill>
             </a:endParaRPr>
           </a:p>
+        </p:txBody>
+      </p:sp>
+      <p:sp>
+        <p:nvSpPr>
+          <p:cNvPr id="12" name="Text Placeholder 11"/>
+          <p:cNvSpPr>
+            <a:spLocks noGrp="1"/>
+          </p:cNvSpPr>
+          <p:nvPr>
+            <p:ph type="body" sz="quarter" idx="58"/>
+          </p:nvPr>
+        </p:nvSpPr>
+        <p:spPr>
+          <a:xfrm>
+            <a:off x="4721165" y="4495800"/>
+            <a:ext cx="1981200" cy="406400"/>
+          </a:xfrm>
+        </p:spPr>
+        <p:txBody>
+          <a:bodyPr/>
+          <a:lstStyle/>
+          <a:p>
+            <a:r>
+              <a:rPr lang="en-JM" dirty="0">
+                <a:solidFill>
+                  <a:srgbClr val="2F74C3"/>
+                </a:solidFill>
+              </a:rPr>
+              <a:t>Software </a:t>
+            </a:r>
+            <a:r>
+              <a:rPr lang="en-JM" dirty="0" smtClean="0">
+                <a:solidFill>
+                  <a:srgbClr val="2F74C3"/>
+                </a:solidFill>
+              </a:rPr>
+              <a:t>Developer</a:t>
+            </a:r>
+            <a:endParaRPr lang="en-JM" dirty="0">
+              <a:solidFill>
+                <a:srgbClr val="2F74C3"/>
+              </a:solidFill>
+            </a:endParaRPr>
+          </a:p>
           <a:p>
             <a:endParaRPr lang="en-JM" dirty="0">
               <a:solidFill>
@@ -19834,17 +19737,17 @@
       </p:sp>
       <p:sp>
         <p:nvSpPr>
-          <p:cNvPr id="12" name="Text Placeholder 11"/>
-          <p:cNvSpPr>
-            <a:spLocks noGrp="1"/>
-          </p:cNvSpPr>
-          <p:nvPr>
-            <p:ph type="body" sz="quarter" idx="58"/>
-          </p:nvPr>
-        </p:nvSpPr>
-        <p:spPr>
-          <a:xfrm>
-            <a:off x="4799076" y="4495800"/>
+          <p:cNvPr id="13" name="Text Placeholder 12"/>
+          <p:cNvSpPr>
+            <a:spLocks noGrp="1"/>
+          </p:cNvSpPr>
+          <p:nvPr>
+            <p:ph type="body" sz="quarter" idx="59"/>
+          </p:nvPr>
+        </p:nvSpPr>
+        <p:spPr>
+          <a:xfrm>
+            <a:off x="6772095" y="4491522"/>
             <a:ext cx="1981200" cy="406400"/>
           </a:xfrm>
         </p:spPr>
@@ -19853,9 +19756,26 @@
           <a:lstStyle/>
           <a:p>
             <a:r>
-              <a:rPr lang="en-JM" dirty="0"/>
-              <a:t>Software developer</a:t>
-            </a:r>
+              <a:rPr lang="en-JM" dirty="0">
+                <a:solidFill>
+                  <a:srgbClr val="2F74C3"/>
+                </a:solidFill>
+              </a:rPr>
+              <a:t>Software </a:t>
+            </a:r>
+            <a:r>
+              <a:rPr lang="en-JM" dirty="0" smtClean="0">
+                <a:solidFill>
+                  <a:srgbClr val="2F74C3"/>
+                </a:solidFill>
+              </a:rPr>
+              <a:t>Developer</a:t>
+            </a:r>
+            <a:endParaRPr lang="en-JM" dirty="0">
+              <a:solidFill>
+                <a:srgbClr val="2F74C3"/>
+              </a:solidFill>
+            </a:endParaRPr>
           </a:p>
           <a:p>
             <a:endParaRPr lang="en-JM" dirty="0">
@@ -19868,17 +19788,17 @@
       </p:sp>
       <p:sp>
         <p:nvSpPr>
-          <p:cNvPr id="13" name="Text Placeholder 12"/>
-          <p:cNvSpPr>
-            <a:spLocks noGrp="1"/>
-          </p:cNvSpPr>
-          <p:nvPr>
-            <p:ph type="body" sz="quarter" idx="59"/>
-          </p:nvPr>
-        </p:nvSpPr>
-        <p:spPr>
-          <a:xfrm>
-            <a:off x="6781800" y="4495800"/>
+          <p:cNvPr id="14" name="Text Placeholder 13"/>
+          <p:cNvSpPr>
+            <a:spLocks noGrp="1"/>
+          </p:cNvSpPr>
+          <p:nvPr>
+            <p:ph type="body" sz="quarter" idx="60"/>
+          </p:nvPr>
+        </p:nvSpPr>
+        <p:spPr>
+          <a:xfrm>
+            <a:off x="609600" y="4495800"/>
             <a:ext cx="1981200" cy="406400"/>
           </a:xfrm>
         </p:spPr>
@@ -19887,9 +19807,18 @@
           <a:lstStyle/>
           <a:p>
             <a:r>
-              <a:rPr lang="en-JM" dirty="0"/>
-              <a:t>Software developer</a:t>
-            </a:r>
+              <a:rPr lang="en-JM" dirty="0" smtClean="0">
+                <a:solidFill>
+                  <a:srgbClr val="2F74C3"/>
+                </a:solidFill>
+              </a:rPr>
+              <a:t>Team Lead</a:t>
+            </a:r>
+            <a:endParaRPr lang="en-JM" dirty="0">
+              <a:solidFill>
+                <a:srgbClr val="2F74C3"/>
+              </a:solidFill>
+            </a:endParaRPr>
           </a:p>
           <a:p>
             <a:endParaRPr lang="en-JM" dirty="0">
@@ -19902,62 +19831,36 @@
       </p:sp>
       <p:sp>
         <p:nvSpPr>
-          <p:cNvPr id="14" name="Text Placeholder 13"/>
-          <p:cNvSpPr>
-            <a:spLocks noGrp="1"/>
-          </p:cNvSpPr>
-          <p:nvPr>
-            <p:ph type="body" sz="quarter" idx="60"/>
-          </p:nvPr>
-        </p:nvSpPr>
-        <p:spPr>
-          <a:xfrm>
-            <a:off x="685800" y="4495800"/>
-            <a:ext cx="1981200" cy="406400"/>
+          <p:cNvPr id="18" name="Text Placeholder 17"/>
+          <p:cNvSpPr>
+            <a:spLocks noGrp="1"/>
+          </p:cNvSpPr>
+          <p:nvPr>
+            <p:ph type="body" sz="quarter" idx="64"/>
+          </p:nvPr>
+        </p:nvSpPr>
+        <p:spPr>
+          <a:xfrm>
+            <a:off x="733964" y="5009006"/>
+            <a:ext cx="7800436" cy="845693"/>
           </a:xfrm>
         </p:spPr>
         <p:txBody>
           <a:bodyPr/>
           <a:lstStyle/>
           <a:p>
-            <a:r>
-              <a:rPr lang="en-JM" dirty="0" smtClean="0">
-                <a:solidFill>
-                  <a:srgbClr val="00B0F0"/>
+            <a:pPr algn="l"/>
+            <a:r>
+              <a:rPr lang="en-JM" sz="1300" dirty="0" smtClean="0">
+                <a:solidFill>
+                  <a:schemeClr val="tx1">
+                    <a:lumMod val="65000"/>
+                    <a:lumOff val="35000"/>
+                  </a:schemeClr>
                 </a:solidFill>
               </a:rPr>
-              <a:t>Team Lead</a:t>
-            </a:r>
-            <a:endParaRPr lang="en-JM" dirty="0">
-              <a:solidFill>
-                <a:srgbClr val="00B0F0"/>
-              </a:solidFill>
-            </a:endParaRPr>
-          </a:p>
-          <a:p>
-            <a:endParaRPr lang="en-JM" dirty="0">
-              <a:solidFill>
-                <a:srgbClr val="00B0F0"/>
-              </a:solidFill>
-            </a:endParaRPr>
-          </a:p>
-        </p:txBody>
-      </p:sp>
-      <p:sp>
-        <p:nvSpPr>
-          <p:cNvPr id="15" name="Text Placeholder 14"/>
-          <p:cNvSpPr>
-            <a:spLocks noGrp="1"/>
-          </p:cNvSpPr>
-          <p:nvPr>
-            <p:ph type="body" sz="quarter" idx="61"/>
-          </p:nvPr>
-        </p:nvSpPr>
-        <p:spPr/>
-        <p:txBody>
-          <a:bodyPr/>
-          <a:lstStyle/>
-          <a:p>
+              <a:t>MMBJ Development Inc. has over 35 years of software development experience and have developed software solutions for companies in industries such as finance, education, and tourism industries. We specialize on complete software and hardware solutions to ensure all of your requirements are met.</a:t>
+            </a:r>
             <a:endParaRPr lang="en-JM" sz="1300" dirty="0">
               <a:solidFill>
                 <a:schemeClr val="tx1">
@@ -19971,84 +19874,6 @@
       </p:sp>
       <p:sp>
         <p:nvSpPr>
-          <p:cNvPr id="16" name="Text Placeholder 15"/>
-          <p:cNvSpPr>
-            <a:spLocks noGrp="1"/>
-          </p:cNvSpPr>
-          <p:nvPr>
-            <p:ph type="body" sz="quarter" idx="62"/>
-          </p:nvPr>
-        </p:nvSpPr>
-        <p:spPr/>
-        <p:txBody>
-          <a:bodyPr/>
-          <a:lstStyle/>
-          <a:p>
-            <a:endParaRPr lang="en-JM" sz="1300" dirty="0">
-              <a:solidFill>
-                <a:schemeClr val="tx1">
-                  <a:lumMod val="65000"/>
-                  <a:lumOff val="35000"/>
-                </a:schemeClr>
-              </a:solidFill>
-            </a:endParaRPr>
-          </a:p>
-        </p:txBody>
-      </p:sp>
-      <p:sp>
-        <p:nvSpPr>
-          <p:cNvPr id="17" name="Text Placeholder 16"/>
-          <p:cNvSpPr>
-            <a:spLocks noGrp="1"/>
-          </p:cNvSpPr>
-          <p:nvPr>
-            <p:ph type="body" sz="quarter" idx="63"/>
-          </p:nvPr>
-        </p:nvSpPr>
-        <p:spPr/>
-        <p:txBody>
-          <a:bodyPr/>
-          <a:lstStyle/>
-          <a:p>
-            <a:endParaRPr lang="en-JM" sz="1300" dirty="0">
-              <a:solidFill>
-                <a:schemeClr val="tx1">
-                  <a:lumMod val="65000"/>
-                  <a:lumOff val="35000"/>
-                </a:schemeClr>
-              </a:solidFill>
-            </a:endParaRPr>
-          </a:p>
-        </p:txBody>
-      </p:sp>
-      <p:sp>
-        <p:nvSpPr>
-          <p:cNvPr id="18" name="Text Placeholder 17"/>
-          <p:cNvSpPr>
-            <a:spLocks noGrp="1"/>
-          </p:cNvSpPr>
-          <p:nvPr>
-            <p:ph type="body" sz="quarter" idx="64"/>
-          </p:nvPr>
-        </p:nvSpPr>
-        <p:spPr/>
-        <p:txBody>
-          <a:bodyPr/>
-          <a:lstStyle/>
-          <a:p>
-            <a:endParaRPr lang="en-JM" sz="1300" dirty="0">
-              <a:solidFill>
-                <a:schemeClr val="tx1">
-                  <a:lumMod val="65000"/>
-                  <a:lumOff val="35000"/>
-                </a:schemeClr>
-              </a:solidFill>
-            </a:endParaRPr>
-          </a:p>
-        </p:txBody>
-      </p:sp>
-      <p:sp>
-        <p:nvSpPr>
           <p:cNvPr id="23" name="Slide Number Placeholder 22"/>
           <p:cNvSpPr>
             <a:spLocks noGrp="1"/>
@@ -20103,7 +19928,7 @@
             <p:ph type="pic" sz="quarter" idx="50"/>
           </p:nvPr>
         </p:nvPicPr>
-        <p:blipFill>
+        <p:blipFill rotWithShape="1">
           <a:blip r:embed="rId2" cstate="print">
             <a:extLst>
               <a:ext uri="{28A0092B-C50C-407E-A947-70E740481C1C}">
@@ -20111,12 +19936,15 @@
               </a:ext>
             </a:extLst>
           </a:blip>
-          <a:srcRect t="12500" b="12500"/>
-          <a:stretch>
-            <a:fillRect/>
-          </a:stretch>
+          <a:srcRect l="6122" t="26714" r="8164" b="9000"/>
+          <a:stretch/>
         </p:blipFill>
-        <p:spPr/>
+        <p:spPr>
+          <a:xfrm>
+            <a:off x="800100" y="1960353"/>
+            <a:ext cx="1600200" cy="1600200"/>
+          </a:xfrm>
+        </p:spPr>
       </p:pic>
       <p:pic>
         <p:nvPicPr>
@@ -20128,7 +19956,7 @@
             <p:ph type="pic" sz="quarter" idx="51"/>
           </p:nvPr>
         </p:nvPicPr>
-        <p:blipFill>
+        <p:blipFill rotWithShape="1">
           <a:blip r:embed="rId3" cstate="print">
             <a:extLst>
               <a:ext uri="{28A0092B-C50C-407E-A947-70E740481C1C}">
@@ -20136,10 +19964,8 @@
               </a:ext>
             </a:extLst>
           </a:blip>
-          <a:srcRect t="12500" b="12500"/>
-          <a:stretch>
-            <a:fillRect/>
-          </a:stretch>
+          <a:srcRect l="6667" t="18333" b="11667"/>
+          <a:stretch/>
         </p:blipFill>
         <p:spPr/>
       </p:pic>
@@ -20267,12 +20093,15 @@
             <a:r>
               <a:rPr lang="en-JM" sz="4400" dirty="0" smtClean="0">
                 <a:solidFill>
-                  <a:srgbClr val="00B0F0"/>
+                  <a:srgbClr val="2F74C3"/>
                 </a:solidFill>
               </a:rPr>
               <a:t>Goals</a:t>
             </a:r>
             <a:endParaRPr lang="en-JM" sz="4400" dirty="0">
+              <a:solidFill>
+                <a:srgbClr val="2F74C3"/>
+              </a:solidFill>
               <a:latin typeface="Open Sans Light" pitchFamily="34" charset="0"/>
               <a:ea typeface="Open Sans Light" pitchFamily="34" charset="0"/>
               <a:cs typeface="Open Sans Light" pitchFamily="34" charset="0"/>
@@ -20594,12 +20423,15 @@
             <a:r>
               <a:rPr lang="en-JM" sz="4400" dirty="0" smtClean="0">
                 <a:solidFill>
-                  <a:srgbClr val="00B0F0"/>
+                  <a:srgbClr val="2F74C3"/>
                 </a:solidFill>
               </a:rPr>
               <a:t>Objectives</a:t>
             </a:r>
             <a:endParaRPr lang="en-JM" sz="4400" dirty="0">
+              <a:solidFill>
+                <a:srgbClr val="2F74C3"/>
+              </a:solidFill>
               <a:latin typeface="Open Sans Light" pitchFamily="34" charset="0"/>
               <a:ea typeface="Open Sans Light" pitchFamily="34" charset="0"/>
               <a:cs typeface="Open Sans Light" pitchFamily="34" charset="0"/>
@@ -20948,19 +20780,7 @@
                 </a:solidFill>
                 <a:cs typeface="Calibri"/>
               </a:rPr>
-              <a:t>Users </a:t>
-            </a:r>
-            <a:r>
-              <a:rPr lang="en-JM" sz="1600" dirty="0" smtClean="0">
-                <a:solidFill>
-                  <a:schemeClr val="tx1">
-                    <a:lumMod val="75000"/>
-                    <a:lumOff val="25000"/>
-                  </a:schemeClr>
-                </a:solidFill>
-                <a:cs typeface="Calibri"/>
-              </a:rPr>
-              <a:t>Technical Skills</a:t>
+              <a:t>Users Technical Skills</a:t>
             </a:r>
             <a:endParaRPr lang="en-JM" sz="1600" dirty="0">
               <a:solidFill>
@@ -21006,19 +20826,7 @@
                 </a:solidFill>
                 <a:cs typeface="Calibri"/>
               </a:rPr>
-              <a:t>System </a:t>
-            </a:r>
-            <a:r>
-              <a:rPr lang="en-JM" sz="1600" dirty="0" smtClean="0">
-                <a:solidFill>
-                  <a:schemeClr val="tx1">
-                    <a:lumMod val="75000"/>
-                    <a:lumOff val="25000"/>
-                  </a:schemeClr>
-                </a:solidFill>
-                <a:cs typeface="Calibri"/>
-              </a:rPr>
-              <a:t>Failure</a:t>
+              <a:t>System Failure</a:t>
             </a:r>
             <a:endParaRPr lang="en-JM" sz="1600" dirty="0">
               <a:solidFill>
@@ -21064,19 +20872,7 @@
                 </a:solidFill>
                 <a:cs typeface="Calibri"/>
               </a:rPr>
-              <a:t>Conflicts / </a:t>
-            </a:r>
-            <a:r>
-              <a:rPr lang="en-JM" sz="1600" dirty="0" smtClean="0">
-                <a:solidFill>
-                  <a:schemeClr val="tx1">
-                    <a:lumMod val="75000"/>
-                    <a:lumOff val="25000"/>
-                  </a:schemeClr>
-                </a:solidFill>
-                <a:cs typeface="Calibri"/>
-              </a:rPr>
-              <a:t>Variations</a:t>
+              <a:t>Conflicts / Variations</a:t>
             </a:r>
             <a:endParaRPr lang="en-JM" sz="1600" dirty="0">
               <a:solidFill>
@@ -21255,67 +21051,7 @@
                 </a:solidFill>
                 <a:cs typeface="Calibri"/>
               </a:rPr>
-              <a:t>User </a:t>
-            </a:r>
-            <a:r>
-              <a:rPr lang="en-JM" sz="1600" dirty="0" smtClean="0">
-                <a:solidFill>
-                  <a:schemeClr val="tx1">
-                    <a:lumMod val="75000"/>
-                    <a:lumOff val="25000"/>
-                  </a:schemeClr>
-                </a:solidFill>
-                <a:cs typeface="Calibri"/>
-              </a:rPr>
-              <a:t>Training </a:t>
-            </a:r>
-            <a:r>
-              <a:rPr lang="en-JM" sz="1600" dirty="0" smtClean="0">
-                <a:solidFill>
-                  <a:schemeClr val="tx1">
-                    <a:lumMod val="75000"/>
-                    <a:lumOff val="25000"/>
-                  </a:schemeClr>
-                </a:solidFill>
-                <a:cs typeface="Calibri"/>
-              </a:rPr>
-              <a:t>/ </a:t>
-            </a:r>
-            <a:r>
-              <a:rPr lang="en-JM" sz="1600" dirty="0" smtClean="0">
-                <a:solidFill>
-                  <a:schemeClr val="tx1">
-                    <a:lumMod val="75000"/>
-                    <a:lumOff val="25000"/>
-                  </a:schemeClr>
-                </a:solidFill>
-                <a:cs typeface="Calibri"/>
-              </a:rPr>
-              <a:t>Orientation </a:t>
-            </a:r>
-            <a:r>
-              <a:rPr lang="en-JM" sz="1600" dirty="0" smtClean="0">
-                <a:solidFill>
-                  <a:schemeClr val="tx1">
-                    <a:lumMod val="75000"/>
-                    <a:lumOff val="25000"/>
-                  </a:schemeClr>
-                </a:solidFill>
-                <a:cs typeface="Calibri"/>
-              </a:rPr>
-              <a:t>of </a:t>
-            </a:r>
-            <a:r>
-              <a:rPr lang="en-JM" sz="1600" dirty="0" smtClean="0">
-                <a:solidFill>
-                  <a:schemeClr val="tx1">
-                    <a:lumMod val="75000"/>
-                    <a:lumOff val="25000"/>
-                  </a:schemeClr>
-                </a:solidFill>
-                <a:cs typeface="Calibri"/>
-              </a:rPr>
-              <a:t>System</a:t>
+              <a:t>User Training / Orientation of System</a:t>
             </a:r>
             <a:endParaRPr lang="en-JM" sz="1600" dirty="0">
               <a:solidFill>
@@ -21407,19 +21143,7 @@
                 </a:solidFill>
                 <a:cs typeface="Calibri"/>
               </a:rPr>
-              <a:t>Keep </a:t>
-            </a:r>
-            <a:r>
-              <a:rPr lang="en-JM" sz="1600" dirty="0" smtClean="0">
-                <a:solidFill>
-                  <a:schemeClr val="tx1">
-                    <a:lumMod val="75000"/>
-                    <a:lumOff val="25000"/>
-                  </a:schemeClr>
-                </a:solidFill>
-                <a:cs typeface="Calibri"/>
-              </a:rPr>
-              <a:t>Hard Copies / Maintenance Period</a:t>
+              <a:t>Keep Hard Copies / Maintenance Period</a:t>
             </a:r>
             <a:endParaRPr lang="en-JM" sz="1600" dirty="0">
               <a:solidFill>
@@ -21948,19 +21672,7 @@
                 </a:solidFill>
                 <a:cs typeface="Calibri"/>
               </a:rPr>
-              <a:t>Hosting </a:t>
-            </a:r>
-            <a:r>
-              <a:rPr lang="en-JM" sz="1600" dirty="0" smtClean="0">
-                <a:solidFill>
-                  <a:schemeClr val="tx1">
-                    <a:lumMod val="75000"/>
-                    <a:lumOff val="25000"/>
-                  </a:schemeClr>
-                </a:solidFill>
-                <a:cs typeface="Calibri"/>
-              </a:rPr>
-              <a:t>Options</a:t>
+              <a:t>Hosting Options</a:t>
             </a:r>
             <a:endParaRPr lang="en-JM" sz="1600" dirty="0">
               <a:solidFill>
@@ -22738,7 +22450,16 @@
                 </a:solidFill>
                 <a:cs typeface="Calibri"/>
               </a:rPr>
-              <a:t>Hosting with us</a:t>
+              <a:t>Hosting with </a:t>
+            </a:r>
+            <a:r>
+              <a:rPr lang="en-JM" sz="2000" dirty="0" smtClean="0">
+                <a:solidFill>
+                  <a:schemeClr val="tx2"/>
+                </a:solidFill>
+                <a:cs typeface="Calibri"/>
+              </a:rPr>
+              <a:t>us</a:t>
             </a:r>
             <a:endParaRPr lang="en-JM" sz="2000" dirty="0">
               <a:solidFill>
@@ -22773,6 +22494,36 @@
           </a:p>
         </p:txBody>
       </p:sp>
+      <p:pic>
+        <p:nvPicPr>
+          <p:cNvPr id="6" name="Picture 5"/>
+          <p:cNvPicPr>
+            <a:picLocks noChangeAspect="1"/>
+          </p:cNvPicPr>
+          <p:nvPr/>
+        </p:nvPicPr>
+        <p:blipFill>
+          <a:blip r:embed="rId2">
+            <a:extLst>
+              <a:ext uri="{28A0092B-C50C-407E-A947-70E740481C1C}">
+                <a14:useLocalDpi xmlns:a14="http://schemas.microsoft.com/office/drawing/2010/main" val="0"/>
+              </a:ext>
+            </a:extLst>
+          </a:blip>
+          <a:stretch>
+            <a:fillRect/>
+          </a:stretch>
+        </p:blipFill>
+        <p:spPr>
+          <a:xfrm>
+            <a:off x="5791200" y="2590800"/>
+            <a:ext cx="2590800" cy="2590800"/>
+          </a:xfrm>
+          <a:prstGeom prst="rect">
+            <a:avLst/>
+          </a:prstGeom>
+        </p:spPr>
+      </p:pic>
     </p:spTree>
     <p:extLst>
       <p:ext uri="{BB962C8B-B14F-4D97-AF65-F5344CB8AC3E}">
@@ -23511,27 +23262,7 @@
                 <a:latin typeface="Calibri"/>
                 <a:cs typeface="Calibri"/>
               </a:rPr>
-              <a:t>3 </a:t>
-            </a:r>
-            <a:r>
-              <a:rPr lang="en-JM" sz="2000" dirty="0" smtClean="0">
-                <a:solidFill>
-                  <a:schemeClr val="tx2"/>
-                </a:solidFill>
-                <a:latin typeface="Calibri"/>
-                <a:cs typeface="Calibri"/>
-              </a:rPr>
-              <a:t>month </a:t>
-            </a:r>
-            <a:r>
-              <a:rPr lang="en-JM" sz="2000" dirty="0" smtClean="0">
-                <a:solidFill>
-                  <a:schemeClr val="tx2"/>
-                </a:solidFill>
-                <a:latin typeface="Calibri"/>
-                <a:cs typeface="Calibri"/>
-              </a:rPr>
-              <a:t>maintenance period </a:t>
+              <a:t>3 month maintenance period </a:t>
             </a:r>
           </a:p>
           <a:p>
